--- a/course_slides.pptx
+++ b/course_slides.pptx
@@ -4,65 +4,69 @@
   <p:sldMasterIdLst>
     <p:sldMasterId id="2147483657" r:id="rId1"/>
   </p:sldMasterIdLst>
+  <p:notesMasterIdLst>
+    <p:notesMasterId r:id="rId61"/>
+  </p:notesMasterIdLst>
   <p:sldIdLst>
     <p:sldId id="264" r:id="rId2"/>
-    <p:sldId id="338" r:id="rId3"/>
-    <p:sldId id="301" r:id="rId4"/>
-    <p:sldId id="261" r:id="rId5"/>
-    <p:sldId id="302" r:id="rId6"/>
-    <p:sldId id="300" r:id="rId7"/>
-    <p:sldId id="259" r:id="rId8"/>
-    <p:sldId id="260" r:id="rId9"/>
-    <p:sldId id="262" r:id="rId10"/>
-    <p:sldId id="263" r:id="rId11"/>
-    <p:sldId id="266" r:id="rId12"/>
-    <p:sldId id="303" r:id="rId13"/>
-    <p:sldId id="267" r:id="rId14"/>
-    <p:sldId id="268" r:id="rId15"/>
-    <p:sldId id="269" r:id="rId16"/>
-    <p:sldId id="270" r:id="rId17"/>
-    <p:sldId id="271" r:id="rId18"/>
-    <p:sldId id="272" r:id="rId19"/>
-    <p:sldId id="273" r:id="rId20"/>
-    <p:sldId id="304" r:id="rId21"/>
-    <p:sldId id="274" r:id="rId22"/>
-    <p:sldId id="275" r:id="rId23"/>
-    <p:sldId id="276" r:id="rId24"/>
-    <p:sldId id="277" r:id="rId25"/>
-    <p:sldId id="278" r:id="rId26"/>
-    <p:sldId id="279" r:id="rId27"/>
-    <p:sldId id="280" r:id="rId28"/>
-    <p:sldId id="305" r:id="rId29"/>
-    <p:sldId id="281" r:id="rId30"/>
-    <p:sldId id="282" r:id="rId31"/>
-    <p:sldId id="283" r:id="rId32"/>
-    <p:sldId id="284" r:id="rId33"/>
-    <p:sldId id="285" r:id="rId34"/>
-    <p:sldId id="286" r:id="rId35"/>
-    <p:sldId id="287" r:id="rId36"/>
-    <p:sldId id="288" r:id="rId37"/>
-    <p:sldId id="289" r:id="rId38"/>
-    <p:sldId id="335" r:id="rId39"/>
-    <p:sldId id="290" r:id="rId40"/>
-    <p:sldId id="291" r:id="rId41"/>
-    <p:sldId id="292" r:id="rId42"/>
-    <p:sldId id="293" r:id="rId43"/>
-    <p:sldId id="294" r:id="rId44"/>
-    <p:sldId id="337" r:id="rId45"/>
-    <p:sldId id="336" r:id="rId46"/>
-    <p:sldId id="295" r:id="rId47"/>
-    <p:sldId id="296" r:id="rId48"/>
-    <p:sldId id="297" r:id="rId49"/>
-    <p:sldId id="298" r:id="rId50"/>
-    <p:sldId id="299" r:id="rId51"/>
-    <p:sldId id="342" r:id="rId52"/>
-    <p:sldId id="339" r:id="rId53"/>
-    <p:sldId id="343" r:id="rId54"/>
-    <p:sldId id="340" r:id="rId55"/>
-    <p:sldId id="344" r:id="rId56"/>
-    <p:sldId id="341" r:id="rId57"/>
-    <p:sldId id="345" r:id="rId58"/>
-    <p:sldId id="346" r:id="rId59"/>
+    <p:sldId id="347" r:id="rId3"/>
+    <p:sldId id="338" r:id="rId4"/>
+    <p:sldId id="301" r:id="rId5"/>
+    <p:sldId id="261" r:id="rId6"/>
+    <p:sldId id="302" r:id="rId7"/>
+    <p:sldId id="300" r:id="rId8"/>
+    <p:sldId id="259" r:id="rId9"/>
+    <p:sldId id="260" r:id="rId10"/>
+    <p:sldId id="262" r:id="rId11"/>
+    <p:sldId id="263" r:id="rId12"/>
+    <p:sldId id="266" r:id="rId13"/>
+    <p:sldId id="303" r:id="rId14"/>
+    <p:sldId id="267" r:id="rId15"/>
+    <p:sldId id="268" r:id="rId16"/>
+    <p:sldId id="269" r:id="rId17"/>
+    <p:sldId id="270" r:id="rId18"/>
+    <p:sldId id="271" r:id="rId19"/>
+    <p:sldId id="272" r:id="rId20"/>
+    <p:sldId id="273" r:id="rId21"/>
+    <p:sldId id="304" r:id="rId22"/>
+    <p:sldId id="274" r:id="rId23"/>
+    <p:sldId id="275" r:id="rId24"/>
+    <p:sldId id="276" r:id="rId25"/>
+    <p:sldId id="277" r:id="rId26"/>
+    <p:sldId id="278" r:id="rId27"/>
+    <p:sldId id="279" r:id="rId28"/>
+    <p:sldId id="280" r:id="rId29"/>
+    <p:sldId id="305" r:id="rId30"/>
+    <p:sldId id="281" r:id="rId31"/>
+    <p:sldId id="282" r:id="rId32"/>
+    <p:sldId id="283" r:id="rId33"/>
+    <p:sldId id="284" r:id="rId34"/>
+    <p:sldId id="285" r:id="rId35"/>
+    <p:sldId id="286" r:id="rId36"/>
+    <p:sldId id="287" r:id="rId37"/>
+    <p:sldId id="288" r:id="rId38"/>
+    <p:sldId id="289" r:id="rId39"/>
+    <p:sldId id="335" r:id="rId40"/>
+    <p:sldId id="290" r:id="rId41"/>
+    <p:sldId id="291" r:id="rId42"/>
+    <p:sldId id="292" r:id="rId43"/>
+    <p:sldId id="293" r:id="rId44"/>
+    <p:sldId id="294" r:id="rId45"/>
+    <p:sldId id="337" r:id="rId46"/>
+    <p:sldId id="336" r:id="rId47"/>
+    <p:sldId id="295" r:id="rId48"/>
+    <p:sldId id="296" r:id="rId49"/>
+    <p:sldId id="297" r:id="rId50"/>
+    <p:sldId id="298" r:id="rId51"/>
+    <p:sldId id="299" r:id="rId52"/>
+    <p:sldId id="342" r:id="rId53"/>
+    <p:sldId id="339" r:id="rId54"/>
+    <p:sldId id="343" r:id="rId55"/>
+    <p:sldId id="340" r:id="rId56"/>
+    <p:sldId id="344" r:id="rId57"/>
+    <p:sldId id="341" r:id="rId58"/>
+    <p:sldId id="345" r:id="rId59"/>
+    <p:sldId id="346" r:id="rId60"/>
   </p:sldIdLst>
   <p:sldSz cx="12192000" cy="6858000"/>
   <p:notesSz cx="6858000" cy="9144000"/>
@@ -180,6 +184,355 @@
 </p:presentation>
 </file>
 
+<file path=ppt/notesMasters/notesMaster1.xml><?xml version="1.0" encoding="utf-8"?>
+<p:notesMaster xmlns:a="http://schemas.openxmlformats.org/drawingml/2006/main" xmlns:r="http://schemas.openxmlformats.org/officeDocument/2006/relationships" xmlns:p="http://schemas.openxmlformats.org/presentationml/2006/main">
+  <p:cSld>
+    <p:bg>
+      <p:bgRef idx="1001">
+        <a:schemeClr val="bg1"/>
+      </p:bgRef>
+    </p:bg>
+    <p:spTree>
+      <p:nvGrpSpPr>
+        <p:cNvPr id="1" name=""/>
+        <p:cNvGrpSpPr/>
+        <p:nvPr/>
+      </p:nvGrpSpPr>
+      <p:grpSpPr>
+        <a:xfrm>
+          <a:off x="0" y="0"/>
+          <a:ext cx="0" cy="0"/>
+          <a:chOff x="0" y="0"/>
+          <a:chExt cx="0" cy="0"/>
+        </a:xfrm>
+      </p:grpSpPr>
+      <p:sp>
+        <p:nvSpPr>
+          <p:cNvPr id="2" name="Header Placeholder 1"/>
+          <p:cNvSpPr>
+            <a:spLocks noGrp="1"/>
+          </p:cNvSpPr>
+          <p:nvPr>
+            <p:ph type="hdr" sz="quarter"/>
+          </p:nvPr>
+        </p:nvSpPr>
+        <p:spPr>
+          <a:xfrm>
+            <a:off x="0" y="0"/>
+            <a:ext cx="2971800" cy="458788"/>
+          </a:xfrm>
+          <a:prstGeom prst="rect">
+            <a:avLst/>
+          </a:prstGeom>
+        </p:spPr>
+        <p:txBody>
+          <a:bodyPr vert="horz" lIns="91440" tIns="45720" rIns="91440" bIns="45720" rtlCol="0"/>
+          <a:lstStyle>
+            <a:lvl1pPr algn="l">
+              <a:defRPr sz="1200"/>
+            </a:lvl1pPr>
+          </a:lstStyle>
+          <a:p>
+            <a:endParaRPr lang="en-US"/>
+          </a:p>
+        </p:txBody>
+      </p:sp>
+      <p:sp>
+        <p:nvSpPr>
+          <p:cNvPr id="3" name="Date Placeholder 2"/>
+          <p:cNvSpPr>
+            <a:spLocks noGrp="1"/>
+          </p:cNvSpPr>
+          <p:nvPr>
+            <p:ph type="dt" idx="1"/>
+          </p:nvPr>
+        </p:nvSpPr>
+        <p:spPr>
+          <a:xfrm>
+            <a:off x="3884613" y="0"/>
+            <a:ext cx="2971800" cy="458788"/>
+          </a:xfrm>
+          <a:prstGeom prst="rect">
+            <a:avLst/>
+          </a:prstGeom>
+        </p:spPr>
+        <p:txBody>
+          <a:bodyPr vert="horz" lIns="91440" tIns="45720" rIns="91440" bIns="45720" rtlCol="0"/>
+          <a:lstStyle>
+            <a:lvl1pPr algn="r">
+              <a:defRPr sz="1200"/>
+            </a:lvl1pPr>
+          </a:lstStyle>
+          <a:p>
+            <a:fld id="{3F18A2AB-3DBB-A948-83C9-629A6DE7BD6F}" type="datetimeFigureOut">
+              <a:rPr lang="en-US" smtClean="0"/>
+              <a:t>5/31/20</a:t>
+            </a:fld>
+            <a:endParaRPr lang="en-US"/>
+          </a:p>
+        </p:txBody>
+      </p:sp>
+      <p:sp>
+        <p:nvSpPr>
+          <p:cNvPr id="4" name="Slide Image Placeholder 3"/>
+          <p:cNvSpPr>
+            <a:spLocks noGrp="1" noRot="1" noChangeAspect="1"/>
+          </p:cNvSpPr>
+          <p:nvPr>
+            <p:ph type="sldImg" idx="2"/>
+          </p:nvPr>
+        </p:nvSpPr>
+        <p:spPr>
+          <a:xfrm>
+            <a:off x="685800" y="1143000"/>
+            <a:ext cx="5486400" cy="3086100"/>
+          </a:xfrm>
+          <a:prstGeom prst="rect">
+            <a:avLst/>
+          </a:prstGeom>
+          <a:noFill/>
+          <a:ln w="12700">
+            <a:solidFill>
+              <a:prstClr val="black"/>
+            </a:solidFill>
+          </a:ln>
+        </p:spPr>
+        <p:txBody>
+          <a:bodyPr vert="horz" lIns="91440" tIns="45720" rIns="91440" bIns="45720" rtlCol="0" anchor="ctr"/>
+          <a:lstStyle/>
+          <a:p>
+            <a:endParaRPr lang="en-US"/>
+          </a:p>
+        </p:txBody>
+      </p:sp>
+      <p:sp>
+        <p:nvSpPr>
+          <p:cNvPr id="5" name="Notes Placeholder 4"/>
+          <p:cNvSpPr>
+            <a:spLocks noGrp="1"/>
+          </p:cNvSpPr>
+          <p:nvPr>
+            <p:ph type="body" sz="quarter" idx="3"/>
+          </p:nvPr>
+        </p:nvSpPr>
+        <p:spPr>
+          <a:xfrm>
+            <a:off x="685800" y="4400550"/>
+            <a:ext cx="5486400" cy="3600450"/>
+          </a:xfrm>
+          <a:prstGeom prst="rect">
+            <a:avLst/>
+          </a:prstGeom>
+        </p:spPr>
+        <p:txBody>
+          <a:bodyPr vert="horz" lIns="91440" tIns="45720" rIns="91440" bIns="45720" rtlCol="0"/>
+          <a:lstStyle/>
+          <a:p>
+            <a:pPr lvl="0"/>
+            <a:r>
+              <a:rPr lang="en-US"/>
+              <a:t>Click to edit Master text styles</a:t>
+            </a:r>
+          </a:p>
+          <a:p>
+            <a:pPr lvl="1"/>
+            <a:r>
+              <a:rPr lang="en-US"/>
+              <a:t>Second level</a:t>
+            </a:r>
+          </a:p>
+          <a:p>
+            <a:pPr lvl="2"/>
+            <a:r>
+              <a:rPr lang="en-US"/>
+              <a:t>Third level</a:t>
+            </a:r>
+          </a:p>
+          <a:p>
+            <a:pPr lvl="3"/>
+            <a:r>
+              <a:rPr lang="en-US"/>
+              <a:t>Fourth level</a:t>
+            </a:r>
+          </a:p>
+          <a:p>
+            <a:pPr lvl="4"/>
+            <a:r>
+              <a:rPr lang="en-US"/>
+              <a:t>Fifth level</a:t>
+            </a:r>
+          </a:p>
+        </p:txBody>
+      </p:sp>
+      <p:sp>
+        <p:nvSpPr>
+          <p:cNvPr id="6" name="Footer Placeholder 5"/>
+          <p:cNvSpPr>
+            <a:spLocks noGrp="1"/>
+          </p:cNvSpPr>
+          <p:nvPr>
+            <p:ph type="ftr" sz="quarter" idx="4"/>
+          </p:nvPr>
+        </p:nvSpPr>
+        <p:spPr>
+          <a:xfrm>
+            <a:off x="0" y="8685213"/>
+            <a:ext cx="2971800" cy="458787"/>
+          </a:xfrm>
+          <a:prstGeom prst="rect">
+            <a:avLst/>
+          </a:prstGeom>
+        </p:spPr>
+        <p:txBody>
+          <a:bodyPr vert="horz" lIns="91440" tIns="45720" rIns="91440" bIns="45720" rtlCol="0" anchor="b"/>
+          <a:lstStyle>
+            <a:lvl1pPr algn="l">
+              <a:defRPr sz="1200"/>
+            </a:lvl1pPr>
+          </a:lstStyle>
+          <a:p>
+            <a:endParaRPr lang="en-US"/>
+          </a:p>
+        </p:txBody>
+      </p:sp>
+      <p:sp>
+        <p:nvSpPr>
+          <p:cNvPr id="7" name="Slide Number Placeholder 6"/>
+          <p:cNvSpPr>
+            <a:spLocks noGrp="1"/>
+          </p:cNvSpPr>
+          <p:nvPr>
+            <p:ph type="sldNum" sz="quarter" idx="5"/>
+          </p:nvPr>
+        </p:nvSpPr>
+        <p:spPr>
+          <a:xfrm>
+            <a:off x="3884613" y="8685213"/>
+            <a:ext cx="2971800" cy="458787"/>
+          </a:xfrm>
+          <a:prstGeom prst="rect">
+            <a:avLst/>
+          </a:prstGeom>
+        </p:spPr>
+        <p:txBody>
+          <a:bodyPr vert="horz" lIns="91440" tIns="45720" rIns="91440" bIns="45720" rtlCol="0" anchor="b"/>
+          <a:lstStyle>
+            <a:lvl1pPr algn="r">
+              <a:defRPr sz="1200"/>
+            </a:lvl1pPr>
+          </a:lstStyle>
+          <a:p>
+            <a:fld id="{BF500049-E285-E446-A2CE-C0D6C8866735}" type="slidenum">
+              <a:rPr lang="en-US" smtClean="0"/>
+              <a:t>‹#›</a:t>
+            </a:fld>
+            <a:endParaRPr lang="en-US"/>
+          </a:p>
+        </p:txBody>
+      </p:sp>
+    </p:spTree>
+    <p:extLst>
+      <p:ext uri="{BB962C8B-B14F-4D97-AF65-F5344CB8AC3E}">
+        <p14:creationId xmlns:p14="http://schemas.microsoft.com/office/powerpoint/2010/main" val="1805201469"/>
+      </p:ext>
+    </p:extLst>
+  </p:cSld>
+  <p:clrMap bg1="lt1" tx1="dk1" bg2="lt2" tx2="dk2" accent1="accent1" accent2="accent2" accent3="accent3" accent4="accent4" accent5="accent5" accent6="accent6" hlink="hlink" folHlink="folHlink"/>
+  <p:notesStyle>
+    <a:lvl1pPr marL="0" algn="l" defTabSz="914400" rtl="0" eaLnBrk="1" latinLnBrk="0" hangingPunct="1">
+      <a:defRPr sz="1200" kern="1200">
+        <a:solidFill>
+          <a:schemeClr val="tx1"/>
+        </a:solidFill>
+        <a:latin typeface="+mn-lt"/>
+        <a:ea typeface="+mn-ea"/>
+        <a:cs typeface="+mn-cs"/>
+      </a:defRPr>
+    </a:lvl1pPr>
+    <a:lvl2pPr marL="457200" algn="l" defTabSz="914400" rtl="0" eaLnBrk="1" latinLnBrk="0" hangingPunct="1">
+      <a:defRPr sz="1200" kern="1200">
+        <a:solidFill>
+          <a:schemeClr val="tx1"/>
+        </a:solidFill>
+        <a:latin typeface="+mn-lt"/>
+        <a:ea typeface="+mn-ea"/>
+        <a:cs typeface="+mn-cs"/>
+      </a:defRPr>
+    </a:lvl2pPr>
+    <a:lvl3pPr marL="914400" algn="l" defTabSz="914400" rtl="0" eaLnBrk="1" latinLnBrk="0" hangingPunct="1">
+      <a:defRPr sz="1200" kern="1200">
+        <a:solidFill>
+          <a:schemeClr val="tx1"/>
+        </a:solidFill>
+        <a:latin typeface="+mn-lt"/>
+        <a:ea typeface="+mn-ea"/>
+        <a:cs typeface="+mn-cs"/>
+      </a:defRPr>
+    </a:lvl3pPr>
+    <a:lvl4pPr marL="1371600" algn="l" defTabSz="914400" rtl="0" eaLnBrk="1" latinLnBrk="0" hangingPunct="1">
+      <a:defRPr sz="1200" kern="1200">
+        <a:solidFill>
+          <a:schemeClr val="tx1"/>
+        </a:solidFill>
+        <a:latin typeface="+mn-lt"/>
+        <a:ea typeface="+mn-ea"/>
+        <a:cs typeface="+mn-cs"/>
+      </a:defRPr>
+    </a:lvl4pPr>
+    <a:lvl5pPr marL="1828800" algn="l" defTabSz="914400" rtl="0" eaLnBrk="1" latinLnBrk="0" hangingPunct="1">
+      <a:defRPr sz="1200" kern="1200">
+        <a:solidFill>
+          <a:schemeClr val="tx1"/>
+        </a:solidFill>
+        <a:latin typeface="+mn-lt"/>
+        <a:ea typeface="+mn-ea"/>
+        <a:cs typeface="+mn-cs"/>
+      </a:defRPr>
+    </a:lvl5pPr>
+    <a:lvl6pPr marL="2286000" algn="l" defTabSz="914400" rtl="0" eaLnBrk="1" latinLnBrk="0" hangingPunct="1">
+      <a:defRPr sz="1200" kern="1200">
+        <a:solidFill>
+          <a:schemeClr val="tx1"/>
+        </a:solidFill>
+        <a:latin typeface="+mn-lt"/>
+        <a:ea typeface="+mn-ea"/>
+        <a:cs typeface="+mn-cs"/>
+      </a:defRPr>
+    </a:lvl6pPr>
+    <a:lvl7pPr marL="2743200" algn="l" defTabSz="914400" rtl="0" eaLnBrk="1" latinLnBrk="0" hangingPunct="1">
+      <a:defRPr sz="1200" kern="1200">
+        <a:solidFill>
+          <a:schemeClr val="tx1"/>
+        </a:solidFill>
+        <a:latin typeface="+mn-lt"/>
+        <a:ea typeface="+mn-ea"/>
+        <a:cs typeface="+mn-cs"/>
+      </a:defRPr>
+    </a:lvl7pPr>
+    <a:lvl8pPr marL="3200400" algn="l" defTabSz="914400" rtl="0" eaLnBrk="1" latinLnBrk="0" hangingPunct="1">
+      <a:defRPr sz="1200" kern="1200">
+        <a:solidFill>
+          <a:schemeClr val="tx1"/>
+        </a:solidFill>
+        <a:latin typeface="+mn-lt"/>
+        <a:ea typeface="+mn-ea"/>
+        <a:cs typeface="+mn-cs"/>
+      </a:defRPr>
+    </a:lvl8pPr>
+    <a:lvl9pPr marL="3657600" algn="l" defTabSz="914400" rtl="0" eaLnBrk="1" latinLnBrk="0" hangingPunct="1">
+      <a:defRPr sz="1200" kern="1200">
+        <a:solidFill>
+          <a:schemeClr val="tx1"/>
+        </a:solidFill>
+        <a:latin typeface="+mn-lt"/>
+        <a:ea typeface="+mn-ea"/>
+        <a:cs typeface="+mn-cs"/>
+      </a:defRPr>
+    </a:lvl9pPr>
+  </p:notesStyle>
+</p:notesMaster>
+</file>
+
 <file path=ppt/slideLayouts/slideLayout1.xml><?xml version="1.0" encoding="utf-8"?>
 <p:sldLayout xmlns:a="http://schemas.openxmlformats.org/drawingml/2006/main" xmlns:r="http://schemas.openxmlformats.org/officeDocument/2006/relationships" xmlns:p="http://schemas.openxmlformats.org/presentationml/2006/main" preserve="1" userDrawn="1">
   <p:cSld name="Section">
@@ -1173,6 +1526,7 @@
     <p:sldLayoutId id="2147483678" r:id="rId4"/>
     <p:sldLayoutId id="2147483673" r:id="rId5"/>
   </p:sldLayoutIdLst>
+  <p:hf sldNum="0" hdr="0" dt="0"/>
   <p:txStyles>
     <p:titleStyle>
       <a:lvl1pPr algn="l" defTabSz="914400" rtl="0" eaLnBrk="1" latinLnBrk="0" hangingPunct="1">
@@ -1490,14 +1844,59 @@
           <a:p>
             <a:r>
               <a:rPr lang="en-US" dirty="0"/>
-              <a:t>Section 1 </a:t>
-            </a:r>
-          </a:p>
-          <a:p>
-            <a:r>
-              <a:rPr lang="en-US" dirty="0"/>
-              <a:t>Web Development Introduction</a:t>
-            </a:r>
+              <a:t>SAP UI5 Development Re-Introduction</a:t>
+            </a:r>
+          </a:p>
+        </p:txBody>
+      </p:sp>
+      <p:sp>
+        <p:nvSpPr>
+          <p:cNvPr id="7" name="TextBox 6">
+            <a:extLst>
+              <a:ext uri="{FF2B5EF4-FFF2-40B4-BE49-F238E27FC236}">
+                <a16:creationId xmlns:a16="http://schemas.microsoft.com/office/drawing/2014/main" id="{8E12C778-AEB7-5743-A330-A25E23A8509D}"/>
+              </a:ext>
+            </a:extLst>
+          </p:cNvPr>
+          <p:cNvSpPr txBox="1"/>
+          <p:nvPr/>
+        </p:nvSpPr>
+        <p:spPr>
+          <a:xfrm>
+            <a:off x="669701" y="4225804"/>
+            <a:ext cx="4481848" cy="1815882"/>
+          </a:xfrm>
+          <a:prstGeom prst="rect">
+            <a:avLst/>
+          </a:prstGeom>
+          <a:noFill/>
+        </p:spPr>
+        <p:txBody>
+          <a:bodyPr wrap="square" rtlCol="0">
+            <a:spAutoFit/>
+          </a:bodyPr>
+          <a:lstStyle/>
+          <a:p>
+            <a:r>
+              <a:rPr lang="en-US" sz="2800" b="1" dirty="0"/>
+              <a:t>2019.11</a:t>
+            </a:r>
+          </a:p>
+          <a:p>
+            <a:endParaRPr lang="en-US" sz="2800" b="1" dirty="0"/>
+          </a:p>
+          <a:p>
+            <a:r>
+              <a:rPr lang="en-US" sz="2800" b="1" dirty="0"/>
+              <a:t>Michael Hu</a:t>
+            </a:r>
+          </a:p>
+          <a:p>
+            <a:r>
+              <a:rPr lang="en-US" sz="2800" b="1" dirty="0" err="1"/>
+              <a:t>michaelnny@gmail.com</a:t>
+            </a:r>
+            <a:endParaRPr lang="en-US" sz="2800" b="1" dirty="0"/>
           </a:p>
         </p:txBody>
       </p:sp>
@@ -1546,12 +1945,9 @@
           <a:bodyPr/>
           <a:lstStyle/>
           <a:p>
-            <a:pPr>
-              <a:buNone/>
-            </a:pPr>
             <a:r>
               <a:rPr lang="en-US" dirty="0"/>
-              <a:t>Some Links about HTML by MDN</a:t>
+              <a:t>DOM</a:t>
             </a:r>
           </a:p>
         </p:txBody>
@@ -1566,109 +1962,420 @@
             <p:ph sz="quarter" idx="11"/>
           </p:nvPr>
         </p:nvSpPr>
+        <p:spPr/>
+        <p:txBody>
+          <a:bodyPr anchor="b" anchorCtr="0"/>
+          <a:lstStyle/>
+          <a:p>
+            <a:pPr marL="0" indent="0">
+              <a:buNone/>
+            </a:pPr>
+            <a:r>
+              <a:rPr lang="en-US" sz="3200" dirty="0"/>
+              <a:t>Browser convert HTML into  a DOM (Document Object Model) tree model.</a:t>
+            </a:r>
+          </a:p>
+          <a:p>
+            <a:pPr marL="0" indent="0">
+              <a:buNone/>
+            </a:pPr>
+            <a:r>
+              <a:rPr lang="en-US" sz="3200" dirty="0">
+                <a:hlinkClick r:id="rId2"/>
+              </a:rPr>
+              <a:t>https://developer.mozilla.org/en-US/docs/Learn/CSS/First_steps/How_CSS_works</a:t>
+            </a:r>
+            <a:endParaRPr lang="en-US" sz="3200" dirty="0"/>
+          </a:p>
+        </p:txBody>
+      </p:sp>
+      <p:sp>
+        <p:nvSpPr>
+          <p:cNvPr id="4" name="Rectangle 3"/>
+          <p:cNvSpPr/>
+          <p:nvPr/>
+        </p:nvSpPr>
         <p:spPr>
           <a:xfrm>
-            <a:off x="499731" y="1494891"/>
-            <a:ext cx="11206716" cy="4797625"/>
+            <a:off x="718459" y="2195562"/>
+            <a:ext cx="1802674" cy="1554480"/>
           </a:xfrm>
+          <a:prstGeom prst="rect">
+            <a:avLst/>
+          </a:prstGeom>
+          <a:solidFill>
+            <a:schemeClr val="bg1"/>
+          </a:solidFill>
+          <a:ln>
+            <a:solidFill>
+              <a:schemeClr val="tx1"/>
+            </a:solidFill>
+          </a:ln>
         </p:spPr>
-        <p:txBody>
-          <a:bodyPr/>
-          <a:lstStyle/>
-          <a:p>
-            <a:pPr marL="0" indent="0">
-              <a:buNone/>
-            </a:pPr>
+        <p:style>
+          <a:lnRef idx="2">
+            <a:schemeClr val="accent1">
+              <a:shade val="50000"/>
+            </a:schemeClr>
+          </a:lnRef>
+          <a:fillRef idx="1">
+            <a:schemeClr val="accent1"/>
+          </a:fillRef>
+          <a:effectRef idx="0">
+            <a:schemeClr val="accent1"/>
+          </a:effectRef>
+          <a:fontRef idx="minor">
+            <a:schemeClr val="lt1"/>
+          </a:fontRef>
+        </p:style>
+        <p:txBody>
+          <a:bodyPr rtlCol="0" anchor="ctr"/>
+          <a:lstStyle/>
+          <a:p>
+            <a:pPr algn="ctr"/>
             <a:r>
               <a:rPr lang="en-US" sz="3200" dirty="0">
                 <a:solidFill>
-                  <a:srgbClr val="EF3A6F"/>
-                </a:solidFill>
+                  <a:schemeClr val="tx1"/>
+                </a:solidFill>
+                <a:latin typeface="Arial Narrow" panose="020B0606020202030204" pitchFamily="34" charset="0"/>
+              </a:rPr>
+              <a:t>Load</a:t>
+            </a:r>
+          </a:p>
+          <a:p>
+            <a:pPr algn="ctr"/>
+            <a:r>
+              <a:rPr lang="en-US" sz="3200" dirty="0">
+                <a:solidFill>
+                  <a:schemeClr val="tx1"/>
+                </a:solidFill>
+                <a:latin typeface="Arial Narrow" panose="020B0606020202030204" pitchFamily="34" charset="0"/>
               </a:rPr>
               <a:t>HTML</a:t>
             </a:r>
           </a:p>
-          <a:p>
-            <a:pPr marL="0" indent="0">
-              <a:buNone/>
-            </a:pPr>
-            <a:r>
-              <a:rPr lang="en-US" sz="2800" dirty="0"/>
-              <a:t>https://developer.mozilla.org/en-US/docs/Web/HTML</a:t>
-            </a:r>
-          </a:p>
-          <a:p>
-            <a:pPr marL="0" indent="0">
-              <a:buNone/>
-            </a:pPr>
+        </p:txBody>
+      </p:sp>
+      <p:sp>
+        <p:nvSpPr>
+          <p:cNvPr id="5" name="Rectangle 4"/>
+          <p:cNvSpPr/>
+          <p:nvPr/>
+        </p:nvSpPr>
+        <p:spPr>
+          <a:xfrm>
+            <a:off x="3549760" y="2195562"/>
+            <a:ext cx="1802674" cy="1554480"/>
+          </a:xfrm>
+          <a:prstGeom prst="rect">
+            <a:avLst/>
+          </a:prstGeom>
+          <a:solidFill>
+            <a:schemeClr val="bg1"/>
+          </a:solidFill>
+          <a:ln>
+            <a:solidFill>
+              <a:schemeClr val="tx1"/>
+            </a:solidFill>
+          </a:ln>
+        </p:spPr>
+        <p:style>
+          <a:lnRef idx="2">
+            <a:schemeClr val="accent1">
+              <a:shade val="50000"/>
+            </a:schemeClr>
+          </a:lnRef>
+          <a:fillRef idx="1">
+            <a:schemeClr val="accent1"/>
+          </a:fillRef>
+          <a:effectRef idx="0">
+            <a:schemeClr val="accent1"/>
+          </a:effectRef>
+          <a:fontRef idx="minor">
+            <a:schemeClr val="lt1"/>
+          </a:fontRef>
+        </p:style>
+        <p:txBody>
+          <a:bodyPr rtlCol="0" anchor="ctr"/>
+          <a:lstStyle/>
+          <a:p>
+            <a:pPr algn="ctr"/>
             <a:r>
               <a:rPr lang="en-US" sz="3200" dirty="0">
                 <a:solidFill>
-                  <a:srgbClr val="EF3A6F"/>
-                </a:solidFill>
-              </a:rPr>
-              <a:t>HTML Reference</a:t>
-            </a:r>
-          </a:p>
-          <a:p>
-            <a:pPr marL="0" indent="0">
-              <a:buNone/>
-            </a:pPr>
-            <a:r>
-              <a:rPr lang="en-US" sz="2800" dirty="0"/>
-              <a:t>https://developer.mozilla.org/en-US/docs/Web/HTML/Reference</a:t>
-            </a:r>
-          </a:p>
-          <a:p>
-            <a:pPr marL="0" indent="0">
-              <a:buNone/>
-            </a:pPr>
+                  <a:schemeClr val="tx1"/>
+                </a:solidFill>
+                <a:latin typeface="Arial Narrow" panose="020B0606020202030204" pitchFamily="34" charset="0"/>
+              </a:rPr>
+              <a:t>Parse</a:t>
+            </a:r>
+          </a:p>
+          <a:p>
+            <a:pPr algn="ctr"/>
             <a:r>
               <a:rPr lang="en-US" sz="3200" dirty="0">
                 <a:solidFill>
-                  <a:srgbClr val="EF3A6F"/>
-                </a:solidFill>
-              </a:rPr>
-              <a:t>HTML Elements</a:t>
-            </a:r>
-          </a:p>
-          <a:p>
-            <a:pPr marL="0" indent="0">
-              <a:buNone/>
-            </a:pPr>
-            <a:r>
-              <a:rPr lang="en-US" sz="2800" dirty="0"/>
-              <a:t>https://developer.mozilla.org/en-US/docs/Web/HTML/Element</a:t>
-            </a:r>
-          </a:p>
-          <a:p>
-            <a:pPr marL="0" indent="0">
-              <a:buNone/>
-            </a:pPr>
+                  <a:schemeClr val="tx1"/>
+                </a:solidFill>
+                <a:latin typeface="Arial Narrow" panose="020B0606020202030204" pitchFamily="34" charset="0"/>
+              </a:rPr>
+              <a:t>HTML</a:t>
+            </a:r>
+          </a:p>
+        </p:txBody>
+      </p:sp>
+      <p:sp>
+        <p:nvSpPr>
+          <p:cNvPr id="6" name="Rectangle 5"/>
+          <p:cNvSpPr/>
+          <p:nvPr/>
+        </p:nvSpPr>
+        <p:spPr>
+          <a:xfrm>
+            <a:off x="6381061" y="2195562"/>
+            <a:ext cx="1802674" cy="1554480"/>
+          </a:xfrm>
+          <a:prstGeom prst="rect">
+            <a:avLst/>
+          </a:prstGeom>
+          <a:solidFill>
+            <a:schemeClr val="bg1"/>
+          </a:solidFill>
+          <a:ln>
+            <a:solidFill>
+              <a:schemeClr val="tx1"/>
+            </a:solidFill>
+          </a:ln>
+        </p:spPr>
+        <p:style>
+          <a:lnRef idx="2">
+            <a:schemeClr val="accent1">
+              <a:shade val="50000"/>
+            </a:schemeClr>
+          </a:lnRef>
+          <a:fillRef idx="1">
+            <a:schemeClr val="accent1"/>
+          </a:fillRef>
+          <a:effectRef idx="0">
+            <a:schemeClr val="accent1"/>
+          </a:effectRef>
+          <a:fontRef idx="minor">
+            <a:schemeClr val="lt1"/>
+          </a:fontRef>
+        </p:style>
+        <p:txBody>
+          <a:bodyPr rtlCol="0" anchor="ctr"/>
+          <a:lstStyle/>
+          <a:p>
+            <a:pPr algn="ctr"/>
             <a:r>
               <a:rPr lang="en-US" sz="3200" dirty="0">
                 <a:solidFill>
-                  <a:srgbClr val="EF3A6F"/>
-                </a:solidFill>
-              </a:rPr>
-              <a:t>HTML Attributes</a:t>
-            </a:r>
-          </a:p>
-          <a:p>
-            <a:pPr marL="0" indent="0">
-              <a:buNone/>
-            </a:pPr>
-            <a:r>
-              <a:rPr lang="en-US" sz="2800" dirty="0"/>
-              <a:t>https://developer.mozilla.org/en-US/docs/Web/HTML/Attributes</a:t>
-            </a:r>
-          </a:p>
-        </p:txBody>
-      </p:sp>
+                  <a:schemeClr val="tx1"/>
+                </a:solidFill>
+                <a:latin typeface="Arial Narrow" panose="020B0606020202030204" pitchFamily="34" charset="0"/>
+              </a:rPr>
+              <a:t>Create</a:t>
+            </a:r>
+          </a:p>
+          <a:p>
+            <a:pPr algn="ctr"/>
+            <a:r>
+              <a:rPr lang="en-US" sz="3200" dirty="0">
+                <a:solidFill>
+                  <a:schemeClr val="tx1"/>
+                </a:solidFill>
+                <a:latin typeface="Arial Narrow" panose="020B0606020202030204" pitchFamily="34" charset="0"/>
+              </a:rPr>
+              <a:t>DOM</a:t>
+            </a:r>
+          </a:p>
+          <a:p>
+            <a:pPr algn="ctr"/>
+            <a:r>
+              <a:rPr lang="en-US" sz="3200" dirty="0">
+                <a:solidFill>
+                  <a:schemeClr val="tx1"/>
+                </a:solidFill>
+                <a:latin typeface="Arial Narrow" panose="020B0606020202030204" pitchFamily="34" charset="0"/>
+              </a:rPr>
+              <a:t>Tree</a:t>
+            </a:r>
+          </a:p>
+        </p:txBody>
+      </p:sp>
+      <p:sp>
+        <p:nvSpPr>
+          <p:cNvPr id="8" name="Rectangle 7"/>
+          <p:cNvSpPr/>
+          <p:nvPr/>
+        </p:nvSpPr>
+        <p:spPr>
+          <a:xfrm>
+            <a:off x="9212362" y="2195562"/>
+            <a:ext cx="1802674" cy="1554480"/>
+          </a:xfrm>
+          <a:prstGeom prst="rect">
+            <a:avLst/>
+          </a:prstGeom>
+          <a:solidFill>
+            <a:schemeClr val="bg1"/>
+          </a:solidFill>
+          <a:ln>
+            <a:solidFill>
+              <a:schemeClr val="tx1"/>
+            </a:solidFill>
+          </a:ln>
+        </p:spPr>
+        <p:style>
+          <a:lnRef idx="2">
+            <a:schemeClr val="accent1">
+              <a:shade val="50000"/>
+            </a:schemeClr>
+          </a:lnRef>
+          <a:fillRef idx="1">
+            <a:schemeClr val="accent1"/>
+          </a:fillRef>
+          <a:effectRef idx="0">
+            <a:schemeClr val="accent1"/>
+          </a:effectRef>
+          <a:fontRef idx="minor">
+            <a:schemeClr val="lt1"/>
+          </a:fontRef>
+        </p:style>
+        <p:txBody>
+          <a:bodyPr rtlCol="0" anchor="ctr"/>
+          <a:lstStyle/>
+          <a:p>
+            <a:pPr algn="ctr"/>
+            <a:r>
+              <a:rPr lang="en-US" sz="3200" dirty="0">
+                <a:solidFill>
+                  <a:schemeClr val="tx1"/>
+                </a:solidFill>
+                <a:latin typeface="Arial Narrow" panose="020B0606020202030204" pitchFamily="34" charset="0"/>
+              </a:rPr>
+              <a:t>Display</a:t>
+            </a:r>
+          </a:p>
+        </p:txBody>
+      </p:sp>
+      <p:cxnSp>
+        <p:nvCxnSpPr>
+          <p:cNvPr id="10" name="Straight Arrow Connector 9"/>
+          <p:cNvCxnSpPr>
+            <a:stCxn id="4" idx="3"/>
+            <a:endCxn id="5" idx="1"/>
+          </p:cNvCxnSpPr>
+          <p:nvPr/>
+        </p:nvCxnSpPr>
+        <p:spPr>
+          <a:xfrm>
+            <a:off x="2521133" y="2972802"/>
+            <a:ext cx="1028627" cy="0"/>
+          </a:xfrm>
+          <a:prstGeom prst="straightConnector1">
+            <a:avLst/>
+          </a:prstGeom>
+          <a:ln w="63500">
+            <a:solidFill>
+              <a:srgbClr val="EF3A6F"/>
+            </a:solidFill>
+            <a:tailEnd type="triangle"/>
+          </a:ln>
+        </p:spPr>
+        <p:style>
+          <a:lnRef idx="1">
+            <a:schemeClr val="accent1"/>
+          </a:lnRef>
+          <a:fillRef idx="0">
+            <a:schemeClr val="accent1"/>
+          </a:fillRef>
+          <a:effectRef idx="0">
+            <a:schemeClr val="accent1"/>
+          </a:effectRef>
+          <a:fontRef idx="minor">
+            <a:schemeClr val="tx1"/>
+          </a:fontRef>
+        </p:style>
+      </p:cxnSp>
+      <p:cxnSp>
+        <p:nvCxnSpPr>
+          <p:cNvPr id="11" name="Straight Arrow Connector 10"/>
+          <p:cNvCxnSpPr/>
+          <p:nvPr/>
+        </p:nvCxnSpPr>
+        <p:spPr>
+          <a:xfrm>
+            <a:off x="5352434" y="2972802"/>
+            <a:ext cx="1028627" cy="0"/>
+          </a:xfrm>
+          <a:prstGeom prst="straightConnector1">
+            <a:avLst/>
+          </a:prstGeom>
+          <a:ln w="63500">
+            <a:solidFill>
+              <a:srgbClr val="EF3A6F"/>
+            </a:solidFill>
+            <a:tailEnd type="triangle"/>
+          </a:ln>
+        </p:spPr>
+        <p:style>
+          <a:lnRef idx="1">
+            <a:schemeClr val="accent1"/>
+          </a:lnRef>
+          <a:fillRef idx="0">
+            <a:schemeClr val="accent1"/>
+          </a:fillRef>
+          <a:effectRef idx="0">
+            <a:schemeClr val="accent1"/>
+          </a:effectRef>
+          <a:fontRef idx="minor">
+            <a:schemeClr val="tx1"/>
+          </a:fontRef>
+        </p:style>
+      </p:cxnSp>
+      <p:cxnSp>
+        <p:nvCxnSpPr>
+          <p:cNvPr id="12" name="Straight Arrow Connector 11"/>
+          <p:cNvCxnSpPr/>
+          <p:nvPr/>
+        </p:nvCxnSpPr>
+        <p:spPr>
+          <a:xfrm>
+            <a:off x="8183735" y="2972802"/>
+            <a:ext cx="1028627" cy="0"/>
+          </a:xfrm>
+          <a:prstGeom prst="straightConnector1">
+            <a:avLst/>
+          </a:prstGeom>
+          <a:ln w="63500">
+            <a:solidFill>
+              <a:srgbClr val="EF3A6F"/>
+            </a:solidFill>
+            <a:tailEnd type="triangle"/>
+          </a:ln>
+        </p:spPr>
+        <p:style>
+          <a:lnRef idx="1">
+            <a:schemeClr val="accent1"/>
+          </a:lnRef>
+          <a:fillRef idx="0">
+            <a:schemeClr val="accent1"/>
+          </a:fillRef>
+          <a:effectRef idx="0">
+            <a:schemeClr val="accent1"/>
+          </a:effectRef>
+          <a:fontRef idx="minor">
+            <a:schemeClr val="tx1"/>
+          </a:fontRef>
+        </p:style>
+      </p:cxnSp>
     </p:spTree>
     <p:extLst>
       <p:ext uri="{BB962C8B-B14F-4D97-AF65-F5344CB8AC3E}">
-        <p14:creationId xmlns:p14="http://schemas.microsoft.com/office/powerpoint/2010/main" val="1060220189"/>
+        <p14:creationId xmlns:p14="http://schemas.microsoft.com/office/powerpoint/2010/main" val="1053289181"/>
       </p:ext>
     </p:extLst>
   </p:cSld>
@@ -1710,9 +2417,121 @@
           <a:bodyPr/>
           <a:lstStyle/>
           <a:p>
+            <a:pPr>
+              <a:buNone/>
+            </a:pPr>
             <a:r>
               <a:rPr lang="en-US" dirty="0"/>
-              <a:t>02 CSS</a:t>
+              <a:t>Some Links about HTML by MDN</a:t>
+            </a:r>
+          </a:p>
+        </p:txBody>
+      </p:sp>
+      <p:sp>
+        <p:nvSpPr>
+          <p:cNvPr id="3" name="Content Placeholder 2"/>
+          <p:cNvSpPr>
+            <a:spLocks noGrp="1"/>
+          </p:cNvSpPr>
+          <p:nvPr>
+            <p:ph sz="quarter" idx="11"/>
+          </p:nvPr>
+        </p:nvSpPr>
+        <p:spPr>
+          <a:xfrm>
+            <a:off x="499731" y="1494891"/>
+            <a:ext cx="11206716" cy="4797625"/>
+          </a:xfrm>
+        </p:spPr>
+        <p:txBody>
+          <a:bodyPr/>
+          <a:lstStyle/>
+          <a:p>
+            <a:pPr marL="0" indent="0">
+              <a:buNone/>
+            </a:pPr>
+            <a:r>
+              <a:rPr lang="en-US" sz="3200" dirty="0">
+                <a:solidFill>
+                  <a:srgbClr val="EF3A6F"/>
+                </a:solidFill>
+              </a:rPr>
+              <a:t>HTML</a:t>
+            </a:r>
+          </a:p>
+          <a:p>
+            <a:pPr marL="0" indent="0">
+              <a:buNone/>
+            </a:pPr>
+            <a:r>
+              <a:rPr lang="en-US" sz="2800" dirty="0"/>
+              <a:t>https://developer.mozilla.org/en-US/docs/Web/HTML</a:t>
+            </a:r>
+          </a:p>
+          <a:p>
+            <a:pPr marL="0" indent="0">
+              <a:buNone/>
+            </a:pPr>
+            <a:r>
+              <a:rPr lang="en-US" sz="3200" dirty="0">
+                <a:solidFill>
+                  <a:srgbClr val="EF3A6F"/>
+                </a:solidFill>
+              </a:rPr>
+              <a:t>HTML Reference</a:t>
+            </a:r>
+          </a:p>
+          <a:p>
+            <a:pPr marL="0" indent="0">
+              <a:buNone/>
+            </a:pPr>
+            <a:r>
+              <a:rPr lang="en-US" sz="2800" dirty="0"/>
+              <a:t>https://developer.mozilla.org/en-US/docs/Web/HTML/Reference</a:t>
+            </a:r>
+          </a:p>
+          <a:p>
+            <a:pPr marL="0" indent="0">
+              <a:buNone/>
+            </a:pPr>
+            <a:r>
+              <a:rPr lang="en-US" sz="3200" dirty="0">
+                <a:solidFill>
+                  <a:srgbClr val="EF3A6F"/>
+                </a:solidFill>
+              </a:rPr>
+              <a:t>HTML Elements</a:t>
+            </a:r>
+          </a:p>
+          <a:p>
+            <a:pPr marL="0" indent="0">
+              <a:buNone/>
+            </a:pPr>
+            <a:r>
+              <a:rPr lang="en-US" sz="2800" dirty="0"/>
+              <a:t>https://developer.mozilla.org/en-US/docs/Web/HTML/Element</a:t>
+            </a:r>
+          </a:p>
+          <a:p>
+            <a:pPr marL="0" indent="0">
+              <a:buNone/>
+            </a:pPr>
+            <a:r>
+              <a:rPr lang="en-US" sz="3200" dirty="0">
+                <a:solidFill>
+                  <a:srgbClr val="EF3A6F"/>
+                </a:solidFill>
+              </a:rPr>
+              <a:t>HTML Attributes</a:t>
+            </a:r>
+          </a:p>
+          <a:p>
+            <a:pPr marL="0" indent="0">
+              <a:buNone/>
+            </a:pPr>
+            <a:r>
+              <a:rPr lang="en-US" sz="2800" dirty="0"/>
+              <a:t>https://developer.mozilla.org/en-US/docs/Web/HTML/Attributes</a:t>
             </a:r>
           </a:p>
         </p:txBody>
@@ -1720,7 +2539,7 @@
     </p:spTree>
     <p:extLst>
       <p:ext uri="{BB962C8B-B14F-4D97-AF65-F5344CB8AC3E}">
-        <p14:creationId xmlns:p14="http://schemas.microsoft.com/office/powerpoint/2010/main" val="1215375317"/>
+        <p14:creationId xmlns:p14="http://schemas.microsoft.com/office/powerpoint/2010/main" val="1060220189"/>
       </p:ext>
     </p:extLst>
   </p:cSld>
@@ -1764,56 +2583,7 @@
           <a:p>
             <a:r>
               <a:rPr lang="en-US" dirty="0"/>
-              <a:t>CSS</a:t>
-            </a:r>
-          </a:p>
-        </p:txBody>
-      </p:sp>
-      <p:sp>
-        <p:nvSpPr>
-          <p:cNvPr id="3" name="Content Placeholder 2"/>
-          <p:cNvSpPr>
-            <a:spLocks noGrp="1"/>
-          </p:cNvSpPr>
-          <p:nvPr>
-            <p:ph sz="quarter" idx="11"/>
-          </p:nvPr>
-        </p:nvSpPr>
-        <p:spPr/>
-        <p:txBody>
-          <a:bodyPr/>
-          <a:lstStyle/>
-          <a:p>
-            <a:pPr marL="0" indent="0">
-              <a:buNone/>
-            </a:pPr>
-            <a:r>
-              <a:rPr lang="en-US" dirty="0"/>
-              <a:t>CSS - Cascading Style Sheets.</a:t>
-            </a:r>
-          </a:p>
-          <a:p>
-            <a:pPr marL="0" indent="0">
-              <a:buNone/>
-            </a:pPr>
-            <a:endParaRPr lang="en-US" dirty="0"/>
-          </a:p>
-          <a:p>
-            <a:pPr marL="0" indent="0">
-              <a:buNone/>
-            </a:pPr>
-            <a:r>
-              <a:rPr lang="en-US" dirty="0"/>
-              <a:t>We us CSS to style and lay out web pages.</a:t>
-            </a:r>
-          </a:p>
-          <a:p>
-            <a:pPr marL="0" indent="0">
-              <a:buNone/>
-            </a:pPr>
-            <a:r>
-              <a:rPr lang="en-US" dirty="0"/>
-              <a:t>For example: font, color, size, and spacing …</a:t>
+              <a:t>02 CSS</a:t>
             </a:r>
           </a:p>
         </p:txBody>
@@ -1821,7 +2591,7 @@
     </p:spTree>
     <p:extLst>
       <p:ext uri="{BB962C8B-B14F-4D97-AF65-F5344CB8AC3E}">
-        <p14:creationId xmlns:p14="http://schemas.microsoft.com/office/powerpoint/2010/main" val="2862944920"/>
+        <p14:creationId xmlns:p14="http://schemas.microsoft.com/office/powerpoint/2010/main" val="1215375317"/>
       </p:ext>
     </p:extLst>
   </p:cSld>
@@ -1865,7 +2635,7 @@
           <a:p>
             <a:r>
               <a:rPr lang="en-US" dirty="0"/>
-              <a:t>What’s CSS looks like</a:t>
+              <a:t>CSS</a:t>
             </a:r>
           </a:p>
         </p:txBody>
@@ -1889,97 +2659,8 @@
               <a:buNone/>
             </a:pPr>
             <a:r>
-              <a:rPr lang="en-US" dirty="0">
-                <a:latin typeface="Arial Narrow" panose="020B0606020202030204" pitchFamily="34" charset="0"/>
-              </a:rPr>
-              <a:t>p {</a:t>
-            </a:r>
-          </a:p>
-          <a:p>
-            <a:pPr marL="457200" lvl="1" indent="0">
-              <a:buNone/>
-            </a:pPr>
-            <a:r>
-              <a:rPr lang="en-US" sz="4400" dirty="0">
-                <a:solidFill>
-                  <a:srgbClr val="EF3A6F"/>
-                </a:solidFill>
-                <a:latin typeface="Arial Narrow" panose="020B0606020202030204" pitchFamily="34" charset="0"/>
-              </a:rPr>
-              <a:t>font-size: 64px;						</a:t>
-            </a:r>
-          </a:p>
-          <a:p>
-            <a:pPr marL="457200" lvl="1" indent="0">
-              <a:buNone/>
-            </a:pPr>
-            <a:r>
-              <a:rPr lang="en-US" sz="4400" dirty="0">
-                <a:solidFill>
-                  <a:srgbClr val="EF3A6F"/>
-                </a:solidFill>
-                <a:latin typeface="Arial Narrow" panose="020B0606020202030204" pitchFamily="34" charset="0"/>
-              </a:rPr>
-              <a:t>color: red;						  	</a:t>
-            </a:r>
-          </a:p>
-          <a:p>
-            <a:pPr marL="457200" lvl="1" indent="0">
-              <a:buNone/>
-            </a:pPr>
-            <a:r>
-              <a:rPr lang="en-US" sz="4400" dirty="0">
-                <a:solidFill>
-                  <a:srgbClr val="EF3A6F"/>
-                </a:solidFill>
-                <a:latin typeface="Arial Narrow" panose="020B0606020202030204" pitchFamily="34" charset="0"/>
-              </a:rPr>
-              <a:t>border: 1px solid green;		  	</a:t>
-            </a:r>
-          </a:p>
-          <a:p>
-            <a:pPr marL="457200" lvl="1" indent="0">
-              <a:buNone/>
-            </a:pPr>
-            <a:r>
-              <a:rPr lang="en-US" sz="4400" dirty="0">
-                <a:solidFill>
-                  <a:srgbClr val="EF3A6F"/>
-                </a:solidFill>
-                <a:latin typeface="Arial Narrow" panose="020B0606020202030204" pitchFamily="34" charset="0"/>
-              </a:rPr>
-              <a:t>padding: 10px;							</a:t>
-            </a:r>
-          </a:p>
-          <a:p>
-            <a:pPr marL="457200" lvl="1" indent="0">
-              <a:buNone/>
-            </a:pPr>
-            <a:r>
-              <a:rPr lang="en-US" sz="4400" dirty="0">
-                <a:solidFill>
-                  <a:srgbClr val="EF3A6F"/>
-                </a:solidFill>
-                <a:latin typeface="Arial Narrow" panose="020B0606020202030204" pitchFamily="34" charset="0"/>
-              </a:rPr>
-              <a:t>margin: 20px;	</a:t>
-            </a:r>
-            <a:r>
-              <a:rPr lang="en-US" sz="4400" dirty="0">
-                <a:latin typeface="Arial Narrow" panose="020B0606020202030204" pitchFamily="34" charset="0"/>
-              </a:rPr>
-              <a:t>					</a:t>
-            </a:r>
-          </a:p>
-          <a:p>
-            <a:pPr marL="0" indent="0">
-              <a:buNone/>
-            </a:pPr>
-            <a:r>
-              <a:rPr lang="en-US" dirty="0">
-                <a:latin typeface="Arial Narrow" panose="020B0606020202030204" pitchFamily="34" charset="0"/>
-              </a:rPr>
-              <a:t>}</a:t>
+              <a:rPr lang="en-US" dirty="0"/>
+              <a:t>CSS - Cascading Style Sheets.</a:t>
             </a:r>
           </a:p>
           <a:p>
@@ -1992,14 +2673,26 @@
             <a:pPr marL="0" indent="0">
               <a:buNone/>
             </a:pPr>
-            <a:endParaRPr lang="en-US" dirty="0"/>
+            <a:r>
+              <a:rPr lang="en-US" dirty="0"/>
+              <a:t>We us CSS to style and lay out web pages.</a:t>
+            </a:r>
+          </a:p>
+          <a:p>
+            <a:pPr marL="0" indent="0">
+              <a:buNone/>
+            </a:pPr>
+            <a:r>
+              <a:rPr lang="en-US" dirty="0"/>
+              <a:t>For example: font, color, size, and spacing …</a:t>
+            </a:r>
           </a:p>
         </p:txBody>
       </p:sp>
     </p:spTree>
     <p:extLst>
       <p:ext uri="{BB962C8B-B14F-4D97-AF65-F5344CB8AC3E}">
-        <p14:creationId xmlns:p14="http://schemas.microsoft.com/office/powerpoint/2010/main" val="1484758009"/>
+        <p14:creationId xmlns:p14="http://schemas.microsoft.com/office/powerpoint/2010/main" val="2862944920"/>
       </p:ext>
     </p:extLst>
   </p:cSld>
@@ -2043,7 +2736,7 @@
           <a:p>
             <a:r>
               <a:rPr lang="en-US" dirty="0"/>
-              <a:t>Color Value</a:t>
+              <a:t>What’s CSS looks like</a:t>
             </a:r>
           </a:p>
         </p:txBody>
@@ -2067,8 +2760,10 @@
               <a:buNone/>
             </a:pPr>
             <a:r>
-              <a:rPr lang="en-US" sz="4000" dirty="0"/>
-              <a:t>p{</a:t>
+              <a:rPr lang="en-US" dirty="0">
+                <a:latin typeface="Arial Narrow" panose="020B0606020202030204" pitchFamily="34" charset="0"/>
+              </a:rPr>
+              <a:t>p {</a:t>
             </a:r>
           </a:p>
           <a:p>
@@ -2076,13 +2771,13 @@
               <a:buNone/>
             </a:pPr>
             <a:r>
-              <a:rPr lang="en-US" sz="4000" dirty="0">
+              <a:rPr lang="en-US" sz="4400" dirty="0">
                 <a:solidFill>
                   <a:srgbClr val="EF3A6F"/>
                 </a:solidFill>
                 <a:latin typeface="Arial Narrow" panose="020B0606020202030204" pitchFamily="34" charset="0"/>
               </a:rPr>
-              <a:t>color: green;</a:t>
+              <a:t>font-size: 64px;						</a:t>
             </a:r>
           </a:p>
           <a:p>
@@ -2090,31 +2785,41 @@
               <a:buNone/>
             </a:pPr>
             <a:r>
-              <a:rPr lang="en-US" sz="4000" dirty="0">
+              <a:rPr lang="en-US" sz="4400" dirty="0">
                 <a:solidFill>
                   <a:srgbClr val="EF3A6F"/>
                 </a:solidFill>
                 <a:latin typeface="Arial Narrow" panose="020B0606020202030204" pitchFamily="34" charset="0"/>
               </a:rPr>
-              <a:t>color: </a:t>
-            </a:r>
-            <a:r>
-              <a:rPr lang="en-US" sz="4000" dirty="0" err="1">
+              <a:t>color: red;						  	</a:t>
+            </a:r>
+          </a:p>
+          <a:p>
+            <a:pPr marL="457200" lvl="1" indent="0">
+              <a:buNone/>
+            </a:pPr>
+            <a:r>
+              <a:rPr lang="en-US" sz="4400" dirty="0">
                 <a:solidFill>
                   <a:srgbClr val="EF3A6F"/>
                 </a:solidFill>
                 <a:latin typeface="Arial Narrow" panose="020B0606020202030204" pitchFamily="34" charset="0"/>
               </a:rPr>
-              <a:t>rbg</a:t>
-            </a:r>
-            <a:r>
-              <a:rPr lang="en-US" sz="4000" dirty="0">
+              <a:t>border: 1px solid green;		  	</a:t>
+            </a:r>
+          </a:p>
+          <a:p>
+            <a:pPr marL="457200" lvl="1" indent="0">
+              <a:buNone/>
+            </a:pPr>
+            <a:r>
+              <a:rPr lang="en-US" sz="4400" dirty="0">
                 <a:solidFill>
                   <a:srgbClr val="EF3A6F"/>
                 </a:solidFill>
                 <a:latin typeface="Arial Narrow" panose="020B0606020202030204" pitchFamily="34" charset="0"/>
               </a:rPr>
-              <a:t>(0,128,0);</a:t>
+              <a:t>padding: 10px;							</a:t>
             </a:r>
           </a:p>
           <a:p>
@@ -2122,23 +2827,37 @@
               <a:buNone/>
             </a:pPr>
             <a:r>
-              <a:rPr lang="en-US" sz="4000" dirty="0">
+              <a:rPr lang="en-US" sz="4400" dirty="0">
                 <a:solidFill>
                   <a:srgbClr val="EF3A6F"/>
                 </a:solidFill>
                 <a:latin typeface="Arial Narrow" panose="020B0606020202030204" pitchFamily="34" charset="0"/>
               </a:rPr>
-              <a:t>color: #008000;</a:t>
-            </a:r>
-          </a:p>
-          <a:p>
-            <a:pPr marL="0" indent="0">
-              <a:buNone/>
-            </a:pPr>
-            <a:r>
-              <a:rPr lang="en-US" sz="4000" dirty="0"/>
+              <a:t>margin: 20px;	</a:t>
+            </a:r>
+            <a:r>
+              <a:rPr lang="en-US" sz="4400" dirty="0">
+                <a:latin typeface="Arial Narrow" panose="020B0606020202030204" pitchFamily="34" charset="0"/>
+              </a:rPr>
+              <a:t>					</a:t>
+            </a:r>
+          </a:p>
+          <a:p>
+            <a:pPr marL="0" indent="0">
+              <a:buNone/>
+            </a:pPr>
+            <a:r>
+              <a:rPr lang="en-US" dirty="0">
+                <a:latin typeface="Arial Narrow" panose="020B0606020202030204" pitchFamily="34" charset="0"/>
+              </a:rPr>
               <a:t>}</a:t>
             </a:r>
+          </a:p>
+          <a:p>
+            <a:pPr marL="0" indent="0">
+              <a:buNone/>
+            </a:pPr>
+            <a:endParaRPr lang="en-US" dirty="0"/>
           </a:p>
           <a:p>
             <a:pPr marL="0" indent="0">
@@ -2151,7 +2870,7 @@
     </p:spTree>
     <p:extLst>
       <p:ext uri="{BB962C8B-B14F-4D97-AF65-F5344CB8AC3E}">
-        <p14:creationId xmlns:p14="http://schemas.microsoft.com/office/powerpoint/2010/main" val="3838918193"/>
+        <p14:creationId xmlns:p14="http://schemas.microsoft.com/office/powerpoint/2010/main" val="1484758009"/>
       </p:ext>
     </p:extLst>
   </p:cSld>
@@ -2195,7 +2914,7 @@
           <a:p>
             <a:r>
               <a:rPr lang="en-US" dirty="0"/>
-              <a:t>Length Value</a:t>
+              <a:t>Color Value</a:t>
             </a:r>
           </a:p>
         </p:txBody>
@@ -2219,97 +2938,69 @@
               <a:buNone/>
             </a:pPr>
             <a:r>
-              <a:rPr lang="en-US" dirty="0" err="1">
+              <a:rPr lang="en-US" sz="4000" dirty="0"/>
+              <a:t>p{</a:t>
+            </a:r>
+          </a:p>
+          <a:p>
+            <a:pPr marL="457200" lvl="1" indent="0">
+              <a:buNone/>
+            </a:pPr>
+            <a:r>
+              <a:rPr lang="en-US" sz="4000" dirty="0">
                 <a:solidFill>
                   <a:srgbClr val="EF3A6F"/>
                 </a:solidFill>
-              </a:rPr>
-              <a:t>px</a:t>
-            </a:r>
-            <a:r>
-              <a:rPr lang="en-US" dirty="0">
+                <a:latin typeface="Arial Narrow" panose="020B0606020202030204" pitchFamily="34" charset="0"/>
+              </a:rPr>
+              <a:t>color: green;</a:t>
+            </a:r>
+          </a:p>
+          <a:p>
+            <a:pPr marL="457200" lvl="1" indent="0">
+              <a:buNone/>
+            </a:pPr>
+            <a:r>
+              <a:rPr lang="en-US" sz="4000" dirty="0">
                 <a:solidFill>
                   <a:srgbClr val="EF3A6F"/>
                 </a:solidFill>
-              </a:rPr>
-              <a:t> </a:t>
-            </a:r>
-            <a:r>
-              <a:rPr lang="en-US" dirty="0"/>
-              <a:t>pixels</a:t>
-            </a:r>
-          </a:p>
-          <a:p>
-            <a:pPr marL="0" indent="0">
-              <a:buNone/>
-            </a:pPr>
-            <a:r>
-              <a:rPr lang="en-US" dirty="0" err="1">
+                <a:latin typeface="Arial Narrow" panose="020B0606020202030204" pitchFamily="34" charset="0"/>
+              </a:rPr>
+              <a:t>color: </a:t>
+            </a:r>
+            <a:r>
+              <a:rPr lang="en-US" sz="4000" dirty="0" err="1">
                 <a:solidFill>
                   <a:srgbClr val="EF3A6F"/>
                 </a:solidFill>
-              </a:rPr>
-              <a:t>em</a:t>
-            </a:r>
-            <a:r>
-              <a:rPr lang="en-US" dirty="0">
+                <a:latin typeface="Arial Narrow" panose="020B0606020202030204" pitchFamily="34" charset="0"/>
+              </a:rPr>
+              <a:t>rbg</a:t>
+            </a:r>
+            <a:r>
+              <a:rPr lang="en-US" sz="4000" dirty="0">
                 <a:solidFill>
                   <a:srgbClr val="EF3A6F"/>
                 </a:solidFill>
-              </a:rPr>
-              <a:t> </a:t>
-            </a:r>
-            <a:r>
-              <a:rPr lang="en-US" dirty="0"/>
-              <a:t>factor of the </a:t>
-            </a:r>
-            <a:r>
-              <a:rPr lang="en-US" dirty="0">
-                <a:solidFill>
-                  <a:schemeClr val="bg1"/>
-                </a:solidFill>
-              </a:rPr>
-              <a:t>parent</a:t>
-            </a:r>
-            <a:r>
-              <a:rPr lang="en-US" dirty="0"/>
-              <a:t> element’s font size(1em = 1x parent)</a:t>
-            </a:r>
-          </a:p>
-          <a:p>
-            <a:pPr marL="0" indent="0">
-              <a:buNone/>
-            </a:pPr>
-            <a:r>
-              <a:rPr lang="en-US" dirty="0">
+                <a:latin typeface="Arial Narrow" panose="020B0606020202030204" pitchFamily="34" charset="0"/>
+              </a:rPr>
+              <a:t>(0,128,0);</a:t>
+            </a:r>
+          </a:p>
+          <a:p>
+            <a:pPr marL="457200" lvl="1" indent="0">
+              <a:buNone/>
+            </a:pPr>
+            <a:r>
+              <a:rPr lang="en-US" sz="4000" dirty="0">
                 <a:solidFill>
                   <a:srgbClr val="EF3A6F"/>
                 </a:solidFill>
-              </a:rPr>
-              <a:t>rem </a:t>
-            </a:r>
-            <a:r>
-              <a:rPr lang="en-US" dirty="0"/>
-              <a:t>factor of the </a:t>
-            </a:r>
-            <a:r>
-              <a:rPr lang="en-US" dirty="0">
-                <a:solidFill>
-                  <a:schemeClr val="bg1"/>
-                </a:solidFill>
-              </a:rPr>
-              <a:t>root</a:t>
-            </a:r>
-            <a:r>
-              <a:rPr lang="en-US" dirty="0"/>
-              <a:t> element’s font size&lt;html&gt;</a:t>
-            </a:r>
-          </a:p>
-          <a:p>
-            <a:pPr marL="0" indent="0">
-              <a:buNone/>
-            </a:pPr>
-            <a:endParaRPr lang="en-US" sz="3200" dirty="0"/>
+                <a:latin typeface="Arial Narrow" panose="020B0606020202030204" pitchFamily="34" charset="0"/>
+              </a:rPr>
+              <a:t>color: #008000;</a:t>
+            </a:r>
           </a:p>
           <a:p>
             <a:pPr marL="0" indent="0">
@@ -2317,35 +3008,21 @@
             </a:pPr>
             <a:r>
               <a:rPr lang="en-US" sz="4000" dirty="0"/>
-              <a:t>For </a:t>
-            </a:r>
-            <a:r>
-              <a:rPr lang="en-US" sz="4000" dirty="0" err="1">
-                <a:solidFill>
-                  <a:srgbClr val="EF3A6F"/>
-                </a:solidFill>
-              </a:rPr>
-              <a:t>em</a:t>
-            </a:r>
-            <a:r>
-              <a:rPr lang="en-US" sz="4000" dirty="0">
-                <a:solidFill>
-                  <a:srgbClr val="EF3A6F"/>
-                </a:solidFill>
-              </a:rPr>
-              <a:t>, </a:t>
-            </a:r>
-            <a:r>
-              <a:rPr lang="en-US" sz="4000" dirty="0"/>
-              <a:t>if the direct parent has no font-size defined, it’ll look to upper-level parents until it reaches to root element</a:t>
-            </a:r>
+              <a:t>}</a:t>
+            </a:r>
+          </a:p>
+          <a:p>
+            <a:pPr marL="0" indent="0">
+              <a:buNone/>
+            </a:pPr>
+            <a:endParaRPr lang="en-US" dirty="0"/>
           </a:p>
         </p:txBody>
       </p:sp>
     </p:spTree>
     <p:extLst>
       <p:ext uri="{BB962C8B-B14F-4D97-AF65-F5344CB8AC3E}">
-        <p14:creationId xmlns:p14="http://schemas.microsoft.com/office/powerpoint/2010/main" val="435272402"/>
+        <p14:creationId xmlns:p14="http://schemas.microsoft.com/office/powerpoint/2010/main" val="3838918193"/>
       </p:ext>
     </p:extLst>
   </p:cSld>
@@ -2389,7 +3066,7 @@
           <a:p>
             <a:r>
               <a:rPr lang="en-US" dirty="0"/>
-              <a:t>Use CSS in HTML - Inline</a:t>
+              <a:t>Length Value</a:t>
             </a:r>
           </a:p>
         </p:txBody>
@@ -2413,176 +3090,133 @@
               <a:buNone/>
             </a:pPr>
             <a:r>
-              <a:rPr lang="en-US" sz="3200" dirty="0">
-                <a:solidFill>
-                  <a:schemeClr val="tx1">
-                    <a:lumMod val="75000"/>
-                    <a:lumOff val="25000"/>
-                  </a:schemeClr>
-                </a:solidFill>
-              </a:rPr>
-              <a:t>&lt;!DOCTYPE html&gt;</a:t>
-            </a:r>
-          </a:p>
-          <a:p>
-            <a:pPr marL="0" indent="0">
-              <a:buNone/>
-            </a:pPr>
-            <a:r>
-              <a:rPr lang="en-US" sz="3200" dirty="0">
-                <a:solidFill>
-                  <a:schemeClr val="tx1">
-                    <a:lumMod val="75000"/>
-                    <a:lumOff val="25000"/>
-                  </a:schemeClr>
-                </a:solidFill>
-              </a:rPr>
-              <a:t>&lt;html&gt;</a:t>
-            </a:r>
-          </a:p>
-          <a:p>
-            <a:pPr marL="0" indent="0">
-              <a:buNone/>
-            </a:pPr>
-            <a:r>
-              <a:rPr lang="en-US" sz="3200" dirty="0">
-                <a:solidFill>
-                  <a:schemeClr val="tx1">
-                    <a:lumMod val="75000"/>
-                    <a:lumOff val="25000"/>
-                  </a:schemeClr>
-                </a:solidFill>
-              </a:rPr>
-              <a:t>	&lt;head&gt;</a:t>
-            </a:r>
-          </a:p>
-          <a:p>
-            <a:pPr marL="0" indent="0">
-              <a:buNone/>
-            </a:pPr>
-            <a:r>
-              <a:rPr lang="en-US" sz="3200" dirty="0">
-                <a:solidFill>
-                  <a:schemeClr val="tx1">
-                    <a:lumMod val="75000"/>
-                    <a:lumOff val="25000"/>
-                  </a:schemeClr>
-                </a:solidFill>
-              </a:rPr>
-              <a:t>	&lt;/head&gt;</a:t>
-            </a:r>
-          </a:p>
-          <a:p>
-            <a:pPr marL="0" indent="0">
-              <a:buNone/>
-            </a:pPr>
-            <a:r>
-              <a:rPr lang="en-US" sz="3200" dirty="0">
-                <a:solidFill>
-                  <a:schemeClr val="tx1">
-                    <a:lumMod val="75000"/>
-                    <a:lumOff val="25000"/>
-                  </a:schemeClr>
-                </a:solidFill>
-              </a:rPr>
-              <a:t>	&lt;body&gt;</a:t>
-            </a:r>
-          </a:p>
-          <a:p>
-            <a:pPr marL="0" indent="0">
-              <a:buNone/>
-            </a:pPr>
-            <a:r>
-              <a:rPr lang="en-US" sz="3200" dirty="0">
-                <a:solidFill>
-                  <a:schemeClr val="tx1">
-                    <a:lumMod val="75000"/>
-                    <a:lumOff val="25000"/>
-                  </a:schemeClr>
-                </a:solidFill>
-              </a:rPr>
-              <a:t>		&lt;p style=</a:t>
-            </a:r>
-            <a:r>
-              <a:rPr lang="en-US" sz="3200" dirty="0">
+              <a:rPr lang="en-US" dirty="0" err="1">
                 <a:solidFill>
                   <a:srgbClr val="EF3A6F"/>
                 </a:solidFill>
               </a:rPr>
-              <a:t>"</a:t>
-            </a:r>
-            <a:r>
-              <a:rPr lang="en-US" sz="3200" dirty="0" err="1">
+              <a:t>px</a:t>
+            </a:r>
+            <a:r>
+              <a:rPr lang="en-US" dirty="0">
                 <a:solidFill>
                   <a:srgbClr val="EF3A6F"/>
                 </a:solidFill>
               </a:rPr>
-              <a:t>color:green</a:t>
-            </a:r>
-            <a:r>
-              <a:rPr lang="en-US" sz="3200" dirty="0">
+              <a:t> </a:t>
+            </a:r>
+            <a:r>
+              <a:rPr lang="en-US" dirty="0"/>
+              <a:t>pixels</a:t>
+            </a:r>
+          </a:p>
+          <a:p>
+            <a:pPr marL="0" indent="0">
+              <a:buNone/>
+            </a:pPr>
+            <a:r>
+              <a:rPr lang="en-US" dirty="0" err="1">
                 <a:solidFill>
                   <a:srgbClr val="EF3A6F"/>
                 </a:solidFill>
               </a:rPr>
-              <a:t>; font-size:32px;"</a:t>
-            </a:r>
-            <a:r>
-              <a:rPr lang="en-US" sz="3200" dirty="0">
-                <a:solidFill>
-                  <a:schemeClr val="tx1">
-                    <a:lumMod val="75000"/>
-                    <a:lumOff val="25000"/>
-                  </a:schemeClr>
-                </a:solidFill>
-              </a:rPr>
-              <a:t>&gt;This is a text&lt;/p&gt;</a:t>
-            </a:r>
-          </a:p>
-          <a:p>
-            <a:pPr marL="0" indent="0">
-              <a:buNone/>
-            </a:pPr>
-            <a:r>
-              <a:rPr lang="en-US" sz="3200" dirty="0">
-                <a:solidFill>
-                  <a:schemeClr val="tx1">
-                    <a:lumMod val="75000"/>
-                    <a:lumOff val="25000"/>
-                  </a:schemeClr>
-                </a:solidFill>
-              </a:rPr>
-              <a:t>	&lt;/body&gt;</a:t>
-            </a:r>
-          </a:p>
-          <a:p>
-            <a:pPr marL="0" indent="0">
-              <a:buNone/>
-            </a:pPr>
-            <a:r>
-              <a:rPr lang="en-US" sz="3200" dirty="0">
-                <a:solidFill>
-                  <a:schemeClr val="tx1">
-                    <a:lumMod val="75000"/>
-                    <a:lumOff val="25000"/>
-                  </a:schemeClr>
-                </a:solidFill>
-              </a:rPr>
-              <a:t>&lt;/html&gt;</a:t>
-            </a:r>
-          </a:p>
-          <a:p>
-            <a:pPr marL="0" indent="0">
-              <a:buNone/>
-            </a:pPr>
-            <a:endParaRPr lang="en-US" dirty="0"/>
+              <a:t>em</a:t>
+            </a:r>
+            <a:r>
+              <a:rPr lang="en-US" dirty="0">
+                <a:solidFill>
+                  <a:srgbClr val="EF3A6F"/>
+                </a:solidFill>
+              </a:rPr>
+              <a:t> </a:t>
+            </a:r>
+            <a:r>
+              <a:rPr lang="en-US" dirty="0"/>
+              <a:t>factor of the </a:t>
+            </a:r>
+            <a:r>
+              <a:rPr lang="en-US" dirty="0">
+                <a:solidFill>
+                  <a:schemeClr val="bg1"/>
+                </a:solidFill>
+              </a:rPr>
+              <a:t>parent</a:t>
+            </a:r>
+            <a:r>
+              <a:rPr lang="en-US" dirty="0"/>
+              <a:t> element’s font size(1em = 1x parent)</a:t>
+            </a:r>
+          </a:p>
+          <a:p>
+            <a:pPr marL="0" indent="0">
+              <a:buNone/>
+            </a:pPr>
+            <a:r>
+              <a:rPr lang="en-US" dirty="0">
+                <a:solidFill>
+                  <a:srgbClr val="EF3A6F"/>
+                </a:solidFill>
+              </a:rPr>
+              <a:t>rem </a:t>
+            </a:r>
+            <a:r>
+              <a:rPr lang="en-US" dirty="0"/>
+              <a:t>factor of the </a:t>
+            </a:r>
+            <a:r>
+              <a:rPr lang="en-US" dirty="0">
+                <a:solidFill>
+                  <a:schemeClr val="bg1"/>
+                </a:solidFill>
+              </a:rPr>
+              <a:t>root</a:t>
+            </a:r>
+            <a:r>
+              <a:rPr lang="en-US" dirty="0"/>
+              <a:t> element’s font size&lt;html&gt;</a:t>
+            </a:r>
+          </a:p>
+          <a:p>
+            <a:pPr marL="0" indent="0">
+              <a:buNone/>
+            </a:pPr>
+            <a:endParaRPr lang="en-US" sz="3200" dirty="0"/>
+          </a:p>
+          <a:p>
+            <a:pPr marL="0" indent="0">
+              <a:buNone/>
+            </a:pPr>
+            <a:r>
+              <a:rPr lang="en-US" sz="4000" dirty="0"/>
+              <a:t>For </a:t>
+            </a:r>
+            <a:r>
+              <a:rPr lang="en-US" sz="4000" dirty="0" err="1">
+                <a:solidFill>
+                  <a:srgbClr val="EF3A6F"/>
+                </a:solidFill>
+              </a:rPr>
+              <a:t>em</a:t>
+            </a:r>
+            <a:r>
+              <a:rPr lang="en-US" sz="4000" dirty="0">
+                <a:solidFill>
+                  <a:srgbClr val="EF3A6F"/>
+                </a:solidFill>
+              </a:rPr>
+              <a:t>, </a:t>
+            </a:r>
+            <a:r>
+              <a:rPr lang="en-US" sz="4000" dirty="0"/>
+              <a:t>if the direct parent has no font-size defined, it’ll look to upper-level parents until it reaches to root element</a:t>
+            </a:r>
           </a:p>
         </p:txBody>
       </p:sp>
     </p:spTree>
     <p:extLst>
       <p:ext uri="{BB962C8B-B14F-4D97-AF65-F5344CB8AC3E}">
-        <p14:creationId xmlns:p14="http://schemas.microsoft.com/office/powerpoint/2010/main" val="3729929011"/>
+        <p14:creationId xmlns:p14="http://schemas.microsoft.com/office/powerpoint/2010/main" val="435272402"/>
       </p:ext>
     </p:extLst>
   </p:cSld>
@@ -2626,7 +3260,7 @@
           <a:p>
             <a:r>
               <a:rPr lang="en-US" dirty="0"/>
-              <a:t>Use CSS in HTML - Embedded</a:t>
+              <a:t>Use CSS in HTML - Inline</a:t>
             </a:r>
           </a:p>
         </p:txBody>
@@ -2706,41 +3340,7 @@
                   </a:schemeClr>
                 </a:solidFill>
               </a:rPr>
-              <a:t>		</a:t>
-            </a:r>
-            <a:r>
-              <a:rPr lang="en-US" sz="3200" dirty="0">
-                <a:solidFill>
-                  <a:srgbClr val="EF3A6F"/>
-                </a:solidFill>
-              </a:rPr>
-              <a:t>&lt;style&gt;</a:t>
-            </a:r>
-          </a:p>
-          <a:p>
-            <a:pPr marL="0" indent="0">
-              <a:buNone/>
-            </a:pPr>
-            <a:r>
-              <a:rPr lang="en-US" sz="3200" dirty="0">
-                <a:solidFill>
-                  <a:srgbClr val="EF3A6F"/>
-                </a:solidFill>
-              </a:rPr>
-              <a:t>			p{…}</a:t>
-            </a:r>
-          </a:p>
-          <a:p>
-            <a:pPr marL="0" indent="0">
-              <a:buNone/>
-            </a:pPr>
-            <a:r>
-              <a:rPr lang="en-US" sz="3200" dirty="0">
-                <a:solidFill>
-                  <a:srgbClr val="EF3A6F"/>
-                </a:solidFill>
-              </a:rPr>
-              <a:t>		&lt;/style&gt;</a:t>
+              <a:t>	&lt;/head&gt;</a:t>
             </a:r>
           </a:p>
           <a:p>
@@ -2756,7 +3356,7 @@
                   </a:schemeClr>
                 </a:solidFill>
               </a:rPr>
-              <a:t>	&lt;/head&gt;</a:t>
+              <a:t>	&lt;body&gt;</a:t>
             </a:r>
           </a:p>
           <a:p>
@@ -2772,6 +3372,73 @@
                   </a:schemeClr>
                 </a:solidFill>
               </a:rPr>
+              <a:t>		&lt;p style=</a:t>
+            </a:r>
+            <a:r>
+              <a:rPr lang="en-US" sz="3200" dirty="0">
+                <a:solidFill>
+                  <a:srgbClr val="EF3A6F"/>
+                </a:solidFill>
+              </a:rPr>
+              <a:t>"</a:t>
+            </a:r>
+            <a:r>
+              <a:rPr lang="en-US" sz="3200" dirty="0" err="1">
+                <a:solidFill>
+                  <a:srgbClr val="EF3A6F"/>
+                </a:solidFill>
+              </a:rPr>
+              <a:t>color:green</a:t>
+            </a:r>
+            <a:r>
+              <a:rPr lang="en-US" sz="3200" dirty="0">
+                <a:solidFill>
+                  <a:srgbClr val="EF3A6F"/>
+                </a:solidFill>
+              </a:rPr>
+              <a:t>; font-size:32px;"</a:t>
+            </a:r>
+            <a:r>
+              <a:rPr lang="en-US" sz="3200" dirty="0">
+                <a:solidFill>
+                  <a:schemeClr val="tx1">
+                    <a:lumMod val="75000"/>
+                    <a:lumOff val="25000"/>
+                  </a:schemeClr>
+                </a:solidFill>
+              </a:rPr>
+              <a:t>&gt;This is a text&lt;/p&gt;</a:t>
+            </a:r>
+          </a:p>
+          <a:p>
+            <a:pPr marL="0" indent="0">
+              <a:buNone/>
+            </a:pPr>
+            <a:r>
+              <a:rPr lang="en-US" sz="3200" dirty="0">
+                <a:solidFill>
+                  <a:schemeClr val="tx1">
+                    <a:lumMod val="75000"/>
+                    <a:lumOff val="25000"/>
+                  </a:schemeClr>
+                </a:solidFill>
+              </a:rPr>
+              <a:t>	&lt;/body&gt;</a:t>
+            </a:r>
+          </a:p>
+          <a:p>
+            <a:pPr marL="0" indent="0">
+              <a:buNone/>
+            </a:pPr>
+            <a:r>
+              <a:rPr lang="en-US" sz="3200" dirty="0">
+                <a:solidFill>
+                  <a:schemeClr val="tx1">
+                    <a:lumMod val="75000"/>
+                    <a:lumOff val="25000"/>
+                  </a:schemeClr>
+                </a:solidFill>
+              </a:rPr>
               <a:t>&lt;/html&gt;</a:t>
             </a:r>
           </a:p>
@@ -2786,7 +3453,7 @@
     </p:spTree>
     <p:extLst>
       <p:ext uri="{BB962C8B-B14F-4D97-AF65-F5344CB8AC3E}">
-        <p14:creationId xmlns:p14="http://schemas.microsoft.com/office/powerpoint/2010/main" val="390697373"/>
+        <p14:creationId xmlns:p14="http://schemas.microsoft.com/office/powerpoint/2010/main" val="3729929011"/>
       </p:ext>
     </p:extLst>
   </p:cSld>
@@ -2830,6 +3497,210 @@
           <a:p>
             <a:r>
               <a:rPr lang="en-US" dirty="0"/>
+              <a:t>Use CSS in HTML - Embedded</a:t>
+            </a:r>
+          </a:p>
+        </p:txBody>
+      </p:sp>
+      <p:sp>
+        <p:nvSpPr>
+          <p:cNvPr id="3" name="Content Placeholder 2"/>
+          <p:cNvSpPr>
+            <a:spLocks noGrp="1"/>
+          </p:cNvSpPr>
+          <p:nvPr>
+            <p:ph sz="quarter" idx="11"/>
+          </p:nvPr>
+        </p:nvSpPr>
+        <p:spPr/>
+        <p:txBody>
+          <a:bodyPr/>
+          <a:lstStyle/>
+          <a:p>
+            <a:pPr marL="0" indent="0">
+              <a:buNone/>
+            </a:pPr>
+            <a:r>
+              <a:rPr lang="en-US" sz="3200" dirty="0">
+                <a:solidFill>
+                  <a:schemeClr val="tx1">
+                    <a:lumMod val="75000"/>
+                    <a:lumOff val="25000"/>
+                  </a:schemeClr>
+                </a:solidFill>
+              </a:rPr>
+              <a:t>&lt;!DOCTYPE html&gt;</a:t>
+            </a:r>
+          </a:p>
+          <a:p>
+            <a:pPr marL="0" indent="0">
+              <a:buNone/>
+            </a:pPr>
+            <a:r>
+              <a:rPr lang="en-US" sz="3200" dirty="0">
+                <a:solidFill>
+                  <a:schemeClr val="tx1">
+                    <a:lumMod val="75000"/>
+                    <a:lumOff val="25000"/>
+                  </a:schemeClr>
+                </a:solidFill>
+              </a:rPr>
+              <a:t>&lt;html&gt;</a:t>
+            </a:r>
+          </a:p>
+          <a:p>
+            <a:pPr marL="0" indent="0">
+              <a:buNone/>
+            </a:pPr>
+            <a:r>
+              <a:rPr lang="en-US" sz="3200" dirty="0">
+                <a:solidFill>
+                  <a:schemeClr val="tx1">
+                    <a:lumMod val="75000"/>
+                    <a:lumOff val="25000"/>
+                  </a:schemeClr>
+                </a:solidFill>
+              </a:rPr>
+              <a:t>	&lt;head&gt;</a:t>
+            </a:r>
+          </a:p>
+          <a:p>
+            <a:pPr marL="0" indent="0">
+              <a:buNone/>
+            </a:pPr>
+            <a:r>
+              <a:rPr lang="en-US" sz="3200" dirty="0">
+                <a:solidFill>
+                  <a:schemeClr val="tx1">
+                    <a:lumMod val="75000"/>
+                    <a:lumOff val="25000"/>
+                  </a:schemeClr>
+                </a:solidFill>
+              </a:rPr>
+              <a:t>		</a:t>
+            </a:r>
+            <a:r>
+              <a:rPr lang="en-US" sz="3200" dirty="0">
+                <a:solidFill>
+                  <a:srgbClr val="EF3A6F"/>
+                </a:solidFill>
+              </a:rPr>
+              <a:t>&lt;style&gt;</a:t>
+            </a:r>
+          </a:p>
+          <a:p>
+            <a:pPr marL="0" indent="0">
+              <a:buNone/>
+            </a:pPr>
+            <a:r>
+              <a:rPr lang="en-US" sz="3200" dirty="0">
+                <a:solidFill>
+                  <a:srgbClr val="EF3A6F"/>
+                </a:solidFill>
+              </a:rPr>
+              <a:t>			p{…}</a:t>
+            </a:r>
+          </a:p>
+          <a:p>
+            <a:pPr marL="0" indent="0">
+              <a:buNone/>
+            </a:pPr>
+            <a:r>
+              <a:rPr lang="en-US" sz="3200" dirty="0">
+                <a:solidFill>
+                  <a:srgbClr val="EF3A6F"/>
+                </a:solidFill>
+              </a:rPr>
+              <a:t>		&lt;/style&gt;</a:t>
+            </a:r>
+          </a:p>
+          <a:p>
+            <a:pPr marL="0" indent="0">
+              <a:buNone/>
+            </a:pPr>
+            <a:r>
+              <a:rPr lang="en-US" sz="3200" dirty="0">
+                <a:solidFill>
+                  <a:schemeClr val="tx1">
+                    <a:lumMod val="75000"/>
+                    <a:lumOff val="25000"/>
+                  </a:schemeClr>
+                </a:solidFill>
+              </a:rPr>
+              <a:t>	&lt;/head&gt;</a:t>
+            </a:r>
+          </a:p>
+          <a:p>
+            <a:pPr marL="0" indent="0">
+              <a:buNone/>
+            </a:pPr>
+            <a:r>
+              <a:rPr lang="en-US" sz="3200" dirty="0">
+                <a:solidFill>
+                  <a:schemeClr val="tx1">
+                    <a:lumMod val="75000"/>
+                    <a:lumOff val="25000"/>
+                  </a:schemeClr>
+                </a:solidFill>
+              </a:rPr>
+              <a:t>&lt;/html&gt;</a:t>
+            </a:r>
+          </a:p>
+          <a:p>
+            <a:pPr marL="0" indent="0">
+              <a:buNone/>
+            </a:pPr>
+            <a:endParaRPr lang="en-US" dirty="0"/>
+          </a:p>
+        </p:txBody>
+      </p:sp>
+    </p:spTree>
+    <p:extLst>
+      <p:ext uri="{BB962C8B-B14F-4D97-AF65-F5344CB8AC3E}">
+        <p14:creationId xmlns:p14="http://schemas.microsoft.com/office/powerpoint/2010/main" val="390697373"/>
+      </p:ext>
+    </p:extLst>
+  </p:cSld>
+  <p:clrMapOvr>
+    <a:masterClrMapping/>
+  </p:clrMapOvr>
+</p:sld>
+</file>
+
+<file path=ppt/slides/slide19.xml><?xml version="1.0" encoding="utf-8"?>
+<p:sld xmlns:a="http://schemas.openxmlformats.org/drawingml/2006/main" xmlns:r="http://schemas.openxmlformats.org/officeDocument/2006/relationships" xmlns:p="http://schemas.openxmlformats.org/presentationml/2006/main">
+  <p:cSld>
+    <p:spTree>
+      <p:nvGrpSpPr>
+        <p:cNvPr id="1" name=""/>
+        <p:cNvGrpSpPr/>
+        <p:nvPr/>
+      </p:nvGrpSpPr>
+      <p:grpSpPr>
+        <a:xfrm>
+          <a:off x="0" y="0"/>
+          <a:ext cx="0" cy="0"/>
+          <a:chOff x="0" y="0"/>
+          <a:chExt cx="0" cy="0"/>
+        </a:xfrm>
+      </p:grpSpPr>
+      <p:sp>
+        <p:nvSpPr>
+          <p:cNvPr id="2" name="Text Placeholder 1"/>
+          <p:cNvSpPr>
+            <a:spLocks noGrp="1"/>
+          </p:cNvSpPr>
+          <p:nvPr>
+            <p:ph type="body" sz="quarter" idx="10"/>
+          </p:nvPr>
+        </p:nvSpPr>
+        <p:spPr/>
+        <p:txBody>
+          <a:bodyPr/>
+          <a:lstStyle/>
+          <a:p>
+            <a:r>
+              <a:rPr lang="en-US" dirty="0"/>
               <a:t>Use CSS in HTML – External File</a:t>
             </a:r>
           </a:p>
@@ -3006,7 +3877,65 @@
 </p:sld>
 </file>
 
-<file path=ppt/slides/slide19.xml><?xml version="1.0" encoding="utf-8"?>
+<file path=ppt/slides/slide2.xml><?xml version="1.0" encoding="utf-8"?>
+<p:sld xmlns:a="http://schemas.openxmlformats.org/drawingml/2006/main" xmlns:r="http://schemas.openxmlformats.org/officeDocument/2006/relationships" xmlns:p="http://schemas.openxmlformats.org/presentationml/2006/main">
+  <p:cSld>
+    <p:spTree>
+      <p:nvGrpSpPr>
+        <p:cNvPr id="1" name=""/>
+        <p:cNvGrpSpPr/>
+        <p:nvPr/>
+      </p:nvGrpSpPr>
+      <p:grpSpPr>
+        <a:xfrm>
+          <a:off x="0" y="0"/>
+          <a:ext cx="0" cy="0"/>
+          <a:chOff x="0" y="0"/>
+          <a:chExt cx="0" cy="0"/>
+        </a:xfrm>
+      </p:grpSpPr>
+      <p:sp>
+        <p:nvSpPr>
+          <p:cNvPr id="2" name="Text Placeholder 1"/>
+          <p:cNvSpPr>
+            <a:spLocks noGrp="1"/>
+          </p:cNvSpPr>
+          <p:nvPr>
+            <p:ph type="body" sz="quarter" idx="10"/>
+          </p:nvPr>
+        </p:nvSpPr>
+        <p:spPr/>
+        <p:txBody>
+          <a:bodyPr/>
+          <a:lstStyle/>
+          <a:p>
+            <a:r>
+              <a:rPr lang="en-US" dirty="0"/>
+              <a:t>Section 1 </a:t>
+            </a:r>
+          </a:p>
+          <a:p>
+            <a:r>
+              <a:rPr lang="en-US" dirty="0"/>
+              <a:t>Web Development Introduction</a:t>
+            </a:r>
+          </a:p>
+        </p:txBody>
+      </p:sp>
+    </p:spTree>
+    <p:extLst>
+      <p:ext uri="{BB962C8B-B14F-4D97-AF65-F5344CB8AC3E}">
+        <p14:creationId xmlns:p14="http://schemas.microsoft.com/office/powerpoint/2010/main" val="1010680303"/>
+      </p:ext>
+    </p:extLst>
+  </p:cSld>
+  <p:clrMapOvr>
+    <a:masterClrMapping/>
+  </p:clrMapOvr>
+</p:sld>
+</file>
+
+<file path=ppt/slides/slide20.xml><?xml version="1.0" encoding="utf-8"?>
 <p:sld xmlns:a="http://schemas.openxmlformats.org/drawingml/2006/main" xmlns:r="http://schemas.openxmlformats.org/officeDocument/2006/relationships" xmlns:p="http://schemas.openxmlformats.org/presentationml/2006/main">
   <p:cSld>
     <p:spTree>
@@ -3281,7 +4210,7 @@
 </p:sld>
 </file>
 
-<file path=ppt/slides/slide2.xml><?xml version="1.0" encoding="utf-8"?>
+<file path=ppt/slides/slide21.xml><?xml version="1.0" encoding="utf-8"?>
 <p:sld xmlns:a="http://schemas.openxmlformats.org/drawingml/2006/main" xmlns:r="http://schemas.openxmlformats.org/officeDocument/2006/relationships" xmlns:p="http://schemas.openxmlformats.org/presentationml/2006/main">
   <p:cSld>
     <p:spTree>
@@ -3300,58 +4229,6 @@
       </p:grpSpPr>
       <p:sp>
         <p:nvSpPr>
-          <p:cNvPr id="2" name="Text Placeholder 1"/>
-          <p:cNvSpPr>
-            <a:spLocks noGrp="1"/>
-          </p:cNvSpPr>
-          <p:nvPr>
-            <p:ph type="body" sz="quarter" idx="10"/>
-          </p:nvPr>
-        </p:nvSpPr>
-        <p:spPr/>
-        <p:txBody>
-          <a:bodyPr/>
-          <a:lstStyle/>
-          <a:p>
-            <a:r>
-              <a:rPr lang="en-US" dirty="0"/>
-              <a:t>01 HTML</a:t>
-            </a:r>
-          </a:p>
-        </p:txBody>
-      </p:sp>
-    </p:spTree>
-    <p:extLst>
-      <p:ext uri="{BB962C8B-B14F-4D97-AF65-F5344CB8AC3E}">
-        <p14:creationId xmlns:p14="http://schemas.microsoft.com/office/powerpoint/2010/main" val="1531462855"/>
-      </p:ext>
-    </p:extLst>
-  </p:cSld>
-  <p:clrMapOvr>
-    <a:masterClrMapping/>
-  </p:clrMapOvr>
-</p:sld>
-</file>
-
-<file path=ppt/slides/slide20.xml><?xml version="1.0" encoding="utf-8"?>
-<p:sld xmlns:a="http://schemas.openxmlformats.org/drawingml/2006/main" xmlns:r="http://schemas.openxmlformats.org/officeDocument/2006/relationships" xmlns:p="http://schemas.openxmlformats.org/presentationml/2006/main">
-  <p:cSld>
-    <p:spTree>
-      <p:nvGrpSpPr>
-        <p:cNvPr id="1" name=""/>
-        <p:cNvGrpSpPr/>
-        <p:nvPr/>
-      </p:nvGrpSpPr>
-      <p:grpSpPr>
-        <a:xfrm>
-          <a:off x="0" y="0"/>
-          <a:ext cx="0" cy="0"/>
-          <a:chOff x="0" y="0"/>
-          <a:chExt cx="0" cy="0"/>
-        </a:xfrm>
-      </p:grpSpPr>
-      <p:sp>
-        <p:nvSpPr>
           <p:cNvPr id="2" name="Text Placeholder 1">
             <a:extLst>
               <a:ext uri="{FF2B5EF4-FFF2-40B4-BE49-F238E27FC236}">
@@ -3440,7 +4317,7 @@
 </p:sld>
 </file>
 
-<file path=ppt/slides/slide21.xml><?xml version="1.0" encoding="utf-8"?>
+<file path=ppt/slides/slide22.xml><?xml version="1.0" encoding="utf-8"?>
 <p:sld xmlns:a="http://schemas.openxmlformats.org/drawingml/2006/main" xmlns:r="http://schemas.openxmlformats.org/officeDocument/2006/relationships" xmlns:p="http://schemas.openxmlformats.org/presentationml/2006/main">
   <p:cSld>
     <p:spTree>
@@ -4093,7 +4970,7 @@
 </p:sld>
 </file>
 
-<file path=ppt/slides/slide22.xml><?xml version="1.0" encoding="utf-8"?>
+<file path=ppt/slides/slide23.xml><?xml version="1.0" encoding="utf-8"?>
 <p:sld xmlns:a="http://schemas.openxmlformats.org/drawingml/2006/main" xmlns:r="http://schemas.openxmlformats.org/officeDocument/2006/relationships" xmlns:p="http://schemas.openxmlformats.org/presentationml/2006/main">
   <p:cSld>
     <p:spTree>
@@ -4618,7 +5495,7 @@
 </p:sld>
 </file>
 
-<file path=ppt/slides/slide23.xml><?xml version="1.0" encoding="utf-8"?>
+<file path=ppt/slides/slide24.xml><?xml version="1.0" encoding="utf-8"?>
 <p:sld xmlns:a="http://schemas.openxmlformats.org/drawingml/2006/main" xmlns:r="http://schemas.openxmlformats.org/officeDocument/2006/relationships" xmlns:p="http://schemas.openxmlformats.org/presentationml/2006/main">
   <p:cSld>
     <p:spTree>
@@ -5116,7 +5993,7 @@
 </p:sld>
 </file>
 
-<file path=ppt/slides/slide24.xml><?xml version="1.0" encoding="utf-8"?>
+<file path=ppt/slides/slide25.xml><?xml version="1.0" encoding="utf-8"?>
 <p:sld xmlns:a="http://schemas.openxmlformats.org/drawingml/2006/main" xmlns:r="http://schemas.openxmlformats.org/officeDocument/2006/relationships" xmlns:p="http://schemas.openxmlformats.org/presentationml/2006/main">
   <p:cSld>
     <p:spTree>
@@ -5654,7 +6531,7 @@
 </p:sld>
 </file>
 
-<file path=ppt/slides/slide25.xml><?xml version="1.0" encoding="utf-8"?>
+<file path=ppt/slides/slide26.xml><?xml version="1.0" encoding="utf-8"?>
 <p:sld xmlns:a="http://schemas.openxmlformats.org/drawingml/2006/main" xmlns:r="http://schemas.openxmlformats.org/officeDocument/2006/relationships" xmlns:p="http://schemas.openxmlformats.org/presentationml/2006/main">
   <p:cSld>
     <p:spTree>
@@ -6072,7 +6949,7 @@
 </p:sld>
 </file>
 
-<file path=ppt/slides/slide26.xml><?xml version="1.0" encoding="utf-8"?>
+<file path=ppt/slides/slide27.xml><?xml version="1.0" encoding="utf-8"?>
 <p:sld xmlns:a="http://schemas.openxmlformats.org/drawingml/2006/main" xmlns:r="http://schemas.openxmlformats.org/officeDocument/2006/relationships" xmlns:p="http://schemas.openxmlformats.org/presentationml/2006/main">
   <p:cSld>
     <p:spTree>
@@ -6474,7 +7351,7 @@
 </p:sld>
 </file>
 
-<file path=ppt/slides/slide27.xml><?xml version="1.0" encoding="utf-8"?>
+<file path=ppt/slides/slide28.xml><?xml version="1.0" encoding="utf-8"?>
 <p:sld xmlns:a="http://schemas.openxmlformats.org/drawingml/2006/main" xmlns:r="http://schemas.openxmlformats.org/officeDocument/2006/relationships" xmlns:p="http://schemas.openxmlformats.org/presentationml/2006/main">
   <p:cSld>
     <p:spTree>
@@ -6876,7 +7753,7 @@
 </p:sld>
 </file>
 
-<file path=ppt/slides/slide28.xml><?xml version="1.0" encoding="utf-8"?>
+<file path=ppt/slides/slide29.xml><?xml version="1.0" encoding="utf-8"?>
 <p:sld xmlns:a="http://schemas.openxmlformats.org/drawingml/2006/main" xmlns:r="http://schemas.openxmlformats.org/officeDocument/2006/relationships" xmlns:p="http://schemas.openxmlformats.org/presentationml/2006/main">
   <p:cSld>
     <p:spTree>
@@ -7458,7 +8335,59 @@
 </p:sld>
 </file>
 
-<file path=ppt/slides/slide29.xml><?xml version="1.0" encoding="utf-8"?>
+<file path=ppt/slides/slide3.xml><?xml version="1.0" encoding="utf-8"?>
+<p:sld xmlns:a="http://schemas.openxmlformats.org/drawingml/2006/main" xmlns:r="http://schemas.openxmlformats.org/officeDocument/2006/relationships" xmlns:p="http://schemas.openxmlformats.org/presentationml/2006/main">
+  <p:cSld>
+    <p:spTree>
+      <p:nvGrpSpPr>
+        <p:cNvPr id="1" name=""/>
+        <p:cNvGrpSpPr/>
+        <p:nvPr/>
+      </p:nvGrpSpPr>
+      <p:grpSpPr>
+        <a:xfrm>
+          <a:off x="0" y="0"/>
+          <a:ext cx="0" cy="0"/>
+          <a:chOff x="0" y="0"/>
+          <a:chExt cx="0" cy="0"/>
+        </a:xfrm>
+      </p:grpSpPr>
+      <p:sp>
+        <p:nvSpPr>
+          <p:cNvPr id="2" name="Text Placeholder 1"/>
+          <p:cNvSpPr>
+            <a:spLocks noGrp="1"/>
+          </p:cNvSpPr>
+          <p:nvPr>
+            <p:ph type="body" sz="quarter" idx="10"/>
+          </p:nvPr>
+        </p:nvSpPr>
+        <p:spPr/>
+        <p:txBody>
+          <a:bodyPr/>
+          <a:lstStyle/>
+          <a:p>
+            <a:r>
+              <a:rPr lang="en-US" dirty="0"/>
+              <a:t>01 HTML</a:t>
+            </a:r>
+          </a:p>
+        </p:txBody>
+      </p:sp>
+    </p:spTree>
+    <p:extLst>
+      <p:ext uri="{BB962C8B-B14F-4D97-AF65-F5344CB8AC3E}">
+        <p14:creationId xmlns:p14="http://schemas.microsoft.com/office/powerpoint/2010/main" val="1531462855"/>
+      </p:ext>
+    </p:extLst>
+  </p:cSld>
+  <p:clrMapOvr>
+    <a:masterClrMapping/>
+  </p:clrMapOvr>
+</p:sld>
+</file>
+
+<file path=ppt/slides/slide30.xml><?xml version="1.0" encoding="utf-8"?>
 <p:sld xmlns:a="http://schemas.openxmlformats.org/drawingml/2006/main" xmlns:r="http://schemas.openxmlformats.org/officeDocument/2006/relationships" xmlns:p="http://schemas.openxmlformats.org/presentationml/2006/main">
   <p:cSld>
     <p:spTree>
@@ -8004,116 +8933,7 @@
 </p:sld>
 </file>
 
-<file path=ppt/slides/slide3.xml><?xml version="1.0" encoding="utf-8"?>
-<p:sld xmlns:a="http://schemas.openxmlformats.org/drawingml/2006/main" xmlns:r="http://schemas.openxmlformats.org/officeDocument/2006/relationships" xmlns:p="http://schemas.openxmlformats.org/presentationml/2006/main">
-  <p:cSld>
-    <p:spTree>
-      <p:nvGrpSpPr>
-        <p:cNvPr id="1" name=""/>
-        <p:cNvGrpSpPr/>
-        <p:nvPr/>
-      </p:nvGrpSpPr>
-      <p:grpSpPr>
-        <a:xfrm>
-          <a:off x="0" y="0"/>
-          <a:ext cx="0" cy="0"/>
-          <a:chOff x="0" y="0"/>
-          <a:chExt cx="0" cy="0"/>
-        </a:xfrm>
-      </p:grpSpPr>
-      <p:sp>
-        <p:nvSpPr>
-          <p:cNvPr id="2" name="Text Placeholder 1"/>
-          <p:cNvSpPr>
-            <a:spLocks noGrp="1"/>
-          </p:cNvSpPr>
-          <p:nvPr>
-            <p:ph type="body" sz="quarter" idx="10"/>
-          </p:nvPr>
-        </p:nvSpPr>
-        <p:spPr/>
-        <p:txBody>
-          <a:bodyPr/>
-          <a:lstStyle/>
-          <a:p>
-            <a:r>
-              <a:rPr lang="en-US" dirty="0"/>
-              <a:t>HTML</a:t>
-            </a:r>
-          </a:p>
-        </p:txBody>
-      </p:sp>
-      <p:sp>
-        <p:nvSpPr>
-          <p:cNvPr id="3" name="Content Placeholder 2"/>
-          <p:cNvSpPr>
-            <a:spLocks noGrp="1"/>
-          </p:cNvSpPr>
-          <p:nvPr>
-            <p:ph sz="quarter" idx="11"/>
-          </p:nvPr>
-        </p:nvSpPr>
-        <p:spPr/>
-        <p:txBody>
-          <a:bodyPr/>
-          <a:lstStyle/>
-          <a:p>
-            <a:pPr marL="0" indent="0">
-              <a:buNone/>
-            </a:pPr>
-            <a:r>
-              <a:rPr lang="en-US" dirty="0"/>
-              <a:t>HTML (</a:t>
-            </a:r>
-            <a:r>
-              <a:rPr lang="en-US" dirty="0" err="1"/>
-              <a:t>HyperText</a:t>
-            </a:r>
-            <a:r>
-              <a:rPr lang="en-US" dirty="0"/>
-              <a:t> Markup Language) is the most basic building block of the Web. It defines the meaning and structure of web content.</a:t>
-            </a:r>
-          </a:p>
-          <a:p>
-            <a:pPr marL="0" indent="0">
-              <a:buNone/>
-            </a:pPr>
-            <a:endParaRPr lang="en-US" dirty="0"/>
-          </a:p>
-          <a:p>
-            <a:pPr marL="0" indent="0">
-              <a:buNone/>
-            </a:pPr>
-            <a:r>
-              <a:rPr lang="en-US" dirty="0">
-                <a:hlinkClick r:id="rId2"/>
-              </a:rPr>
-              <a:t>https://developer.mozilla.org/en-US/docs/Web/HTML</a:t>
-            </a:r>
-            <a:endParaRPr lang="en-US" dirty="0"/>
-          </a:p>
-          <a:p>
-            <a:pPr marL="0" indent="0">
-              <a:buNone/>
-            </a:pPr>
-            <a:endParaRPr lang="en-US" dirty="0"/>
-          </a:p>
-        </p:txBody>
-      </p:sp>
-    </p:spTree>
-    <p:extLst>
-      <p:ext uri="{BB962C8B-B14F-4D97-AF65-F5344CB8AC3E}">
-        <p14:creationId xmlns:p14="http://schemas.microsoft.com/office/powerpoint/2010/main" val="2315593263"/>
-      </p:ext>
-    </p:extLst>
-  </p:cSld>
-  <p:clrMapOvr>
-    <a:masterClrMapping/>
-  </p:clrMapOvr>
-</p:sld>
-</file>
-
-<file path=ppt/slides/slide30.xml><?xml version="1.0" encoding="utf-8"?>
+<file path=ppt/slides/slide31.xml><?xml version="1.0" encoding="utf-8"?>
 <p:sld xmlns:a="http://schemas.openxmlformats.org/drawingml/2006/main" xmlns:r="http://schemas.openxmlformats.org/officeDocument/2006/relationships" xmlns:p="http://schemas.openxmlformats.org/presentationml/2006/main">
   <p:cSld>
     <p:spTree>
@@ -8791,7 +9611,7 @@
 </p:sld>
 </file>
 
-<file path=ppt/slides/slide31.xml><?xml version="1.0" encoding="utf-8"?>
+<file path=ppt/slides/slide32.xml><?xml version="1.0" encoding="utf-8"?>
 <p:sld xmlns:a="http://schemas.openxmlformats.org/drawingml/2006/main" xmlns:r="http://schemas.openxmlformats.org/officeDocument/2006/relationships" xmlns:p="http://schemas.openxmlformats.org/presentationml/2006/main">
   <p:cSld>
     <p:spTree>
@@ -9469,7 +10289,7 @@
 </p:sld>
 </file>
 
-<file path=ppt/slides/slide32.xml><?xml version="1.0" encoding="utf-8"?>
+<file path=ppt/slides/slide33.xml><?xml version="1.0" encoding="utf-8"?>
 <p:sld xmlns:a="http://schemas.openxmlformats.org/drawingml/2006/main" xmlns:r="http://schemas.openxmlformats.org/officeDocument/2006/relationships" xmlns:p="http://schemas.openxmlformats.org/presentationml/2006/main">
   <p:cSld>
     <p:spTree>
@@ -10161,7 +10981,7 @@
 </p:sld>
 </file>
 
-<file path=ppt/slides/slide33.xml><?xml version="1.0" encoding="utf-8"?>
+<file path=ppt/slides/slide34.xml><?xml version="1.0" encoding="utf-8"?>
 <p:sld xmlns:a="http://schemas.openxmlformats.org/drawingml/2006/main" xmlns:r="http://schemas.openxmlformats.org/officeDocument/2006/relationships" xmlns:p="http://schemas.openxmlformats.org/presentationml/2006/main">
   <p:cSld>
     <p:spTree>
@@ -10853,7 +11673,7 @@
 </p:sld>
 </file>
 
-<file path=ppt/slides/slide34.xml><?xml version="1.0" encoding="utf-8"?>
+<file path=ppt/slides/slide35.xml><?xml version="1.0" encoding="utf-8"?>
 <p:sld xmlns:a="http://schemas.openxmlformats.org/drawingml/2006/main" xmlns:r="http://schemas.openxmlformats.org/officeDocument/2006/relationships" xmlns:p="http://schemas.openxmlformats.org/presentationml/2006/main">
   <p:cSld>
     <p:spTree>
@@ -11127,7 +11947,7 @@
 </p:sld>
 </file>
 
-<file path=ppt/slides/slide35.xml><?xml version="1.0" encoding="utf-8"?>
+<file path=ppt/slides/slide36.xml><?xml version="1.0" encoding="utf-8"?>
 <p:sld xmlns:a="http://schemas.openxmlformats.org/drawingml/2006/main" xmlns:r="http://schemas.openxmlformats.org/officeDocument/2006/relationships" xmlns:p="http://schemas.openxmlformats.org/presentationml/2006/main">
   <p:cSld>
     <p:spTree>
@@ -11868,224 +12688,6 @@
 </p:sld>
 </file>
 
-<file path=ppt/slides/slide36.xml><?xml version="1.0" encoding="utf-8"?>
-<p:sld xmlns:a="http://schemas.openxmlformats.org/drawingml/2006/main" xmlns:r="http://schemas.openxmlformats.org/officeDocument/2006/relationships" xmlns:p="http://schemas.openxmlformats.org/presentationml/2006/main">
-  <p:cSld>
-    <p:spTree>
-      <p:nvGrpSpPr>
-        <p:cNvPr id="1" name=""/>
-        <p:cNvGrpSpPr/>
-        <p:nvPr/>
-      </p:nvGrpSpPr>
-      <p:grpSpPr>
-        <a:xfrm>
-          <a:off x="0" y="0"/>
-          <a:ext cx="0" cy="0"/>
-          <a:chOff x="0" y="0"/>
-          <a:chExt cx="0" cy="0"/>
-        </a:xfrm>
-      </p:grpSpPr>
-      <p:sp>
-        <p:nvSpPr>
-          <p:cNvPr id="2" name="Text Placeholder 1"/>
-          <p:cNvSpPr>
-            <a:spLocks noGrp="1"/>
-          </p:cNvSpPr>
-          <p:nvPr>
-            <p:ph type="body" sz="quarter" idx="10"/>
-          </p:nvPr>
-        </p:nvSpPr>
-        <p:spPr/>
-        <p:txBody>
-          <a:bodyPr/>
-          <a:lstStyle/>
-          <a:p>
-            <a:pPr>
-              <a:buNone/>
-            </a:pPr>
-            <a:r>
-              <a:rPr lang="en-US" dirty="0"/>
-              <a:t>To Learn More about CSS</a:t>
-            </a:r>
-          </a:p>
-        </p:txBody>
-      </p:sp>
-      <p:sp>
-        <p:nvSpPr>
-          <p:cNvPr id="3" name="Content Placeholder 2"/>
-          <p:cNvSpPr>
-            <a:spLocks noGrp="1"/>
-          </p:cNvSpPr>
-          <p:nvPr>
-            <p:ph sz="quarter" idx="11"/>
-          </p:nvPr>
-        </p:nvSpPr>
-        <p:spPr>
-          <a:xfrm>
-            <a:off x="499731" y="1491917"/>
-            <a:ext cx="11206716" cy="4859898"/>
-          </a:xfrm>
-        </p:spPr>
-        <p:txBody>
-          <a:bodyPr/>
-          <a:lstStyle/>
-          <a:p>
-            <a:pPr marL="0" indent="0">
-              <a:buNone/>
-            </a:pPr>
-            <a:r>
-              <a:rPr lang="en-US" sz="2400" dirty="0">
-                <a:solidFill>
-                  <a:srgbClr val="EF3A6F"/>
-                </a:solidFill>
-              </a:rPr>
-              <a:t>CSS building blocks</a:t>
-            </a:r>
-          </a:p>
-          <a:p>
-            <a:pPr marL="0" indent="0">
-              <a:buNone/>
-            </a:pPr>
-            <a:r>
-              <a:rPr lang="en-US" sz="2400" dirty="0"/>
-              <a:t>https://developer.mozilla.org/en-US/docs/Learn/CSS/Building_blocks</a:t>
-            </a:r>
-          </a:p>
-          <a:p>
-            <a:pPr marL="0" indent="0">
-              <a:buNone/>
-            </a:pPr>
-            <a:r>
-              <a:rPr lang="en-US" sz="2400" dirty="0">
-                <a:solidFill>
-                  <a:srgbClr val="EF3A6F"/>
-                </a:solidFill>
-              </a:rPr>
-              <a:t>CSS selectors</a:t>
-            </a:r>
-          </a:p>
-          <a:p>
-            <a:pPr marL="0" indent="0">
-              <a:buNone/>
-            </a:pPr>
-            <a:r>
-              <a:rPr lang="en-US" sz="2400" dirty="0"/>
-              <a:t>https://developer.mozilla.org/en-US/docs/Learn/CSS/Building_blocks/Selectors</a:t>
-            </a:r>
-          </a:p>
-          <a:p>
-            <a:pPr marL="0" indent="0">
-              <a:buNone/>
-            </a:pPr>
-            <a:r>
-              <a:rPr lang="en-US" sz="2400" dirty="0">
-                <a:solidFill>
-                  <a:srgbClr val="EF3A6F"/>
-                </a:solidFill>
-              </a:rPr>
-              <a:t>CSS values and units</a:t>
-            </a:r>
-          </a:p>
-          <a:p>
-            <a:pPr marL="0" indent="0">
-              <a:buNone/>
-            </a:pPr>
-            <a:r>
-              <a:rPr lang="en-US" sz="2400" dirty="0"/>
-              <a:t>https://developer.mozilla.org/en-US/docs/Learn/CSS/Building_blocks/Values_and_units</a:t>
-            </a:r>
-          </a:p>
-          <a:p>
-            <a:pPr marL="0" indent="0">
-              <a:buNone/>
-            </a:pPr>
-            <a:r>
-              <a:rPr lang="en-US" sz="2400" dirty="0">
-                <a:solidFill>
-                  <a:srgbClr val="EF3A6F"/>
-                </a:solidFill>
-              </a:rPr>
-              <a:t>CSS @media</a:t>
-            </a:r>
-          </a:p>
-          <a:p>
-            <a:pPr marL="0" indent="0">
-              <a:buNone/>
-            </a:pPr>
-            <a:r>
-              <a:rPr lang="en-US" sz="2400" dirty="0"/>
-              <a:t>https://developer.mozilla.org/en-US/docs/Web/CSS/@media</a:t>
-            </a:r>
-          </a:p>
-          <a:p>
-            <a:pPr marL="0" indent="0">
-              <a:buNone/>
-            </a:pPr>
-            <a:r>
-              <a:rPr lang="en-US" sz="2400" dirty="0">
-                <a:solidFill>
-                  <a:srgbClr val="EF3A6F"/>
-                </a:solidFill>
-              </a:rPr>
-              <a:t>Responsive design</a:t>
-            </a:r>
-          </a:p>
-          <a:p>
-            <a:pPr marL="0" indent="0">
-              <a:buNone/>
-            </a:pPr>
-            <a:r>
-              <a:rPr lang="en-US" sz="2400" dirty="0">
-                <a:hlinkClick r:id="rId2"/>
-              </a:rPr>
-              <a:t>https://developer.mozilla.org/en-US/docs/Web/Progressive_web_apps/Responsive/responsive_design_building_blocks</a:t>
-            </a:r>
-            <a:endParaRPr lang="en-US" sz="2400" dirty="0"/>
-          </a:p>
-          <a:p>
-            <a:pPr marL="0" indent="0">
-              <a:buNone/>
-            </a:pPr>
-            <a:r>
-              <a:rPr lang="en-US" sz="2400" dirty="0">
-                <a:solidFill>
-                  <a:srgbClr val="EF3A6F"/>
-                </a:solidFill>
-              </a:rPr>
-              <a:t>How CSS Works</a:t>
-            </a:r>
-          </a:p>
-          <a:p>
-            <a:pPr marL="0" indent="0">
-              <a:buNone/>
-            </a:pPr>
-            <a:r>
-              <a:rPr lang="en-US" sz="2400" dirty="0">
-                <a:hlinkClick r:id="rId3"/>
-              </a:rPr>
-              <a:t>https://developer.mozilla.org/en-US/docs/Learn/CSS/First_steps/How_CSS_works</a:t>
-            </a:r>
-            <a:endParaRPr lang="en-US" sz="2400" dirty="0">
-              <a:solidFill>
-                <a:schemeClr val="bg1"/>
-              </a:solidFill>
-            </a:endParaRPr>
-          </a:p>
-        </p:txBody>
-      </p:sp>
-    </p:spTree>
-    <p:extLst>
-      <p:ext uri="{BB962C8B-B14F-4D97-AF65-F5344CB8AC3E}">
-        <p14:creationId xmlns:p14="http://schemas.microsoft.com/office/powerpoint/2010/main" val="3044210453"/>
-      </p:ext>
-    </p:extLst>
-  </p:cSld>
-  <p:clrMapOvr>
-    <a:masterClrMapping/>
-  </p:clrMapOvr>
-</p:sld>
-</file>
-
 <file path=ppt/slides/slide37.xml><?xml version="1.0" encoding="utf-8"?>
 <p:sld xmlns:a="http://schemas.openxmlformats.org/drawingml/2006/main" xmlns:r="http://schemas.openxmlformats.org/officeDocument/2006/relationships" xmlns:p="http://schemas.openxmlformats.org/presentationml/2006/main">
   <p:cSld>
@@ -12118,17 +12720,183 @@
           <a:bodyPr/>
           <a:lstStyle/>
           <a:p>
+            <a:pPr>
+              <a:buNone/>
+            </a:pPr>
             <a:r>
               <a:rPr lang="en-US" dirty="0"/>
-              <a:t>Section 2 JavaScript</a:t>
-            </a:r>
+              <a:t>To Learn More about CSS</a:t>
+            </a:r>
+          </a:p>
+        </p:txBody>
+      </p:sp>
+      <p:sp>
+        <p:nvSpPr>
+          <p:cNvPr id="3" name="Content Placeholder 2"/>
+          <p:cNvSpPr>
+            <a:spLocks noGrp="1"/>
+          </p:cNvSpPr>
+          <p:nvPr>
+            <p:ph sz="quarter" idx="11"/>
+          </p:nvPr>
+        </p:nvSpPr>
+        <p:spPr>
+          <a:xfrm>
+            <a:off x="499731" y="1491917"/>
+            <a:ext cx="11206716" cy="4859898"/>
+          </a:xfrm>
+        </p:spPr>
+        <p:txBody>
+          <a:bodyPr/>
+          <a:lstStyle/>
+          <a:p>
+            <a:pPr marL="0" indent="0">
+              <a:buNone/>
+            </a:pPr>
+            <a:r>
+              <a:rPr lang="en-US" sz="2400" dirty="0">
+                <a:solidFill>
+                  <a:srgbClr val="EF3A6F"/>
+                </a:solidFill>
+              </a:rPr>
+              <a:t>CSS building blocks</a:t>
+            </a:r>
+          </a:p>
+          <a:p>
+            <a:pPr marL="0" indent="0">
+              <a:buNone/>
+            </a:pPr>
+            <a:r>
+              <a:rPr lang="en-US" sz="2400" dirty="0"/>
+              <a:t>https://developer.mozilla.org/en-US/docs/Learn/CSS/Building_blocks</a:t>
+            </a:r>
+          </a:p>
+          <a:p>
+            <a:pPr marL="0" indent="0">
+              <a:buNone/>
+            </a:pPr>
+            <a:r>
+              <a:rPr lang="en-US" sz="2400" dirty="0">
+                <a:solidFill>
+                  <a:srgbClr val="EF3A6F"/>
+                </a:solidFill>
+              </a:rPr>
+              <a:t>CSS selectors</a:t>
+            </a:r>
+          </a:p>
+          <a:p>
+            <a:pPr marL="0" indent="0">
+              <a:buNone/>
+            </a:pPr>
+            <a:r>
+              <a:rPr lang="en-US" sz="2400" dirty="0"/>
+              <a:t>https://developer.mozilla.org/en-US/docs/Learn/CSS/Building_blocks/Selectors</a:t>
+            </a:r>
+          </a:p>
+          <a:p>
+            <a:pPr marL="0" indent="0">
+              <a:buNone/>
+            </a:pPr>
+            <a:r>
+              <a:rPr lang="en-US" sz="2400" dirty="0">
+                <a:solidFill>
+                  <a:srgbClr val="EF3A6F"/>
+                </a:solidFill>
+              </a:rPr>
+              <a:t>CSS values and units</a:t>
+            </a:r>
+          </a:p>
+          <a:p>
+            <a:pPr marL="0" indent="0">
+              <a:buNone/>
+            </a:pPr>
+            <a:r>
+              <a:rPr lang="en-US" sz="2400" dirty="0"/>
+              <a:t>https://developer.mozilla.org/en-US/docs/Learn/CSS/Building_blocks/Values_and_units</a:t>
+            </a:r>
+          </a:p>
+          <a:p>
+            <a:pPr marL="0" indent="0">
+              <a:buNone/>
+            </a:pPr>
+            <a:r>
+              <a:rPr lang="en-US" sz="2400" dirty="0">
+                <a:solidFill>
+                  <a:srgbClr val="EF3A6F"/>
+                </a:solidFill>
+              </a:rPr>
+              <a:t>CSS @media</a:t>
+            </a:r>
+          </a:p>
+          <a:p>
+            <a:pPr marL="0" indent="0">
+              <a:buNone/>
+            </a:pPr>
+            <a:r>
+              <a:rPr lang="en-US" sz="2400" dirty="0"/>
+              <a:t>https://developer.mozilla.org/en-US/docs/Web/CSS/@media</a:t>
+            </a:r>
+          </a:p>
+          <a:p>
+            <a:pPr marL="0" indent="0">
+              <a:buNone/>
+            </a:pPr>
+            <a:r>
+              <a:rPr lang="en-US" sz="2400" dirty="0">
+                <a:solidFill>
+                  <a:srgbClr val="EF3A6F"/>
+                </a:solidFill>
+              </a:rPr>
+              <a:t>Responsive design</a:t>
+            </a:r>
+          </a:p>
+          <a:p>
+            <a:pPr marL="0" indent="0">
+              <a:buNone/>
+            </a:pPr>
+            <a:r>
+              <a:rPr lang="en-US" sz="2400" dirty="0">
+                <a:hlinkClick r:id="rId2"/>
+              </a:rPr>
+              <a:t>https://developer.mozilla.org/en-US/docs/Web/Progressive_web_apps/Responsive/responsive_design_building_blocks</a:t>
+            </a:r>
+            <a:endParaRPr lang="en-US" sz="2400" dirty="0"/>
+          </a:p>
+          <a:p>
+            <a:pPr marL="0" indent="0">
+              <a:buNone/>
+            </a:pPr>
+            <a:r>
+              <a:rPr lang="en-US" sz="2400" dirty="0">
+                <a:solidFill>
+                  <a:srgbClr val="EF3A6F"/>
+                </a:solidFill>
+              </a:rPr>
+              <a:t>How CSS Works</a:t>
+            </a:r>
+          </a:p>
+          <a:p>
+            <a:pPr marL="0" indent="0">
+              <a:buNone/>
+            </a:pPr>
+            <a:r>
+              <a:rPr lang="en-US" sz="2400" dirty="0">
+                <a:hlinkClick r:id="rId3"/>
+              </a:rPr>
+              <a:t>https://developer.mozilla.org/en-US/docs/Learn/CSS/First_steps/How_CSS_works</a:t>
+            </a:r>
+            <a:endParaRPr lang="en-US" sz="2400" dirty="0">
+              <a:solidFill>
+                <a:schemeClr val="bg1"/>
+              </a:solidFill>
+            </a:endParaRPr>
           </a:p>
         </p:txBody>
       </p:sp>
     </p:spTree>
     <p:extLst>
       <p:ext uri="{BB962C8B-B14F-4D97-AF65-F5344CB8AC3E}">
-        <p14:creationId xmlns:p14="http://schemas.microsoft.com/office/powerpoint/2010/main" val="3845748798"/>
+        <p14:creationId xmlns:p14="http://schemas.microsoft.com/office/powerpoint/2010/main" val="3044210453"/>
       </p:ext>
     </p:extLst>
   </p:cSld>
@@ -12172,148 +12940,15 @@
           <a:p>
             <a:r>
               <a:rPr lang="en-US" dirty="0"/>
-              <a:t>Web Development</a:t>
-            </a:r>
-          </a:p>
-        </p:txBody>
-      </p:sp>
-      <p:sp>
-        <p:nvSpPr>
-          <p:cNvPr id="3" name="Content Placeholder 2"/>
-          <p:cNvSpPr>
-            <a:spLocks noGrp="1"/>
-          </p:cNvSpPr>
-          <p:nvPr>
-            <p:ph sz="quarter" idx="11"/>
-          </p:nvPr>
-        </p:nvSpPr>
-        <p:spPr/>
-        <p:txBody>
-          <a:bodyPr/>
-          <a:lstStyle/>
-          <a:p>
-            <a:pPr marL="0" indent="0">
-              <a:buNone/>
-            </a:pPr>
-            <a:r>
-              <a:rPr lang="en-US" dirty="0">
-                <a:solidFill>
-                  <a:srgbClr val="EF3A6F"/>
-                </a:solidFill>
-              </a:rPr>
-              <a:t>HTML </a:t>
-            </a:r>
-            <a:r>
-              <a:rPr lang="en-US" dirty="0"/>
-              <a:t>describe and define the </a:t>
-            </a:r>
-            <a:r>
-              <a:rPr lang="en-US" dirty="0">
-                <a:solidFill>
-                  <a:schemeClr val="bg1"/>
-                </a:solidFill>
-              </a:rPr>
-              <a:t>content </a:t>
-            </a:r>
-            <a:r>
-              <a:rPr lang="en-US" dirty="0"/>
-              <a:t>of a webpage</a:t>
-            </a:r>
-          </a:p>
-          <a:p>
-            <a:pPr marL="0" indent="0">
-              <a:buNone/>
-            </a:pPr>
-            <a:r>
-              <a:rPr lang="en-US" dirty="0">
-                <a:solidFill>
-                  <a:srgbClr val="EF3A6F"/>
-                </a:solidFill>
-              </a:rPr>
-              <a:t>CSS </a:t>
-            </a:r>
-            <a:r>
-              <a:rPr lang="en-US" dirty="0"/>
-              <a:t>change the </a:t>
-            </a:r>
-            <a:r>
-              <a:rPr lang="en-US" dirty="0">
-                <a:solidFill>
-                  <a:schemeClr val="bg1"/>
-                </a:solidFill>
-              </a:rPr>
-              <a:t>appearance </a:t>
-            </a:r>
-            <a:r>
-              <a:rPr lang="en-US" dirty="0"/>
-              <a:t>or </a:t>
-            </a:r>
-            <a:r>
-              <a:rPr lang="en-US" dirty="0">
-                <a:solidFill>
-                  <a:schemeClr val="bg1"/>
-                </a:solidFill>
-              </a:rPr>
-              <a:t>presentation </a:t>
-            </a:r>
-            <a:r>
-              <a:rPr lang="en-US" dirty="0"/>
-              <a:t>of content on a webpage</a:t>
-            </a:r>
-          </a:p>
-          <a:p>
-            <a:pPr marL="0" indent="0">
-              <a:buNone/>
-            </a:pPr>
-            <a:r>
-              <a:rPr lang="en-US" dirty="0">
-                <a:solidFill>
-                  <a:srgbClr val="EF3A6F"/>
-                </a:solidFill>
-              </a:rPr>
-              <a:t>JavaScript </a:t>
-            </a:r>
-            <a:r>
-              <a:rPr lang="en-US" dirty="0"/>
-              <a:t>handle </a:t>
-            </a:r>
-            <a:r>
-              <a:rPr lang="en-US" dirty="0">
-                <a:solidFill>
-                  <a:schemeClr val="bg1"/>
-                </a:solidFill>
-              </a:rPr>
-              <a:t>behavior </a:t>
-            </a:r>
-            <a:r>
-              <a:rPr lang="en-US" dirty="0"/>
-              <a:t>and </a:t>
-            </a:r>
-            <a:r>
-              <a:rPr lang="en-US" dirty="0">
-                <a:solidFill>
-                  <a:schemeClr val="bg1"/>
-                </a:solidFill>
-              </a:rPr>
-              <a:t>functionality </a:t>
-            </a:r>
-            <a:r>
-              <a:rPr lang="en-US" dirty="0"/>
-              <a:t>of a webpage</a:t>
-            </a:r>
-          </a:p>
-          <a:p>
-            <a:pPr marL="0" indent="0">
-              <a:buNone/>
-            </a:pPr>
-            <a:endParaRPr lang="en-US" dirty="0"/>
+              <a:t>Section 2 JavaScript</a:t>
+            </a:r>
           </a:p>
         </p:txBody>
       </p:sp>
     </p:spTree>
     <p:extLst>
       <p:ext uri="{BB962C8B-B14F-4D97-AF65-F5344CB8AC3E}">
-        <p14:creationId xmlns:p14="http://schemas.microsoft.com/office/powerpoint/2010/main" val="1473940280"/>
+        <p14:creationId xmlns:p14="http://schemas.microsoft.com/office/powerpoint/2010/main" val="3845748798"/>
       </p:ext>
     </p:extLst>
   </p:cSld>
@@ -12355,6 +12990,300 @@
           <a:bodyPr/>
           <a:lstStyle/>
           <a:p>
+            <a:r>
+              <a:rPr lang="en-US" dirty="0"/>
+              <a:t>Web Development</a:t>
+            </a:r>
+          </a:p>
+        </p:txBody>
+      </p:sp>
+      <p:sp>
+        <p:nvSpPr>
+          <p:cNvPr id="3" name="Content Placeholder 2"/>
+          <p:cNvSpPr>
+            <a:spLocks noGrp="1"/>
+          </p:cNvSpPr>
+          <p:nvPr>
+            <p:ph sz="quarter" idx="11"/>
+          </p:nvPr>
+        </p:nvSpPr>
+        <p:spPr/>
+        <p:txBody>
+          <a:bodyPr/>
+          <a:lstStyle/>
+          <a:p>
+            <a:pPr marL="0" indent="0">
+              <a:buNone/>
+            </a:pPr>
+            <a:r>
+              <a:rPr lang="en-US" dirty="0">
+                <a:solidFill>
+                  <a:srgbClr val="EF3A6F"/>
+                </a:solidFill>
+              </a:rPr>
+              <a:t>HTML </a:t>
+            </a:r>
+            <a:r>
+              <a:rPr lang="en-US" dirty="0"/>
+              <a:t>describe and define the </a:t>
+            </a:r>
+            <a:r>
+              <a:rPr lang="en-US" dirty="0">
+                <a:solidFill>
+                  <a:schemeClr val="bg1"/>
+                </a:solidFill>
+              </a:rPr>
+              <a:t>content </a:t>
+            </a:r>
+            <a:r>
+              <a:rPr lang="en-US" dirty="0"/>
+              <a:t>of a webpage</a:t>
+            </a:r>
+          </a:p>
+          <a:p>
+            <a:pPr marL="0" indent="0">
+              <a:buNone/>
+            </a:pPr>
+            <a:r>
+              <a:rPr lang="en-US" dirty="0">
+                <a:solidFill>
+                  <a:srgbClr val="EF3A6F"/>
+                </a:solidFill>
+              </a:rPr>
+              <a:t>CSS </a:t>
+            </a:r>
+            <a:r>
+              <a:rPr lang="en-US" dirty="0"/>
+              <a:t>change the </a:t>
+            </a:r>
+            <a:r>
+              <a:rPr lang="en-US" dirty="0">
+                <a:solidFill>
+                  <a:schemeClr val="bg1"/>
+                </a:solidFill>
+              </a:rPr>
+              <a:t>appearance </a:t>
+            </a:r>
+            <a:r>
+              <a:rPr lang="en-US" dirty="0"/>
+              <a:t>or </a:t>
+            </a:r>
+            <a:r>
+              <a:rPr lang="en-US" dirty="0">
+                <a:solidFill>
+                  <a:schemeClr val="bg1"/>
+                </a:solidFill>
+              </a:rPr>
+              <a:t>presentation </a:t>
+            </a:r>
+            <a:r>
+              <a:rPr lang="en-US" dirty="0"/>
+              <a:t>of content on a webpage</a:t>
+            </a:r>
+          </a:p>
+          <a:p>
+            <a:pPr marL="0" indent="0">
+              <a:buNone/>
+            </a:pPr>
+            <a:r>
+              <a:rPr lang="en-US" dirty="0">
+                <a:solidFill>
+                  <a:srgbClr val="EF3A6F"/>
+                </a:solidFill>
+              </a:rPr>
+              <a:t>JavaScript </a:t>
+            </a:r>
+            <a:r>
+              <a:rPr lang="en-US" dirty="0"/>
+              <a:t>handle </a:t>
+            </a:r>
+            <a:r>
+              <a:rPr lang="en-US" dirty="0">
+                <a:solidFill>
+                  <a:schemeClr val="bg1"/>
+                </a:solidFill>
+              </a:rPr>
+              <a:t>behavior </a:t>
+            </a:r>
+            <a:r>
+              <a:rPr lang="en-US" dirty="0"/>
+              <a:t>and </a:t>
+            </a:r>
+            <a:r>
+              <a:rPr lang="en-US" dirty="0">
+                <a:solidFill>
+                  <a:schemeClr val="bg1"/>
+                </a:solidFill>
+              </a:rPr>
+              <a:t>functionality </a:t>
+            </a:r>
+            <a:r>
+              <a:rPr lang="en-US" dirty="0"/>
+              <a:t>of a webpage</a:t>
+            </a:r>
+          </a:p>
+          <a:p>
+            <a:pPr marL="0" indent="0">
+              <a:buNone/>
+            </a:pPr>
+            <a:endParaRPr lang="en-US" dirty="0"/>
+          </a:p>
+        </p:txBody>
+      </p:sp>
+    </p:spTree>
+    <p:extLst>
+      <p:ext uri="{BB962C8B-B14F-4D97-AF65-F5344CB8AC3E}">
+        <p14:creationId xmlns:p14="http://schemas.microsoft.com/office/powerpoint/2010/main" val="1473940280"/>
+      </p:ext>
+    </p:extLst>
+  </p:cSld>
+  <p:clrMapOvr>
+    <a:masterClrMapping/>
+  </p:clrMapOvr>
+</p:sld>
+</file>
+
+<file path=ppt/slides/slide4.xml><?xml version="1.0" encoding="utf-8"?>
+<p:sld xmlns:a="http://schemas.openxmlformats.org/drawingml/2006/main" xmlns:r="http://schemas.openxmlformats.org/officeDocument/2006/relationships" xmlns:p="http://schemas.openxmlformats.org/presentationml/2006/main">
+  <p:cSld>
+    <p:spTree>
+      <p:nvGrpSpPr>
+        <p:cNvPr id="1" name=""/>
+        <p:cNvGrpSpPr/>
+        <p:nvPr/>
+      </p:nvGrpSpPr>
+      <p:grpSpPr>
+        <a:xfrm>
+          <a:off x="0" y="0"/>
+          <a:ext cx="0" cy="0"/>
+          <a:chOff x="0" y="0"/>
+          <a:chExt cx="0" cy="0"/>
+        </a:xfrm>
+      </p:grpSpPr>
+      <p:sp>
+        <p:nvSpPr>
+          <p:cNvPr id="2" name="Text Placeholder 1"/>
+          <p:cNvSpPr>
+            <a:spLocks noGrp="1"/>
+          </p:cNvSpPr>
+          <p:nvPr>
+            <p:ph type="body" sz="quarter" idx="10"/>
+          </p:nvPr>
+        </p:nvSpPr>
+        <p:spPr/>
+        <p:txBody>
+          <a:bodyPr/>
+          <a:lstStyle/>
+          <a:p>
+            <a:r>
+              <a:rPr lang="en-US" dirty="0"/>
+              <a:t>HTML</a:t>
+            </a:r>
+          </a:p>
+        </p:txBody>
+      </p:sp>
+      <p:sp>
+        <p:nvSpPr>
+          <p:cNvPr id="3" name="Content Placeholder 2"/>
+          <p:cNvSpPr>
+            <a:spLocks noGrp="1"/>
+          </p:cNvSpPr>
+          <p:nvPr>
+            <p:ph sz="quarter" idx="11"/>
+          </p:nvPr>
+        </p:nvSpPr>
+        <p:spPr/>
+        <p:txBody>
+          <a:bodyPr/>
+          <a:lstStyle/>
+          <a:p>
+            <a:pPr marL="0" indent="0">
+              <a:buNone/>
+            </a:pPr>
+            <a:r>
+              <a:rPr lang="en-US" dirty="0"/>
+              <a:t>HTML (</a:t>
+            </a:r>
+            <a:r>
+              <a:rPr lang="en-US" dirty="0" err="1"/>
+              <a:t>HyperText</a:t>
+            </a:r>
+            <a:r>
+              <a:rPr lang="en-US" dirty="0"/>
+              <a:t> Markup Language) is the most basic building block of the Web. It defines the meaning and structure of web content.</a:t>
+            </a:r>
+          </a:p>
+          <a:p>
+            <a:pPr marL="0" indent="0">
+              <a:buNone/>
+            </a:pPr>
+            <a:endParaRPr lang="en-US" dirty="0"/>
+          </a:p>
+          <a:p>
+            <a:pPr marL="0" indent="0">
+              <a:buNone/>
+            </a:pPr>
+            <a:r>
+              <a:rPr lang="en-US" dirty="0">
+                <a:hlinkClick r:id="rId2"/>
+              </a:rPr>
+              <a:t>https://developer.mozilla.org/en-US/docs/Web/HTML</a:t>
+            </a:r>
+            <a:endParaRPr lang="en-US" dirty="0"/>
+          </a:p>
+          <a:p>
+            <a:pPr marL="0" indent="0">
+              <a:buNone/>
+            </a:pPr>
+            <a:endParaRPr lang="en-US" dirty="0"/>
+          </a:p>
+        </p:txBody>
+      </p:sp>
+    </p:spTree>
+    <p:extLst>
+      <p:ext uri="{BB962C8B-B14F-4D97-AF65-F5344CB8AC3E}">
+        <p14:creationId xmlns:p14="http://schemas.microsoft.com/office/powerpoint/2010/main" val="2315593263"/>
+      </p:ext>
+    </p:extLst>
+  </p:cSld>
+  <p:clrMapOvr>
+    <a:masterClrMapping/>
+  </p:clrMapOvr>
+</p:sld>
+</file>
+
+<file path=ppt/slides/slide40.xml><?xml version="1.0" encoding="utf-8"?>
+<p:sld xmlns:a="http://schemas.openxmlformats.org/drawingml/2006/main" xmlns:r="http://schemas.openxmlformats.org/officeDocument/2006/relationships" xmlns:p="http://schemas.openxmlformats.org/presentationml/2006/main">
+  <p:cSld>
+    <p:spTree>
+      <p:nvGrpSpPr>
+        <p:cNvPr id="1" name=""/>
+        <p:cNvGrpSpPr/>
+        <p:nvPr/>
+      </p:nvGrpSpPr>
+      <p:grpSpPr>
+        <a:xfrm>
+          <a:off x="0" y="0"/>
+          <a:ext cx="0" cy="0"/>
+          <a:chOff x="0" y="0"/>
+          <a:chExt cx="0" cy="0"/>
+        </a:xfrm>
+      </p:grpSpPr>
+      <p:sp>
+        <p:nvSpPr>
+          <p:cNvPr id="2" name="Text Placeholder 1"/>
+          <p:cNvSpPr>
+            <a:spLocks noGrp="1"/>
+          </p:cNvSpPr>
+          <p:nvPr>
+            <p:ph type="body" sz="quarter" idx="10"/>
+          </p:nvPr>
+        </p:nvSpPr>
+        <p:spPr/>
+        <p:txBody>
+          <a:bodyPr/>
+          <a:lstStyle/>
+          <a:p>
             <a:pPr>
               <a:buNone/>
             </a:pPr>
@@ -12648,7 +13577,1039 @@
 </p:sld>
 </file>
 
-<file path=ppt/slides/slide4.xml><?xml version="1.0" encoding="utf-8"?>
+<file path=ppt/slides/slide41.xml><?xml version="1.0" encoding="utf-8"?>
+<p:sld xmlns:a="http://schemas.openxmlformats.org/drawingml/2006/main" xmlns:r="http://schemas.openxmlformats.org/officeDocument/2006/relationships" xmlns:p="http://schemas.openxmlformats.org/presentationml/2006/main">
+  <p:cSld>
+    <p:spTree>
+      <p:nvGrpSpPr>
+        <p:cNvPr id="1" name=""/>
+        <p:cNvGrpSpPr/>
+        <p:nvPr/>
+      </p:nvGrpSpPr>
+      <p:grpSpPr>
+        <a:xfrm>
+          <a:off x="0" y="0"/>
+          <a:ext cx="0" cy="0"/>
+          <a:chOff x="0" y="0"/>
+          <a:chExt cx="0" cy="0"/>
+        </a:xfrm>
+      </p:grpSpPr>
+      <p:sp>
+        <p:nvSpPr>
+          <p:cNvPr id="2" name="Text Placeholder 1"/>
+          <p:cNvSpPr>
+            <a:spLocks noGrp="1"/>
+          </p:cNvSpPr>
+          <p:nvPr>
+            <p:ph type="body" sz="quarter" idx="10"/>
+          </p:nvPr>
+        </p:nvSpPr>
+        <p:spPr/>
+        <p:txBody>
+          <a:bodyPr/>
+          <a:lstStyle/>
+          <a:p>
+            <a:pPr>
+              <a:buNone/>
+            </a:pPr>
+            <a:r>
+              <a:rPr lang="en-US" dirty="0"/>
+              <a:t>Declare Variables</a:t>
+            </a:r>
+          </a:p>
+        </p:txBody>
+      </p:sp>
+      <p:sp>
+        <p:nvSpPr>
+          <p:cNvPr id="3" name="Content Placeholder 2"/>
+          <p:cNvSpPr>
+            <a:spLocks noGrp="1"/>
+          </p:cNvSpPr>
+          <p:nvPr>
+            <p:ph sz="quarter" idx="11"/>
+          </p:nvPr>
+        </p:nvSpPr>
+        <p:spPr>
+          <a:xfrm>
+            <a:off x="499731" y="1645718"/>
+            <a:ext cx="11206715" cy="4627490"/>
+          </a:xfrm>
+        </p:spPr>
+        <p:txBody>
+          <a:bodyPr anchor="ctr" anchorCtr="0"/>
+          <a:lstStyle/>
+          <a:p>
+            <a:r>
+              <a:rPr lang="en-US" sz="4800" dirty="0" err="1"/>
+              <a:t>var</a:t>
+            </a:r>
+            <a:endParaRPr lang="en-US" sz="4800" dirty="0"/>
+          </a:p>
+          <a:p>
+            <a:r>
+              <a:rPr lang="en-US" sz="4800" dirty="0" err="1"/>
+              <a:t>const</a:t>
+            </a:r>
+            <a:endParaRPr lang="en-US" sz="4800" dirty="0"/>
+          </a:p>
+          <a:p>
+            <a:r>
+              <a:rPr lang="en-US" sz="4800" dirty="0"/>
+              <a:t>let</a:t>
+            </a:r>
+          </a:p>
+        </p:txBody>
+      </p:sp>
+      <p:sp>
+        <p:nvSpPr>
+          <p:cNvPr id="6" name="Right Brace 5"/>
+          <p:cNvSpPr/>
+          <p:nvPr/>
+        </p:nvSpPr>
+        <p:spPr>
+          <a:xfrm>
+            <a:off x="2455817" y="3971110"/>
+            <a:ext cx="600892" cy="875211"/>
+          </a:xfrm>
+          <a:prstGeom prst="rightBrace">
+            <a:avLst/>
+          </a:prstGeom>
+          <a:ln w="38100">
+            <a:solidFill>
+              <a:srgbClr val="EF3A6F"/>
+            </a:solidFill>
+          </a:ln>
+        </p:spPr>
+        <p:style>
+          <a:lnRef idx="1">
+            <a:schemeClr val="accent1"/>
+          </a:lnRef>
+          <a:fillRef idx="0">
+            <a:schemeClr val="accent1"/>
+          </a:fillRef>
+          <a:effectRef idx="0">
+            <a:schemeClr val="accent1"/>
+          </a:effectRef>
+          <a:fontRef idx="minor">
+            <a:schemeClr val="tx1"/>
+          </a:fontRef>
+        </p:style>
+        <p:txBody>
+          <a:bodyPr rtlCol="0" anchor="ctr"/>
+          <a:lstStyle/>
+          <a:p>
+            <a:pPr algn="ctr"/>
+            <a:endParaRPr lang="en-US"/>
+          </a:p>
+        </p:txBody>
+      </p:sp>
+      <p:sp>
+        <p:nvSpPr>
+          <p:cNvPr id="7" name="TextBox 6"/>
+          <p:cNvSpPr txBox="1"/>
+          <p:nvPr/>
+        </p:nvSpPr>
+        <p:spPr>
+          <a:xfrm>
+            <a:off x="3451847" y="4054772"/>
+            <a:ext cx="4883068" cy="707886"/>
+          </a:xfrm>
+          <a:prstGeom prst="rect">
+            <a:avLst/>
+          </a:prstGeom>
+          <a:noFill/>
+        </p:spPr>
+        <p:txBody>
+          <a:bodyPr wrap="none" rtlCol="0">
+            <a:spAutoFit/>
+          </a:bodyPr>
+          <a:lstStyle/>
+          <a:p>
+            <a:r>
+              <a:rPr lang="en-US" sz="4000" dirty="0">
+                <a:latin typeface="Arial Narrow" panose="020B0606020202030204" pitchFamily="34" charset="0"/>
+              </a:rPr>
+              <a:t>UI5 not support right now</a:t>
+            </a:r>
+          </a:p>
+        </p:txBody>
+      </p:sp>
+    </p:spTree>
+    <p:extLst>
+      <p:ext uri="{BB962C8B-B14F-4D97-AF65-F5344CB8AC3E}">
+        <p14:creationId xmlns:p14="http://schemas.microsoft.com/office/powerpoint/2010/main" val="3914372607"/>
+      </p:ext>
+    </p:extLst>
+  </p:cSld>
+  <p:clrMapOvr>
+    <a:masterClrMapping/>
+  </p:clrMapOvr>
+</p:sld>
+</file>
+
+<file path=ppt/slides/slide42.xml><?xml version="1.0" encoding="utf-8"?>
+<p:sld xmlns:a="http://schemas.openxmlformats.org/drawingml/2006/main" xmlns:r="http://schemas.openxmlformats.org/officeDocument/2006/relationships" xmlns:p="http://schemas.openxmlformats.org/presentationml/2006/main">
+  <p:cSld>
+    <p:spTree>
+      <p:nvGrpSpPr>
+        <p:cNvPr id="1" name=""/>
+        <p:cNvGrpSpPr/>
+        <p:nvPr/>
+      </p:nvGrpSpPr>
+      <p:grpSpPr>
+        <a:xfrm>
+          <a:off x="0" y="0"/>
+          <a:ext cx="0" cy="0"/>
+          <a:chOff x="0" y="0"/>
+          <a:chExt cx="0" cy="0"/>
+        </a:xfrm>
+      </p:grpSpPr>
+      <p:sp>
+        <p:nvSpPr>
+          <p:cNvPr id="2" name="Text Placeholder 1"/>
+          <p:cNvSpPr>
+            <a:spLocks noGrp="1"/>
+          </p:cNvSpPr>
+          <p:nvPr>
+            <p:ph type="body" sz="quarter" idx="10"/>
+          </p:nvPr>
+        </p:nvSpPr>
+        <p:spPr/>
+        <p:txBody>
+          <a:bodyPr/>
+          <a:lstStyle/>
+          <a:p>
+            <a:r>
+              <a:rPr lang="en-US" dirty="0"/>
+              <a:t>Comparison</a:t>
+            </a:r>
+          </a:p>
+        </p:txBody>
+      </p:sp>
+      <p:sp>
+        <p:nvSpPr>
+          <p:cNvPr id="3" name="Content Placeholder 2"/>
+          <p:cNvSpPr>
+            <a:spLocks noGrp="1"/>
+          </p:cNvSpPr>
+          <p:nvPr>
+            <p:ph sz="quarter" idx="11"/>
+          </p:nvPr>
+        </p:nvSpPr>
+        <p:spPr/>
+        <p:txBody>
+          <a:bodyPr/>
+          <a:lstStyle/>
+          <a:p>
+            <a:pPr marL="0" indent="0">
+              <a:buNone/>
+            </a:pPr>
+            <a:r>
+              <a:rPr lang="en-US" dirty="0"/>
+              <a:t>&lt;		lesser than</a:t>
+            </a:r>
+          </a:p>
+          <a:p>
+            <a:pPr marL="0" indent="0">
+              <a:buNone/>
+            </a:pPr>
+            <a:r>
+              <a:rPr lang="en-US" dirty="0"/>
+              <a:t>&gt;		greater than</a:t>
+            </a:r>
+          </a:p>
+          <a:p>
+            <a:pPr marL="0" indent="0">
+              <a:buNone/>
+            </a:pPr>
+            <a:r>
+              <a:rPr lang="en-US" dirty="0"/>
+              <a:t>&lt;=		equal or lesser than</a:t>
+            </a:r>
+          </a:p>
+          <a:p>
+            <a:pPr marL="0" indent="0">
+              <a:buNone/>
+            </a:pPr>
+            <a:r>
+              <a:rPr lang="en-US" dirty="0"/>
+              <a:t>&gt;=		equal or greater than</a:t>
+            </a:r>
+          </a:p>
+        </p:txBody>
+      </p:sp>
+    </p:spTree>
+    <p:extLst>
+      <p:ext uri="{BB962C8B-B14F-4D97-AF65-F5344CB8AC3E}">
+        <p14:creationId xmlns:p14="http://schemas.microsoft.com/office/powerpoint/2010/main" val="16505095"/>
+      </p:ext>
+    </p:extLst>
+  </p:cSld>
+  <p:clrMapOvr>
+    <a:masterClrMapping/>
+  </p:clrMapOvr>
+</p:sld>
+</file>
+
+<file path=ppt/slides/slide43.xml><?xml version="1.0" encoding="utf-8"?>
+<p:sld xmlns:a="http://schemas.openxmlformats.org/drawingml/2006/main" xmlns:r="http://schemas.openxmlformats.org/officeDocument/2006/relationships" xmlns:p="http://schemas.openxmlformats.org/presentationml/2006/main">
+  <p:cSld>
+    <p:spTree>
+      <p:nvGrpSpPr>
+        <p:cNvPr id="1" name=""/>
+        <p:cNvGrpSpPr/>
+        <p:nvPr/>
+      </p:nvGrpSpPr>
+      <p:grpSpPr>
+        <a:xfrm>
+          <a:off x="0" y="0"/>
+          <a:ext cx="0" cy="0"/>
+          <a:chOff x="0" y="0"/>
+          <a:chExt cx="0" cy="0"/>
+        </a:xfrm>
+      </p:grpSpPr>
+      <p:sp>
+        <p:nvSpPr>
+          <p:cNvPr id="2" name="Text Placeholder 1"/>
+          <p:cNvSpPr>
+            <a:spLocks noGrp="1"/>
+          </p:cNvSpPr>
+          <p:nvPr>
+            <p:ph type="body" sz="quarter" idx="10"/>
+          </p:nvPr>
+        </p:nvSpPr>
+        <p:spPr/>
+        <p:txBody>
+          <a:bodyPr/>
+          <a:lstStyle/>
+          <a:p>
+            <a:r>
+              <a:rPr lang="en-US" dirty="0"/>
+              <a:t>Equals</a:t>
+            </a:r>
+          </a:p>
+        </p:txBody>
+      </p:sp>
+      <p:sp>
+        <p:nvSpPr>
+          <p:cNvPr id="3" name="Content Placeholder 2"/>
+          <p:cNvSpPr>
+            <a:spLocks noGrp="1"/>
+          </p:cNvSpPr>
+          <p:nvPr>
+            <p:ph sz="quarter" idx="11"/>
+          </p:nvPr>
+        </p:nvSpPr>
+        <p:spPr/>
+        <p:txBody>
+          <a:bodyPr/>
+          <a:lstStyle/>
+          <a:p>
+            <a:pPr marL="0" indent="0">
+              <a:buNone/>
+            </a:pPr>
+            <a:r>
+              <a:rPr lang="en-US" dirty="0"/>
+              <a:t>==		equal</a:t>
+            </a:r>
+          </a:p>
+          <a:p>
+            <a:pPr marL="0" indent="0">
+              <a:buNone/>
+            </a:pPr>
+            <a:r>
+              <a:rPr lang="en-US" dirty="0"/>
+              <a:t>!=		not equal</a:t>
+            </a:r>
+          </a:p>
+          <a:p>
+            <a:pPr marL="0" indent="0">
+              <a:buNone/>
+            </a:pPr>
+            <a:r>
+              <a:rPr lang="en-US" dirty="0"/>
+              <a:t>===		strict equal</a:t>
+            </a:r>
+          </a:p>
+          <a:p>
+            <a:pPr marL="0" indent="0">
+              <a:buNone/>
+            </a:pPr>
+            <a:r>
+              <a:rPr lang="en-US" dirty="0"/>
+              <a:t>!==		strict not equal</a:t>
+            </a:r>
+          </a:p>
+        </p:txBody>
+      </p:sp>
+    </p:spTree>
+    <p:extLst>
+      <p:ext uri="{BB962C8B-B14F-4D97-AF65-F5344CB8AC3E}">
+        <p14:creationId xmlns:p14="http://schemas.microsoft.com/office/powerpoint/2010/main" val="2755463529"/>
+      </p:ext>
+    </p:extLst>
+  </p:cSld>
+  <p:clrMapOvr>
+    <a:masterClrMapping/>
+  </p:clrMapOvr>
+</p:sld>
+</file>
+
+<file path=ppt/slides/slide44.xml><?xml version="1.0" encoding="utf-8"?>
+<p:sld xmlns:a="http://schemas.openxmlformats.org/drawingml/2006/main" xmlns:r="http://schemas.openxmlformats.org/officeDocument/2006/relationships" xmlns:p="http://schemas.openxmlformats.org/presentationml/2006/main">
+  <p:cSld>
+    <p:spTree>
+      <p:nvGrpSpPr>
+        <p:cNvPr id="1" name=""/>
+        <p:cNvGrpSpPr/>
+        <p:nvPr/>
+      </p:nvGrpSpPr>
+      <p:grpSpPr>
+        <a:xfrm>
+          <a:off x="0" y="0"/>
+          <a:ext cx="0" cy="0"/>
+          <a:chOff x="0" y="0"/>
+          <a:chExt cx="0" cy="0"/>
+        </a:xfrm>
+      </p:grpSpPr>
+      <p:sp>
+        <p:nvSpPr>
+          <p:cNvPr id="2" name="Text Placeholder 1"/>
+          <p:cNvSpPr>
+            <a:spLocks noGrp="1"/>
+          </p:cNvSpPr>
+          <p:nvPr>
+            <p:ph type="body" sz="quarter" idx="10"/>
+          </p:nvPr>
+        </p:nvSpPr>
+        <p:spPr/>
+        <p:txBody>
+          <a:bodyPr/>
+          <a:lstStyle/>
+          <a:p>
+            <a:r>
+              <a:rPr lang="en-US" dirty="0"/>
+              <a:t>Functions</a:t>
+            </a:r>
+          </a:p>
+        </p:txBody>
+      </p:sp>
+      <p:sp>
+        <p:nvSpPr>
+          <p:cNvPr id="3" name="Content Placeholder 2"/>
+          <p:cNvSpPr>
+            <a:spLocks noGrp="1"/>
+          </p:cNvSpPr>
+          <p:nvPr>
+            <p:ph sz="quarter" idx="11"/>
+          </p:nvPr>
+        </p:nvSpPr>
+        <p:spPr/>
+        <p:txBody>
+          <a:bodyPr/>
+          <a:lstStyle/>
+          <a:p>
+            <a:pPr marL="0" indent="0">
+              <a:buNone/>
+            </a:pPr>
+            <a:r>
+              <a:rPr lang="en-US" sz="4000"/>
+              <a:t>A </a:t>
+            </a:r>
+            <a:r>
+              <a:rPr lang="en-US" sz="4000" dirty="0"/>
+              <a:t>f</a:t>
+            </a:r>
+            <a:r>
+              <a:rPr lang="en-US" sz="4000"/>
+              <a:t>unction </a:t>
+            </a:r>
+            <a:r>
+              <a:rPr lang="en-US" sz="4000" dirty="0"/>
+              <a:t>is a block of code that we put together to perform some specific task.</a:t>
+            </a:r>
+          </a:p>
+        </p:txBody>
+      </p:sp>
+    </p:spTree>
+    <p:extLst>
+      <p:ext uri="{BB962C8B-B14F-4D97-AF65-F5344CB8AC3E}">
+        <p14:creationId xmlns:p14="http://schemas.microsoft.com/office/powerpoint/2010/main" val="1717304880"/>
+      </p:ext>
+    </p:extLst>
+  </p:cSld>
+  <p:clrMapOvr>
+    <a:masterClrMapping/>
+  </p:clrMapOvr>
+</p:sld>
+</file>
+
+<file path=ppt/slides/slide45.xml><?xml version="1.0" encoding="utf-8"?>
+<p:sld xmlns:a="http://schemas.openxmlformats.org/drawingml/2006/main" xmlns:r="http://schemas.openxmlformats.org/officeDocument/2006/relationships" xmlns:p="http://schemas.openxmlformats.org/presentationml/2006/main">
+  <p:cSld>
+    <p:spTree>
+      <p:nvGrpSpPr>
+        <p:cNvPr id="1" name=""/>
+        <p:cNvGrpSpPr/>
+        <p:nvPr/>
+      </p:nvGrpSpPr>
+      <p:grpSpPr>
+        <a:xfrm>
+          <a:off x="0" y="0"/>
+          <a:ext cx="0" cy="0"/>
+          <a:chOff x="0" y="0"/>
+          <a:chExt cx="0" cy="0"/>
+        </a:xfrm>
+      </p:grpSpPr>
+      <p:sp>
+        <p:nvSpPr>
+          <p:cNvPr id="2" name="Text Placeholder 1"/>
+          <p:cNvSpPr>
+            <a:spLocks noGrp="1"/>
+          </p:cNvSpPr>
+          <p:nvPr>
+            <p:ph type="body" sz="quarter" idx="10"/>
+          </p:nvPr>
+        </p:nvSpPr>
+        <p:spPr/>
+        <p:txBody>
+          <a:bodyPr/>
+          <a:lstStyle/>
+          <a:p>
+            <a:r>
+              <a:rPr lang="en-US" dirty="0"/>
+              <a:t>Functions</a:t>
+            </a:r>
+          </a:p>
+        </p:txBody>
+      </p:sp>
+      <p:sp>
+        <p:nvSpPr>
+          <p:cNvPr id="3" name="Content Placeholder 2"/>
+          <p:cNvSpPr>
+            <a:spLocks noGrp="1"/>
+          </p:cNvSpPr>
+          <p:nvPr>
+            <p:ph sz="quarter" idx="11"/>
+          </p:nvPr>
+        </p:nvSpPr>
+        <p:spPr/>
+        <p:txBody>
+          <a:bodyPr/>
+          <a:lstStyle/>
+          <a:p>
+            <a:pPr marL="0" indent="0">
+              <a:buNone/>
+            </a:pPr>
+            <a:r>
+              <a:rPr lang="en-US" sz="4000" dirty="0">
+                <a:solidFill>
+                  <a:srgbClr val="EF3A6F"/>
+                </a:solidFill>
+              </a:rPr>
+              <a:t>Define function</a:t>
+            </a:r>
+          </a:p>
+          <a:p>
+            <a:pPr marL="0" indent="0">
+              <a:buNone/>
+            </a:pPr>
+            <a:r>
+              <a:rPr lang="en-US" sz="4000" dirty="0"/>
+              <a:t>function </a:t>
+            </a:r>
+            <a:r>
+              <a:rPr lang="en-US" sz="4000" dirty="0" err="1"/>
+              <a:t>myFunction</a:t>
+            </a:r>
+            <a:r>
+              <a:rPr lang="en-US" sz="4000" dirty="0"/>
+              <a:t>(parameter1, parameter2, …){</a:t>
+            </a:r>
+          </a:p>
+          <a:p>
+            <a:pPr marL="457200" lvl="1" indent="0">
+              <a:buNone/>
+            </a:pPr>
+            <a:r>
+              <a:rPr lang="en-US" sz="4000" dirty="0">
+                <a:latin typeface="Arial Narrow" panose="020B0604020202020204" pitchFamily="34" charset="0"/>
+                <a:cs typeface="Arial Narrow" panose="020B0604020202020204" pitchFamily="34" charset="0"/>
+              </a:rPr>
+              <a:t>…</a:t>
+            </a:r>
+          </a:p>
+          <a:p>
+            <a:pPr marL="0" indent="0">
+              <a:buNone/>
+            </a:pPr>
+            <a:r>
+              <a:rPr lang="en-US" sz="4000" dirty="0"/>
+              <a:t>}</a:t>
+            </a:r>
+          </a:p>
+          <a:p>
+            <a:pPr marL="0" indent="0">
+              <a:buNone/>
+            </a:pPr>
+            <a:endParaRPr lang="en-US" sz="4000" dirty="0"/>
+          </a:p>
+          <a:p>
+            <a:pPr marL="0" indent="0">
+              <a:buNone/>
+            </a:pPr>
+            <a:r>
+              <a:rPr lang="en-US" sz="4000" dirty="0">
+                <a:solidFill>
+                  <a:srgbClr val="EF3A6F"/>
+                </a:solidFill>
+              </a:rPr>
+              <a:t>Execute function</a:t>
+            </a:r>
+          </a:p>
+          <a:p>
+            <a:pPr marL="0" indent="0">
+              <a:buNone/>
+            </a:pPr>
+            <a:r>
+              <a:rPr lang="en-US" sz="4000" dirty="0" err="1"/>
+              <a:t>myFunction</a:t>
+            </a:r>
+            <a:r>
+              <a:rPr lang="en-US" sz="4000" dirty="0"/>
+              <a:t>()</a:t>
+            </a:r>
+          </a:p>
+        </p:txBody>
+      </p:sp>
+    </p:spTree>
+    <p:extLst>
+      <p:ext uri="{BB962C8B-B14F-4D97-AF65-F5344CB8AC3E}">
+        <p14:creationId xmlns:p14="http://schemas.microsoft.com/office/powerpoint/2010/main" val="1090604132"/>
+      </p:ext>
+    </p:extLst>
+  </p:cSld>
+  <p:clrMapOvr>
+    <a:masterClrMapping/>
+  </p:clrMapOvr>
+</p:sld>
+</file>
+
+<file path=ppt/slides/slide46.xml><?xml version="1.0" encoding="utf-8"?>
+<p:sld xmlns:a="http://schemas.openxmlformats.org/drawingml/2006/main" xmlns:r="http://schemas.openxmlformats.org/officeDocument/2006/relationships" xmlns:p="http://schemas.openxmlformats.org/presentationml/2006/main">
+  <p:cSld>
+    <p:spTree>
+      <p:nvGrpSpPr>
+        <p:cNvPr id="1" name=""/>
+        <p:cNvGrpSpPr/>
+        <p:nvPr/>
+      </p:nvGrpSpPr>
+      <p:grpSpPr>
+        <a:xfrm>
+          <a:off x="0" y="0"/>
+          <a:ext cx="0" cy="0"/>
+          <a:chOff x="0" y="0"/>
+          <a:chExt cx="0" cy="0"/>
+        </a:xfrm>
+      </p:grpSpPr>
+      <p:sp>
+        <p:nvSpPr>
+          <p:cNvPr id="2" name="Text Placeholder 1"/>
+          <p:cNvSpPr>
+            <a:spLocks noGrp="1"/>
+          </p:cNvSpPr>
+          <p:nvPr>
+            <p:ph type="body" sz="quarter" idx="10"/>
+          </p:nvPr>
+        </p:nvSpPr>
+        <p:spPr/>
+        <p:txBody>
+          <a:bodyPr/>
+          <a:lstStyle/>
+          <a:p>
+            <a:r>
+              <a:rPr lang="en-US" dirty="0"/>
+              <a:t>Conditions</a:t>
+            </a:r>
+          </a:p>
+        </p:txBody>
+      </p:sp>
+      <p:sp>
+        <p:nvSpPr>
+          <p:cNvPr id="3" name="Content Placeholder 2"/>
+          <p:cNvSpPr>
+            <a:spLocks noGrp="1"/>
+          </p:cNvSpPr>
+          <p:nvPr>
+            <p:ph sz="quarter" idx="11"/>
+          </p:nvPr>
+        </p:nvSpPr>
+        <p:spPr/>
+        <p:txBody>
+          <a:bodyPr/>
+          <a:lstStyle/>
+          <a:p>
+            <a:pPr marL="0" indent="0">
+              <a:buNone/>
+            </a:pPr>
+            <a:r>
+              <a:rPr lang="en-US" dirty="0"/>
+              <a:t>if-else		?  :</a:t>
+            </a:r>
+          </a:p>
+          <a:p>
+            <a:pPr marL="0" indent="0">
+              <a:buNone/>
+            </a:pPr>
+            <a:r>
+              <a:rPr lang="en-US" dirty="0"/>
+              <a:t>if-else </a:t>
+            </a:r>
+            <a:r>
+              <a:rPr lang="en-US" dirty="0" err="1"/>
+              <a:t>if-else</a:t>
+            </a:r>
+            <a:r>
+              <a:rPr lang="en-US" dirty="0"/>
+              <a:t> if…else</a:t>
+            </a:r>
+          </a:p>
+          <a:p>
+            <a:pPr marL="0" indent="0">
+              <a:buNone/>
+            </a:pPr>
+            <a:r>
+              <a:rPr lang="en-US" dirty="0"/>
+              <a:t>switch</a:t>
+            </a:r>
+          </a:p>
+          <a:p>
+            <a:pPr marL="0" indent="0">
+              <a:buNone/>
+            </a:pPr>
+            <a:r>
+              <a:rPr lang="en-US" dirty="0"/>
+              <a:t>&amp;&amp; (and)</a:t>
+            </a:r>
+          </a:p>
+          <a:p>
+            <a:pPr marL="0" indent="0">
+              <a:buNone/>
+            </a:pPr>
+            <a:r>
+              <a:rPr lang="en-US" dirty="0"/>
+              <a:t>|| (or)</a:t>
+            </a:r>
+          </a:p>
+        </p:txBody>
+      </p:sp>
+    </p:spTree>
+    <p:extLst>
+      <p:ext uri="{BB962C8B-B14F-4D97-AF65-F5344CB8AC3E}">
+        <p14:creationId xmlns:p14="http://schemas.microsoft.com/office/powerpoint/2010/main" val="2569174325"/>
+      </p:ext>
+    </p:extLst>
+  </p:cSld>
+  <p:clrMapOvr>
+    <a:masterClrMapping/>
+  </p:clrMapOvr>
+</p:sld>
+</file>
+
+<file path=ppt/slides/slide47.xml><?xml version="1.0" encoding="utf-8"?>
+<p:sld xmlns:a="http://schemas.openxmlformats.org/drawingml/2006/main" xmlns:r="http://schemas.openxmlformats.org/officeDocument/2006/relationships" xmlns:p="http://schemas.openxmlformats.org/presentationml/2006/main">
+  <p:cSld>
+    <p:spTree>
+      <p:nvGrpSpPr>
+        <p:cNvPr id="1" name=""/>
+        <p:cNvGrpSpPr/>
+        <p:nvPr/>
+      </p:nvGrpSpPr>
+      <p:grpSpPr>
+        <a:xfrm>
+          <a:off x="0" y="0"/>
+          <a:ext cx="0" cy="0"/>
+          <a:chOff x="0" y="0"/>
+          <a:chExt cx="0" cy="0"/>
+        </a:xfrm>
+      </p:grpSpPr>
+      <p:sp>
+        <p:nvSpPr>
+          <p:cNvPr id="2" name="Text Placeholder 1"/>
+          <p:cNvSpPr>
+            <a:spLocks noGrp="1"/>
+          </p:cNvSpPr>
+          <p:nvPr>
+            <p:ph type="body" sz="quarter" idx="10"/>
+          </p:nvPr>
+        </p:nvSpPr>
+        <p:spPr/>
+        <p:txBody>
+          <a:bodyPr/>
+          <a:lstStyle/>
+          <a:p>
+            <a:r>
+              <a:rPr lang="en-US" dirty="0"/>
+              <a:t>Loops</a:t>
+            </a:r>
+          </a:p>
+        </p:txBody>
+      </p:sp>
+      <p:sp>
+        <p:nvSpPr>
+          <p:cNvPr id="3" name="Content Placeholder 2"/>
+          <p:cNvSpPr>
+            <a:spLocks noGrp="1"/>
+          </p:cNvSpPr>
+          <p:nvPr>
+            <p:ph sz="quarter" idx="11"/>
+          </p:nvPr>
+        </p:nvSpPr>
+        <p:spPr/>
+        <p:txBody>
+          <a:bodyPr/>
+          <a:lstStyle/>
+          <a:p>
+            <a:pPr marL="0" indent="0">
+              <a:buNone/>
+            </a:pPr>
+            <a:r>
+              <a:rPr lang="en-US" dirty="0"/>
+              <a:t>while</a:t>
+            </a:r>
+          </a:p>
+          <a:p>
+            <a:pPr marL="0" indent="0">
+              <a:buNone/>
+            </a:pPr>
+            <a:r>
+              <a:rPr lang="en-US" dirty="0"/>
+              <a:t>do-while</a:t>
+            </a:r>
+          </a:p>
+          <a:p>
+            <a:pPr marL="0" indent="0">
+              <a:buNone/>
+            </a:pPr>
+            <a:r>
+              <a:rPr lang="en-US" dirty="0"/>
+              <a:t>for</a:t>
+            </a:r>
+          </a:p>
+        </p:txBody>
+      </p:sp>
+    </p:spTree>
+    <p:extLst>
+      <p:ext uri="{BB962C8B-B14F-4D97-AF65-F5344CB8AC3E}">
+        <p14:creationId xmlns:p14="http://schemas.microsoft.com/office/powerpoint/2010/main" val="1728560446"/>
+      </p:ext>
+    </p:extLst>
+  </p:cSld>
+  <p:clrMapOvr>
+    <a:masterClrMapping/>
+  </p:clrMapOvr>
+</p:sld>
+</file>
+
+<file path=ppt/slides/slide48.xml><?xml version="1.0" encoding="utf-8"?>
+<p:sld xmlns:a="http://schemas.openxmlformats.org/drawingml/2006/main" xmlns:r="http://schemas.openxmlformats.org/officeDocument/2006/relationships" xmlns:p="http://schemas.openxmlformats.org/presentationml/2006/main">
+  <p:cSld>
+    <p:spTree>
+      <p:nvGrpSpPr>
+        <p:cNvPr id="1" name=""/>
+        <p:cNvGrpSpPr/>
+        <p:nvPr/>
+      </p:nvGrpSpPr>
+      <p:grpSpPr>
+        <a:xfrm>
+          <a:off x="0" y="0"/>
+          <a:ext cx="0" cy="0"/>
+          <a:chOff x="0" y="0"/>
+          <a:chExt cx="0" cy="0"/>
+        </a:xfrm>
+      </p:grpSpPr>
+      <p:sp>
+        <p:nvSpPr>
+          <p:cNvPr id="2" name="Text Placeholder 1"/>
+          <p:cNvSpPr>
+            <a:spLocks noGrp="1"/>
+          </p:cNvSpPr>
+          <p:nvPr>
+            <p:ph type="body" sz="quarter" idx="10"/>
+          </p:nvPr>
+        </p:nvSpPr>
+        <p:spPr/>
+        <p:txBody>
+          <a:bodyPr/>
+          <a:lstStyle/>
+          <a:p>
+            <a:r>
+              <a:rPr lang="en-US" dirty="0" err="1"/>
+              <a:t>Async</a:t>
+            </a:r>
+            <a:r>
+              <a:rPr lang="en-US" dirty="0"/>
+              <a:t> Await</a:t>
+            </a:r>
+          </a:p>
+        </p:txBody>
+      </p:sp>
+      <p:sp>
+        <p:nvSpPr>
+          <p:cNvPr id="3" name="Content Placeholder 2"/>
+          <p:cNvSpPr>
+            <a:spLocks noGrp="1"/>
+          </p:cNvSpPr>
+          <p:nvPr>
+            <p:ph sz="quarter" idx="11"/>
+          </p:nvPr>
+        </p:nvSpPr>
+        <p:spPr/>
+        <p:txBody>
+          <a:bodyPr/>
+          <a:lstStyle/>
+          <a:p>
+            <a:pPr marL="0" indent="0">
+              <a:buNone/>
+            </a:pPr>
+            <a:endParaRPr lang="en-US" dirty="0"/>
+          </a:p>
+          <a:p>
+            <a:pPr marL="0" indent="0">
+              <a:buNone/>
+            </a:pPr>
+            <a:r>
+              <a:rPr lang="en-US" dirty="0" err="1"/>
+              <a:t>async</a:t>
+            </a:r>
+            <a:r>
+              <a:rPr lang="en-US" dirty="0"/>
+              <a:t> function(){</a:t>
+            </a:r>
+          </a:p>
+          <a:p>
+            <a:pPr marL="0" indent="0">
+              <a:buNone/>
+            </a:pPr>
+            <a:r>
+              <a:rPr lang="en-US" dirty="0"/>
+              <a:t>	await …</a:t>
+            </a:r>
+          </a:p>
+          <a:p>
+            <a:pPr marL="0" indent="0">
+              <a:buNone/>
+            </a:pPr>
+            <a:r>
+              <a:rPr lang="en-US" dirty="0"/>
+              <a:t>}</a:t>
+            </a:r>
+          </a:p>
+        </p:txBody>
+      </p:sp>
+    </p:spTree>
+    <p:extLst>
+      <p:ext uri="{BB962C8B-B14F-4D97-AF65-F5344CB8AC3E}">
+        <p14:creationId xmlns:p14="http://schemas.microsoft.com/office/powerpoint/2010/main" val="1718345086"/>
+      </p:ext>
+    </p:extLst>
+  </p:cSld>
+  <p:clrMapOvr>
+    <a:masterClrMapping/>
+  </p:clrMapOvr>
+</p:sld>
+</file>
+
+<file path=ppt/slides/slide49.xml><?xml version="1.0" encoding="utf-8"?>
+<p:sld xmlns:a="http://schemas.openxmlformats.org/drawingml/2006/main" xmlns:r="http://schemas.openxmlformats.org/officeDocument/2006/relationships" xmlns:p="http://schemas.openxmlformats.org/presentationml/2006/main">
+  <p:cSld>
+    <p:spTree>
+      <p:nvGrpSpPr>
+        <p:cNvPr id="1" name=""/>
+        <p:cNvGrpSpPr/>
+        <p:nvPr/>
+      </p:nvGrpSpPr>
+      <p:grpSpPr>
+        <a:xfrm>
+          <a:off x="0" y="0"/>
+          <a:ext cx="0" cy="0"/>
+          <a:chOff x="0" y="0"/>
+          <a:chExt cx="0" cy="0"/>
+        </a:xfrm>
+      </p:grpSpPr>
+      <p:sp>
+        <p:nvSpPr>
+          <p:cNvPr id="2" name="Text Placeholder 1"/>
+          <p:cNvSpPr>
+            <a:spLocks noGrp="1"/>
+          </p:cNvSpPr>
+          <p:nvPr>
+            <p:ph type="body" sz="quarter" idx="10"/>
+          </p:nvPr>
+        </p:nvSpPr>
+        <p:spPr/>
+        <p:txBody>
+          <a:bodyPr/>
+          <a:lstStyle/>
+          <a:p>
+            <a:r>
+              <a:rPr lang="en-US" dirty="0"/>
+              <a:t>Standard Events</a:t>
+            </a:r>
+          </a:p>
+        </p:txBody>
+      </p:sp>
+      <p:sp>
+        <p:nvSpPr>
+          <p:cNvPr id="3" name="Content Placeholder 2"/>
+          <p:cNvSpPr>
+            <a:spLocks noGrp="1"/>
+          </p:cNvSpPr>
+          <p:nvPr>
+            <p:ph sz="quarter" idx="11"/>
+          </p:nvPr>
+        </p:nvSpPr>
+        <p:spPr/>
+        <p:txBody>
+          <a:bodyPr/>
+          <a:lstStyle/>
+          <a:p>
+            <a:pPr marL="0" indent="0">
+              <a:buNone/>
+            </a:pPr>
+            <a:endParaRPr lang="en-US" dirty="0"/>
+          </a:p>
+          <a:p>
+            <a:pPr marL="0" indent="0">
+              <a:buNone/>
+            </a:pPr>
+            <a:r>
+              <a:rPr lang="en-US" dirty="0"/>
+              <a:t>https://developer.mozilla.org/en-US/docs/Web/Events</a:t>
+            </a:r>
+          </a:p>
+          <a:p>
+            <a:pPr marL="0" indent="0">
+              <a:buNone/>
+            </a:pPr>
+            <a:endParaRPr lang="en-US" dirty="0"/>
+          </a:p>
+        </p:txBody>
+      </p:sp>
+    </p:spTree>
+    <p:extLst>
+      <p:ext uri="{BB962C8B-B14F-4D97-AF65-F5344CB8AC3E}">
+        <p14:creationId xmlns:p14="http://schemas.microsoft.com/office/powerpoint/2010/main" val="3941503663"/>
+      </p:ext>
+    </p:extLst>
+  </p:cSld>
+  <p:clrMapOvr>
+    <a:masterClrMapping/>
+  </p:clrMapOvr>
+</p:sld>
+</file>
+
+<file path=ppt/slides/slide5.xml><?xml version="1.0" encoding="utf-8"?>
 <p:sld xmlns:a="http://schemas.openxmlformats.org/drawingml/2006/main" xmlns:r="http://schemas.openxmlformats.org/officeDocument/2006/relationships" xmlns:p="http://schemas.openxmlformats.org/presentationml/2006/main">
   <p:cSld>
     <p:spTree>
@@ -13301,1249 +15262,6 @@
 </p:sld>
 </file>
 
-<file path=ppt/slides/slide40.xml><?xml version="1.0" encoding="utf-8"?>
-<p:sld xmlns:a="http://schemas.openxmlformats.org/drawingml/2006/main" xmlns:r="http://schemas.openxmlformats.org/officeDocument/2006/relationships" xmlns:p="http://schemas.openxmlformats.org/presentationml/2006/main">
-  <p:cSld>
-    <p:spTree>
-      <p:nvGrpSpPr>
-        <p:cNvPr id="1" name=""/>
-        <p:cNvGrpSpPr/>
-        <p:nvPr/>
-      </p:nvGrpSpPr>
-      <p:grpSpPr>
-        <a:xfrm>
-          <a:off x="0" y="0"/>
-          <a:ext cx="0" cy="0"/>
-          <a:chOff x="0" y="0"/>
-          <a:chExt cx="0" cy="0"/>
-        </a:xfrm>
-      </p:grpSpPr>
-      <p:sp>
-        <p:nvSpPr>
-          <p:cNvPr id="2" name="Text Placeholder 1"/>
-          <p:cNvSpPr>
-            <a:spLocks noGrp="1"/>
-          </p:cNvSpPr>
-          <p:nvPr>
-            <p:ph type="body" sz="quarter" idx="10"/>
-          </p:nvPr>
-        </p:nvSpPr>
-        <p:spPr/>
-        <p:txBody>
-          <a:bodyPr/>
-          <a:lstStyle/>
-          <a:p>
-            <a:pPr>
-              <a:buNone/>
-            </a:pPr>
-            <a:r>
-              <a:rPr lang="en-US" dirty="0"/>
-              <a:t>Declare Variables</a:t>
-            </a:r>
-          </a:p>
-        </p:txBody>
-      </p:sp>
-      <p:sp>
-        <p:nvSpPr>
-          <p:cNvPr id="3" name="Content Placeholder 2"/>
-          <p:cNvSpPr>
-            <a:spLocks noGrp="1"/>
-          </p:cNvSpPr>
-          <p:nvPr>
-            <p:ph sz="quarter" idx="11"/>
-          </p:nvPr>
-        </p:nvSpPr>
-        <p:spPr>
-          <a:xfrm>
-            <a:off x="499731" y="1645718"/>
-            <a:ext cx="11206715" cy="4627490"/>
-          </a:xfrm>
-        </p:spPr>
-        <p:txBody>
-          <a:bodyPr anchor="ctr" anchorCtr="0"/>
-          <a:lstStyle/>
-          <a:p>
-            <a:r>
-              <a:rPr lang="en-US" sz="4800" dirty="0" err="1"/>
-              <a:t>var</a:t>
-            </a:r>
-            <a:endParaRPr lang="en-US" sz="4800" dirty="0"/>
-          </a:p>
-          <a:p>
-            <a:r>
-              <a:rPr lang="en-US" sz="4800" dirty="0" err="1"/>
-              <a:t>const</a:t>
-            </a:r>
-            <a:endParaRPr lang="en-US" sz="4800" dirty="0"/>
-          </a:p>
-          <a:p>
-            <a:r>
-              <a:rPr lang="en-US" sz="4800" dirty="0"/>
-              <a:t>let</a:t>
-            </a:r>
-          </a:p>
-        </p:txBody>
-      </p:sp>
-      <p:sp>
-        <p:nvSpPr>
-          <p:cNvPr id="6" name="Right Brace 5"/>
-          <p:cNvSpPr/>
-          <p:nvPr/>
-        </p:nvSpPr>
-        <p:spPr>
-          <a:xfrm>
-            <a:off x="2455817" y="3971110"/>
-            <a:ext cx="600892" cy="875211"/>
-          </a:xfrm>
-          <a:prstGeom prst="rightBrace">
-            <a:avLst/>
-          </a:prstGeom>
-          <a:ln w="38100">
-            <a:solidFill>
-              <a:srgbClr val="EF3A6F"/>
-            </a:solidFill>
-          </a:ln>
-        </p:spPr>
-        <p:style>
-          <a:lnRef idx="1">
-            <a:schemeClr val="accent1"/>
-          </a:lnRef>
-          <a:fillRef idx="0">
-            <a:schemeClr val="accent1"/>
-          </a:fillRef>
-          <a:effectRef idx="0">
-            <a:schemeClr val="accent1"/>
-          </a:effectRef>
-          <a:fontRef idx="minor">
-            <a:schemeClr val="tx1"/>
-          </a:fontRef>
-        </p:style>
-        <p:txBody>
-          <a:bodyPr rtlCol="0" anchor="ctr"/>
-          <a:lstStyle/>
-          <a:p>
-            <a:pPr algn="ctr"/>
-            <a:endParaRPr lang="en-US"/>
-          </a:p>
-        </p:txBody>
-      </p:sp>
-      <p:sp>
-        <p:nvSpPr>
-          <p:cNvPr id="7" name="TextBox 6"/>
-          <p:cNvSpPr txBox="1"/>
-          <p:nvPr/>
-        </p:nvSpPr>
-        <p:spPr>
-          <a:xfrm>
-            <a:off x="3451847" y="4054772"/>
-            <a:ext cx="4883068" cy="707886"/>
-          </a:xfrm>
-          <a:prstGeom prst="rect">
-            <a:avLst/>
-          </a:prstGeom>
-          <a:noFill/>
-        </p:spPr>
-        <p:txBody>
-          <a:bodyPr wrap="none" rtlCol="0">
-            <a:spAutoFit/>
-          </a:bodyPr>
-          <a:lstStyle/>
-          <a:p>
-            <a:r>
-              <a:rPr lang="en-US" sz="4000" dirty="0">
-                <a:latin typeface="Arial Narrow" panose="020B0606020202030204" pitchFamily="34" charset="0"/>
-              </a:rPr>
-              <a:t>UI5 not support right now</a:t>
-            </a:r>
-          </a:p>
-        </p:txBody>
-      </p:sp>
-    </p:spTree>
-    <p:extLst>
-      <p:ext uri="{BB962C8B-B14F-4D97-AF65-F5344CB8AC3E}">
-        <p14:creationId xmlns:p14="http://schemas.microsoft.com/office/powerpoint/2010/main" val="3914372607"/>
-      </p:ext>
-    </p:extLst>
-  </p:cSld>
-  <p:clrMapOvr>
-    <a:masterClrMapping/>
-  </p:clrMapOvr>
-</p:sld>
-</file>
-
-<file path=ppt/slides/slide41.xml><?xml version="1.0" encoding="utf-8"?>
-<p:sld xmlns:a="http://schemas.openxmlformats.org/drawingml/2006/main" xmlns:r="http://schemas.openxmlformats.org/officeDocument/2006/relationships" xmlns:p="http://schemas.openxmlformats.org/presentationml/2006/main">
-  <p:cSld>
-    <p:spTree>
-      <p:nvGrpSpPr>
-        <p:cNvPr id="1" name=""/>
-        <p:cNvGrpSpPr/>
-        <p:nvPr/>
-      </p:nvGrpSpPr>
-      <p:grpSpPr>
-        <a:xfrm>
-          <a:off x="0" y="0"/>
-          <a:ext cx="0" cy="0"/>
-          <a:chOff x="0" y="0"/>
-          <a:chExt cx="0" cy="0"/>
-        </a:xfrm>
-      </p:grpSpPr>
-      <p:sp>
-        <p:nvSpPr>
-          <p:cNvPr id="2" name="Text Placeholder 1"/>
-          <p:cNvSpPr>
-            <a:spLocks noGrp="1"/>
-          </p:cNvSpPr>
-          <p:nvPr>
-            <p:ph type="body" sz="quarter" idx="10"/>
-          </p:nvPr>
-        </p:nvSpPr>
-        <p:spPr/>
-        <p:txBody>
-          <a:bodyPr/>
-          <a:lstStyle/>
-          <a:p>
-            <a:r>
-              <a:rPr lang="en-US" dirty="0"/>
-              <a:t>Comparison</a:t>
-            </a:r>
-          </a:p>
-        </p:txBody>
-      </p:sp>
-      <p:sp>
-        <p:nvSpPr>
-          <p:cNvPr id="3" name="Content Placeholder 2"/>
-          <p:cNvSpPr>
-            <a:spLocks noGrp="1"/>
-          </p:cNvSpPr>
-          <p:nvPr>
-            <p:ph sz="quarter" idx="11"/>
-          </p:nvPr>
-        </p:nvSpPr>
-        <p:spPr/>
-        <p:txBody>
-          <a:bodyPr/>
-          <a:lstStyle/>
-          <a:p>
-            <a:pPr marL="0" indent="0">
-              <a:buNone/>
-            </a:pPr>
-            <a:r>
-              <a:rPr lang="en-US" dirty="0"/>
-              <a:t>&lt;		lesser than</a:t>
-            </a:r>
-          </a:p>
-          <a:p>
-            <a:pPr marL="0" indent="0">
-              <a:buNone/>
-            </a:pPr>
-            <a:r>
-              <a:rPr lang="en-US" dirty="0"/>
-              <a:t>&gt;		greater than</a:t>
-            </a:r>
-          </a:p>
-          <a:p>
-            <a:pPr marL="0" indent="0">
-              <a:buNone/>
-            </a:pPr>
-            <a:r>
-              <a:rPr lang="en-US" dirty="0"/>
-              <a:t>&lt;=		equal or lesser than</a:t>
-            </a:r>
-          </a:p>
-          <a:p>
-            <a:pPr marL="0" indent="0">
-              <a:buNone/>
-            </a:pPr>
-            <a:r>
-              <a:rPr lang="en-US" dirty="0"/>
-              <a:t>&gt;=		equal or greater than</a:t>
-            </a:r>
-          </a:p>
-        </p:txBody>
-      </p:sp>
-    </p:spTree>
-    <p:extLst>
-      <p:ext uri="{BB962C8B-B14F-4D97-AF65-F5344CB8AC3E}">
-        <p14:creationId xmlns:p14="http://schemas.microsoft.com/office/powerpoint/2010/main" val="16505095"/>
-      </p:ext>
-    </p:extLst>
-  </p:cSld>
-  <p:clrMapOvr>
-    <a:masterClrMapping/>
-  </p:clrMapOvr>
-</p:sld>
-</file>
-
-<file path=ppt/slides/slide42.xml><?xml version="1.0" encoding="utf-8"?>
-<p:sld xmlns:a="http://schemas.openxmlformats.org/drawingml/2006/main" xmlns:r="http://schemas.openxmlformats.org/officeDocument/2006/relationships" xmlns:p="http://schemas.openxmlformats.org/presentationml/2006/main">
-  <p:cSld>
-    <p:spTree>
-      <p:nvGrpSpPr>
-        <p:cNvPr id="1" name=""/>
-        <p:cNvGrpSpPr/>
-        <p:nvPr/>
-      </p:nvGrpSpPr>
-      <p:grpSpPr>
-        <a:xfrm>
-          <a:off x="0" y="0"/>
-          <a:ext cx="0" cy="0"/>
-          <a:chOff x="0" y="0"/>
-          <a:chExt cx="0" cy="0"/>
-        </a:xfrm>
-      </p:grpSpPr>
-      <p:sp>
-        <p:nvSpPr>
-          <p:cNvPr id="2" name="Text Placeholder 1"/>
-          <p:cNvSpPr>
-            <a:spLocks noGrp="1"/>
-          </p:cNvSpPr>
-          <p:nvPr>
-            <p:ph type="body" sz="quarter" idx="10"/>
-          </p:nvPr>
-        </p:nvSpPr>
-        <p:spPr/>
-        <p:txBody>
-          <a:bodyPr/>
-          <a:lstStyle/>
-          <a:p>
-            <a:r>
-              <a:rPr lang="en-US" dirty="0"/>
-              <a:t>Equals</a:t>
-            </a:r>
-          </a:p>
-        </p:txBody>
-      </p:sp>
-      <p:sp>
-        <p:nvSpPr>
-          <p:cNvPr id="3" name="Content Placeholder 2"/>
-          <p:cNvSpPr>
-            <a:spLocks noGrp="1"/>
-          </p:cNvSpPr>
-          <p:nvPr>
-            <p:ph sz="quarter" idx="11"/>
-          </p:nvPr>
-        </p:nvSpPr>
-        <p:spPr/>
-        <p:txBody>
-          <a:bodyPr/>
-          <a:lstStyle/>
-          <a:p>
-            <a:pPr marL="0" indent="0">
-              <a:buNone/>
-            </a:pPr>
-            <a:r>
-              <a:rPr lang="en-US" dirty="0"/>
-              <a:t>==		equal</a:t>
-            </a:r>
-          </a:p>
-          <a:p>
-            <a:pPr marL="0" indent="0">
-              <a:buNone/>
-            </a:pPr>
-            <a:r>
-              <a:rPr lang="en-US" dirty="0"/>
-              <a:t>!=		not equal</a:t>
-            </a:r>
-          </a:p>
-          <a:p>
-            <a:pPr marL="0" indent="0">
-              <a:buNone/>
-            </a:pPr>
-            <a:r>
-              <a:rPr lang="en-US" dirty="0"/>
-              <a:t>===		strict equal</a:t>
-            </a:r>
-          </a:p>
-          <a:p>
-            <a:pPr marL="0" indent="0">
-              <a:buNone/>
-            </a:pPr>
-            <a:r>
-              <a:rPr lang="en-US" dirty="0"/>
-              <a:t>!==		strict not equal</a:t>
-            </a:r>
-          </a:p>
-        </p:txBody>
-      </p:sp>
-    </p:spTree>
-    <p:extLst>
-      <p:ext uri="{BB962C8B-B14F-4D97-AF65-F5344CB8AC3E}">
-        <p14:creationId xmlns:p14="http://schemas.microsoft.com/office/powerpoint/2010/main" val="2755463529"/>
-      </p:ext>
-    </p:extLst>
-  </p:cSld>
-  <p:clrMapOvr>
-    <a:masterClrMapping/>
-  </p:clrMapOvr>
-</p:sld>
-</file>
-
-<file path=ppt/slides/slide43.xml><?xml version="1.0" encoding="utf-8"?>
-<p:sld xmlns:a="http://schemas.openxmlformats.org/drawingml/2006/main" xmlns:r="http://schemas.openxmlformats.org/officeDocument/2006/relationships" xmlns:p="http://schemas.openxmlformats.org/presentationml/2006/main">
-  <p:cSld>
-    <p:spTree>
-      <p:nvGrpSpPr>
-        <p:cNvPr id="1" name=""/>
-        <p:cNvGrpSpPr/>
-        <p:nvPr/>
-      </p:nvGrpSpPr>
-      <p:grpSpPr>
-        <a:xfrm>
-          <a:off x="0" y="0"/>
-          <a:ext cx="0" cy="0"/>
-          <a:chOff x="0" y="0"/>
-          <a:chExt cx="0" cy="0"/>
-        </a:xfrm>
-      </p:grpSpPr>
-      <p:sp>
-        <p:nvSpPr>
-          <p:cNvPr id="2" name="Text Placeholder 1"/>
-          <p:cNvSpPr>
-            <a:spLocks noGrp="1"/>
-          </p:cNvSpPr>
-          <p:nvPr>
-            <p:ph type="body" sz="quarter" idx="10"/>
-          </p:nvPr>
-        </p:nvSpPr>
-        <p:spPr/>
-        <p:txBody>
-          <a:bodyPr/>
-          <a:lstStyle/>
-          <a:p>
-            <a:r>
-              <a:rPr lang="en-US" dirty="0"/>
-              <a:t>Functions</a:t>
-            </a:r>
-          </a:p>
-        </p:txBody>
-      </p:sp>
-      <p:sp>
-        <p:nvSpPr>
-          <p:cNvPr id="3" name="Content Placeholder 2"/>
-          <p:cNvSpPr>
-            <a:spLocks noGrp="1"/>
-          </p:cNvSpPr>
-          <p:nvPr>
-            <p:ph sz="quarter" idx="11"/>
-          </p:nvPr>
-        </p:nvSpPr>
-        <p:spPr/>
-        <p:txBody>
-          <a:bodyPr/>
-          <a:lstStyle/>
-          <a:p>
-            <a:pPr marL="0" indent="0">
-              <a:buNone/>
-            </a:pPr>
-            <a:r>
-              <a:rPr lang="en-US" sz="4000"/>
-              <a:t>A </a:t>
-            </a:r>
-            <a:r>
-              <a:rPr lang="en-US" sz="4000" dirty="0"/>
-              <a:t>f</a:t>
-            </a:r>
-            <a:r>
-              <a:rPr lang="en-US" sz="4000"/>
-              <a:t>unction </a:t>
-            </a:r>
-            <a:r>
-              <a:rPr lang="en-US" sz="4000" dirty="0"/>
-              <a:t>is a block of code that we put together to perform some specific task.</a:t>
-            </a:r>
-          </a:p>
-        </p:txBody>
-      </p:sp>
-    </p:spTree>
-    <p:extLst>
-      <p:ext uri="{BB962C8B-B14F-4D97-AF65-F5344CB8AC3E}">
-        <p14:creationId xmlns:p14="http://schemas.microsoft.com/office/powerpoint/2010/main" val="1717304880"/>
-      </p:ext>
-    </p:extLst>
-  </p:cSld>
-  <p:clrMapOvr>
-    <a:masterClrMapping/>
-  </p:clrMapOvr>
-</p:sld>
-</file>
-
-<file path=ppt/slides/slide44.xml><?xml version="1.0" encoding="utf-8"?>
-<p:sld xmlns:a="http://schemas.openxmlformats.org/drawingml/2006/main" xmlns:r="http://schemas.openxmlformats.org/officeDocument/2006/relationships" xmlns:p="http://schemas.openxmlformats.org/presentationml/2006/main">
-  <p:cSld>
-    <p:spTree>
-      <p:nvGrpSpPr>
-        <p:cNvPr id="1" name=""/>
-        <p:cNvGrpSpPr/>
-        <p:nvPr/>
-      </p:nvGrpSpPr>
-      <p:grpSpPr>
-        <a:xfrm>
-          <a:off x="0" y="0"/>
-          <a:ext cx="0" cy="0"/>
-          <a:chOff x="0" y="0"/>
-          <a:chExt cx="0" cy="0"/>
-        </a:xfrm>
-      </p:grpSpPr>
-      <p:sp>
-        <p:nvSpPr>
-          <p:cNvPr id="2" name="Text Placeholder 1"/>
-          <p:cNvSpPr>
-            <a:spLocks noGrp="1"/>
-          </p:cNvSpPr>
-          <p:nvPr>
-            <p:ph type="body" sz="quarter" idx="10"/>
-          </p:nvPr>
-        </p:nvSpPr>
-        <p:spPr/>
-        <p:txBody>
-          <a:bodyPr/>
-          <a:lstStyle/>
-          <a:p>
-            <a:r>
-              <a:rPr lang="en-US" dirty="0"/>
-              <a:t>Functions</a:t>
-            </a:r>
-          </a:p>
-        </p:txBody>
-      </p:sp>
-      <p:sp>
-        <p:nvSpPr>
-          <p:cNvPr id="3" name="Content Placeholder 2"/>
-          <p:cNvSpPr>
-            <a:spLocks noGrp="1"/>
-          </p:cNvSpPr>
-          <p:nvPr>
-            <p:ph sz="quarter" idx="11"/>
-          </p:nvPr>
-        </p:nvSpPr>
-        <p:spPr/>
-        <p:txBody>
-          <a:bodyPr/>
-          <a:lstStyle/>
-          <a:p>
-            <a:pPr marL="0" indent="0">
-              <a:buNone/>
-            </a:pPr>
-            <a:r>
-              <a:rPr lang="en-US" sz="4000" dirty="0">
-                <a:solidFill>
-                  <a:srgbClr val="EF3A6F"/>
-                </a:solidFill>
-              </a:rPr>
-              <a:t>Define function</a:t>
-            </a:r>
-          </a:p>
-          <a:p>
-            <a:pPr marL="0" indent="0">
-              <a:buNone/>
-            </a:pPr>
-            <a:r>
-              <a:rPr lang="en-US" sz="4000" dirty="0"/>
-              <a:t>function </a:t>
-            </a:r>
-            <a:r>
-              <a:rPr lang="en-US" sz="4000" dirty="0" err="1"/>
-              <a:t>myFunction</a:t>
-            </a:r>
-            <a:r>
-              <a:rPr lang="en-US" sz="4000" dirty="0"/>
-              <a:t>(parameter1, parameter2, …){</a:t>
-            </a:r>
-          </a:p>
-          <a:p>
-            <a:pPr marL="457200" lvl="1" indent="0">
-              <a:buNone/>
-            </a:pPr>
-            <a:r>
-              <a:rPr lang="en-US" sz="4000" dirty="0">
-                <a:latin typeface="Arial Narrow" panose="020B0604020202020204" pitchFamily="34" charset="0"/>
-                <a:cs typeface="Arial Narrow" panose="020B0604020202020204" pitchFamily="34" charset="0"/>
-              </a:rPr>
-              <a:t>…</a:t>
-            </a:r>
-          </a:p>
-          <a:p>
-            <a:pPr marL="0" indent="0">
-              <a:buNone/>
-            </a:pPr>
-            <a:r>
-              <a:rPr lang="en-US" sz="4000" dirty="0"/>
-              <a:t>}</a:t>
-            </a:r>
-          </a:p>
-          <a:p>
-            <a:pPr marL="0" indent="0">
-              <a:buNone/>
-            </a:pPr>
-            <a:endParaRPr lang="en-US" sz="4000" dirty="0"/>
-          </a:p>
-          <a:p>
-            <a:pPr marL="0" indent="0">
-              <a:buNone/>
-            </a:pPr>
-            <a:r>
-              <a:rPr lang="en-US" sz="4000" dirty="0">
-                <a:solidFill>
-                  <a:srgbClr val="EF3A6F"/>
-                </a:solidFill>
-              </a:rPr>
-              <a:t>Execute function</a:t>
-            </a:r>
-          </a:p>
-          <a:p>
-            <a:pPr marL="0" indent="0">
-              <a:buNone/>
-            </a:pPr>
-            <a:r>
-              <a:rPr lang="en-US" sz="4000" dirty="0" err="1"/>
-              <a:t>myFunction</a:t>
-            </a:r>
-            <a:r>
-              <a:rPr lang="en-US" sz="4000" dirty="0"/>
-              <a:t>()</a:t>
-            </a:r>
-          </a:p>
-        </p:txBody>
-      </p:sp>
-    </p:spTree>
-    <p:extLst>
-      <p:ext uri="{BB962C8B-B14F-4D97-AF65-F5344CB8AC3E}">
-        <p14:creationId xmlns:p14="http://schemas.microsoft.com/office/powerpoint/2010/main" val="1090604132"/>
-      </p:ext>
-    </p:extLst>
-  </p:cSld>
-  <p:clrMapOvr>
-    <a:masterClrMapping/>
-  </p:clrMapOvr>
-</p:sld>
-</file>
-
-<file path=ppt/slides/slide45.xml><?xml version="1.0" encoding="utf-8"?>
-<p:sld xmlns:a="http://schemas.openxmlformats.org/drawingml/2006/main" xmlns:r="http://schemas.openxmlformats.org/officeDocument/2006/relationships" xmlns:p="http://schemas.openxmlformats.org/presentationml/2006/main">
-  <p:cSld>
-    <p:spTree>
-      <p:nvGrpSpPr>
-        <p:cNvPr id="1" name=""/>
-        <p:cNvGrpSpPr/>
-        <p:nvPr/>
-      </p:nvGrpSpPr>
-      <p:grpSpPr>
-        <a:xfrm>
-          <a:off x="0" y="0"/>
-          <a:ext cx="0" cy="0"/>
-          <a:chOff x="0" y="0"/>
-          <a:chExt cx="0" cy="0"/>
-        </a:xfrm>
-      </p:grpSpPr>
-      <p:sp>
-        <p:nvSpPr>
-          <p:cNvPr id="2" name="Text Placeholder 1"/>
-          <p:cNvSpPr>
-            <a:spLocks noGrp="1"/>
-          </p:cNvSpPr>
-          <p:nvPr>
-            <p:ph type="body" sz="quarter" idx="10"/>
-          </p:nvPr>
-        </p:nvSpPr>
-        <p:spPr/>
-        <p:txBody>
-          <a:bodyPr/>
-          <a:lstStyle/>
-          <a:p>
-            <a:r>
-              <a:rPr lang="en-US" dirty="0"/>
-              <a:t>Conditions</a:t>
-            </a:r>
-          </a:p>
-        </p:txBody>
-      </p:sp>
-      <p:sp>
-        <p:nvSpPr>
-          <p:cNvPr id="3" name="Content Placeholder 2"/>
-          <p:cNvSpPr>
-            <a:spLocks noGrp="1"/>
-          </p:cNvSpPr>
-          <p:nvPr>
-            <p:ph sz="quarter" idx="11"/>
-          </p:nvPr>
-        </p:nvSpPr>
-        <p:spPr/>
-        <p:txBody>
-          <a:bodyPr/>
-          <a:lstStyle/>
-          <a:p>
-            <a:pPr marL="0" indent="0">
-              <a:buNone/>
-            </a:pPr>
-            <a:r>
-              <a:rPr lang="en-US" dirty="0"/>
-              <a:t>if-else		?  :</a:t>
-            </a:r>
-          </a:p>
-          <a:p>
-            <a:pPr marL="0" indent="0">
-              <a:buNone/>
-            </a:pPr>
-            <a:r>
-              <a:rPr lang="en-US" dirty="0"/>
-              <a:t>if-else </a:t>
-            </a:r>
-            <a:r>
-              <a:rPr lang="en-US" dirty="0" err="1"/>
-              <a:t>if-else</a:t>
-            </a:r>
-            <a:r>
-              <a:rPr lang="en-US" dirty="0"/>
-              <a:t> if…else</a:t>
-            </a:r>
-          </a:p>
-          <a:p>
-            <a:pPr marL="0" indent="0">
-              <a:buNone/>
-            </a:pPr>
-            <a:r>
-              <a:rPr lang="en-US" dirty="0"/>
-              <a:t>switch</a:t>
-            </a:r>
-          </a:p>
-          <a:p>
-            <a:pPr marL="0" indent="0">
-              <a:buNone/>
-            </a:pPr>
-            <a:r>
-              <a:rPr lang="en-US" dirty="0"/>
-              <a:t>&amp;&amp; (and)</a:t>
-            </a:r>
-          </a:p>
-          <a:p>
-            <a:pPr marL="0" indent="0">
-              <a:buNone/>
-            </a:pPr>
-            <a:r>
-              <a:rPr lang="en-US" dirty="0"/>
-              <a:t>|| (or)</a:t>
-            </a:r>
-          </a:p>
-        </p:txBody>
-      </p:sp>
-    </p:spTree>
-    <p:extLst>
-      <p:ext uri="{BB962C8B-B14F-4D97-AF65-F5344CB8AC3E}">
-        <p14:creationId xmlns:p14="http://schemas.microsoft.com/office/powerpoint/2010/main" val="2569174325"/>
-      </p:ext>
-    </p:extLst>
-  </p:cSld>
-  <p:clrMapOvr>
-    <a:masterClrMapping/>
-  </p:clrMapOvr>
-</p:sld>
-</file>
-
-<file path=ppt/slides/slide46.xml><?xml version="1.0" encoding="utf-8"?>
-<p:sld xmlns:a="http://schemas.openxmlformats.org/drawingml/2006/main" xmlns:r="http://schemas.openxmlformats.org/officeDocument/2006/relationships" xmlns:p="http://schemas.openxmlformats.org/presentationml/2006/main">
-  <p:cSld>
-    <p:spTree>
-      <p:nvGrpSpPr>
-        <p:cNvPr id="1" name=""/>
-        <p:cNvGrpSpPr/>
-        <p:nvPr/>
-      </p:nvGrpSpPr>
-      <p:grpSpPr>
-        <a:xfrm>
-          <a:off x="0" y="0"/>
-          <a:ext cx="0" cy="0"/>
-          <a:chOff x="0" y="0"/>
-          <a:chExt cx="0" cy="0"/>
-        </a:xfrm>
-      </p:grpSpPr>
-      <p:sp>
-        <p:nvSpPr>
-          <p:cNvPr id="2" name="Text Placeholder 1"/>
-          <p:cNvSpPr>
-            <a:spLocks noGrp="1"/>
-          </p:cNvSpPr>
-          <p:nvPr>
-            <p:ph type="body" sz="quarter" idx="10"/>
-          </p:nvPr>
-        </p:nvSpPr>
-        <p:spPr/>
-        <p:txBody>
-          <a:bodyPr/>
-          <a:lstStyle/>
-          <a:p>
-            <a:r>
-              <a:rPr lang="en-US" dirty="0"/>
-              <a:t>Loops</a:t>
-            </a:r>
-          </a:p>
-        </p:txBody>
-      </p:sp>
-      <p:sp>
-        <p:nvSpPr>
-          <p:cNvPr id="3" name="Content Placeholder 2"/>
-          <p:cNvSpPr>
-            <a:spLocks noGrp="1"/>
-          </p:cNvSpPr>
-          <p:nvPr>
-            <p:ph sz="quarter" idx="11"/>
-          </p:nvPr>
-        </p:nvSpPr>
-        <p:spPr/>
-        <p:txBody>
-          <a:bodyPr/>
-          <a:lstStyle/>
-          <a:p>
-            <a:pPr marL="0" indent="0">
-              <a:buNone/>
-            </a:pPr>
-            <a:r>
-              <a:rPr lang="en-US" dirty="0"/>
-              <a:t>while</a:t>
-            </a:r>
-          </a:p>
-          <a:p>
-            <a:pPr marL="0" indent="0">
-              <a:buNone/>
-            </a:pPr>
-            <a:r>
-              <a:rPr lang="en-US" dirty="0"/>
-              <a:t>do-while</a:t>
-            </a:r>
-          </a:p>
-          <a:p>
-            <a:pPr marL="0" indent="0">
-              <a:buNone/>
-            </a:pPr>
-            <a:r>
-              <a:rPr lang="en-US" dirty="0"/>
-              <a:t>for</a:t>
-            </a:r>
-          </a:p>
-        </p:txBody>
-      </p:sp>
-    </p:spTree>
-    <p:extLst>
-      <p:ext uri="{BB962C8B-B14F-4D97-AF65-F5344CB8AC3E}">
-        <p14:creationId xmlns:p14="http://schemas.microsoft.com/office/powerpoint/2010/main" val="1728560446"/>
-      </p:ext>
-    </p:extLst>
-  </p:cSld>
-  <p:clrMapOvr>
-    <a:masterClrMapping/>
-  </p:clrMapOvr>
-</p:sld>
-</file>
-
-<file path=ppt/slides/slide47.xml><?xml version="1.0" encoding="utf-8"?>
-<p:sld xmlns:a="http://schemas.openxmlformats.org/drawingml/2006/main" xmlns:r="http://schemas.openxmlformats.org/officeDocument/2006/relationships" xmlns:p="http://schemas.openxmlformats.org/presentationml/2006/main">
-  <p:cSld>
-    <p:spTree>
-      <p:nvGrpSpPr>
-        <p:cNvPr id="1" name=""/>
-        <p:cNvGrpSpPr/>
-        <p:nvPr/>
-      </p:nvGrpSpPr>
-      <p:grpSpPr>
-        <a:xfrm>
-          <a:off x="0" y="0"/>
-          <a:ext cx="0" cy="0"/>
-          <a:chOff x="0" y="0"/>
-          <a:chExt cx="0" cy="0"/>
-        </a:xfrm>
-      </p:grpSpPr>
-      <p:sp>
-        <p:nvSpPr>
-          <p:cNvPr id="2" name="Text Placeholder 1"/>
-          <p:cNvSpPr>
-            <a:spLocks noGrp="1"/>
-          </p:cNvSpPr>
-          <p:nvPr>
-            <p:ph type="body" sz="quarter" idx="10"/>
-          </p:nvPr>
-        </p:nvSpPr>
-        <p:spPr/>
-        <p:txBody>
-          <a:bodyPr/>
-          <a:lstStyle/>
-          <a:p>
-            <a:r>
-              <a:rPr lang="en-US" dirty="0" err="1"/>
-              <a:t>Async</a:t>
-            </a:r>
-            <a:r>
-              <a:rPr lang="en-US" dirty="0"/>
-              <a:t> Await</a:t>
-            </a:r>
-          </a:p>
-        </p:txBody>
-      </p:sp>
-      <p:sp>
-        <p:nvSpPr>
-          <p:cNvPr id="3" name="Content Placeholder 2"/>
-          <p:cNvSpPr>
-            <a:spLocks noGrp="1"/>
-          </p:cNvSpPr>
-          <p:nvPr>
-            <p:ph sz="quarter" idx="11"/>
-          </p:nvPr>
-        </p:nvSpPr>
-        <p:spPr/>
-        <p:txBody>
-          <a:bodyPr/>
-          <a:lstStyle/>
-          <a:p>
-            <a:pPr marL="0" indent="0">
-              <a:buNone/>
-            </a:pPr>
-            <a:endParaRPr lang="en-US" dirty="0"/>
-          </a:p>
-          <a:p>
-            <a:pPr marL="0" indent="0">
-              <a:buNone/>
-            </a:pPr>
-            <a:r>
-              <a:rPr lang="en-US" dirty="0" err="1"/>
-              <a:t>async</a:t>
-            </a:r>
-            <a:r>
-              <a:rPr lang="en-US" dirty="0"/>
-              <a:t> function(){</a:t>
-            </a:r>
-          </a:p>
-          <a:p>
-            <a:pPr marL="0" indent="0">
-              <a:buNone/>
-            </a:pPr>
-            <a:r>
-              <a:rPr lang="en-US" dirty="0"/>
-              <a:t>	await …</a:t>
-            </a:r>
-          </a:p>
-          <a:p>
-            <a:pPr marL="0" indent="0">
-              <a:buNone/>
-            </a:pPr>
-            <a:r>
-              <a:rPr lang="en-US" dirty="0"/>
-              <a:t>}</a:t>
-            </a:r>
-          </a:p>
-        </p:txBody>
-      </p:sp>
-    </p:spTree>
-    <p:extLst>
-      <p:ext uri="{BB962C8B-B14F-4D97-AF65-F5344CB8AC3E}">
-        <p14:creationId xmlns:p14="http://schemas.microsoft.com/office/powerpoint/2010/main" val="1718345086"/>
-      </p:ext>
-    </p:extLst>
-  </p:cSld>
-  <p:clrMapOvr>
-    <a:masterClrMapping/>
-  </p:clrMapOvr>
-</p:sld>
-</file>
-
-<file path=ppt/slides/slide48.xml><?xml version="1.0" encoding="utf-8"?>
-<p:sld xmlns:a="http://schemas.openxmlformats.org/drawingml/2006/main" xmlns:r="http://schemas.openxmlformats.org/officeDocument/2006/relationships" xmlns:p="http://schemas.openxmlformats.org/presentationml/2006/main">
-  <p:cSld>
-    <p:spTree>
-      <p:nvGrpSpPr>
-        <p:cNvPr id="1" name=""/>
-        <p:cNvGrpSpPr/>
-        <p:nvPr/>
-      </p:nvGrpSpPr>
-      <p:grpSpPr>
-        <a:xfrm>
-          <a:off x="0" y="0"/>
-          <a:ext cx="0" cy="0"/>
-          <a:chOff x="0" y="0"/>
-          <a:chExt cx="0" cy="0"/>
-        </a:xfrm>
-      </p:grpSpPr>
-      <p:sp>
-        <p:nvSpPr>
-          <p:cNvPr id="2" name="Text Placeholder 1"/>
-          <p:cNvSpPr>
-            <a:spLocks noGrp="1"/>
-          </p:cNvSpPr>
-          <p:nvPr>
-            <p:ph type="body" sz="quarter" idx="10"/>
-          </p:nvPr>
-        </p:nvSpPr>
-        <p:spPr/>
-        <p:txBody>
-          <a:bodyPr/>
-          <a:lstStyle/>
-          <a:p>
-            <a:r>
-              <a:rPr lang="en-US" dirty="0"/>
-              <a:t>Standard Events</a:t>
-            </a:r>
-          </a:p>
-        </p:txBody>
-      </p:sp>
-      <p:sp>
-        <p:nvSpPr>
-          <p:cNvPr id="3" name="Content Placeholder 2"/>
-          <p:cNvSpPr>
-            <a:spLocks noGrp="1"/>
-          </p:cNvSpPr>
-          <p:nvPr>
-            <p:ph sz="quarter" idx="11"/>
-          </p:nvPr>
-        </p:nvSpPr>
-        <p:spPr/>
-        <p:txBody>
-          <a:bodyPr/>
-          <a:lstStyle/>
-          <a:p>
-            <a:pPr marL="0" indent="0">
-              <a:buNone/>
-            </a:pPr>
-            <a:endParaRPr lang="en-US" dirty="0"/>
-          </a:p>
-          <a:p>
-            <a:pPr marL="0" indent="0">
-              <a:buNone/>
-            </a:pPr>
-            <a:r>
-              <a:rPr lang="en-US" dirty="0"/>
-              <a:t>https://developer.mozilla.org/en-US/docs/Web/Events</a:t>
-            </a:r>
-          </a:p>
-          <a:p>
-            <a:pPr marL="0" indent="0">
-              <a:buNone/>
-            </a:pPr>
-            <a:endParaRPr lang="en-US" dirty="0"/>
-          </a:p>
-        </p:txBody>
-      </p:sp>
-    </p:spTree>
-    <p:extLst>
-      <p:ext uri="{BB962C8B-B14F-4D97-AF65-F5344CB8AC3E}">
-        <p14:creationId xmlns:p14="http://schemas.microsoft.com/office/powerpoint/2010/main" val="3941503663"/>
-      </p:ext>
-    </p:extLst>
-  </p:cSld>
-  <p:clrMapOvr>
-    <a:masterClrMapping/>
-  </p:clrMapOvr>
-</p:sld>
-</file>
-
-<file path=ppt/slides/slide49.xml><?xml version="1.0" encoding="utf-8"?>
-<p:sld xmlns:a="http://schemas.openxmlformats.org/drawingml/2006/main" xmlns:r="http://schemas.openxmlformats.org/officeDocument/2006/relationships" xmlns:p="http://schemas.openxmlformats.org/presentationml/2006/main">
-  <p:cSld>
-    <p:spTree>
-      <p:nvGrpSpPr>
-        <p:cNvPr id="1" name=""/>
-        <p:cNvGrpSpPr/>
-        <p:nvPr/>
-      </p:nvGrpSpPr>
-      <p:grpSpPr>
-        <a:xfrm>
-          <a:off x="0" y="0"/>
-          <a:ext cx="0" cy="0"/>
-          <a:chOff x="0" y="0"/>
-          <a:chExt cx="0" cy="0"/>
-        </a:xfrm>
-      </p:grpSpPr>
-      <p:sp>
-        <p:nvSpPr>
-          <p:cNvPr id="2" name="Text Placeholder 1"/>
-          <p:cNvSpPr>
-            <a:spLocks noGrp="1"/>
-          </p:cNvSpPr>
-          <p:nvPr>
-            <p:ph type="body" sz="quarter" idx="10"/>
-          </p:nvPr>
-        </p:nvSpPr>
-        <p:spPr/>
-        <p:txBody>
-          <a:bodyPr/>
-          <a:lstStyle/>
-          <a:p>
-            <a:r>
-              <a:rPr lang="en-US" dirty="0"/>
-              <a:t>To learn more about JavaScript</a:t>
-            </a:r>
-          </a:p>
-        </p:txBody>
-      </p:sp>
-      <p:sp>
-        <p:nvSpPr>
-          <p:cNvPr id="3" name="Content Placeholder 2"/>
-          <p:cNvSpPr>
-            <a:spLocks noGrp="1"/>
-          </p:cNvSpPr>
-          <p:nvPr>
-            <p:ph sz="quarter" idx="11"/>
-          </p:nvPr>
-        </p:nvSpPr>
-        <p:spPr/>
-        <p:txBody>
-          <a:bodyPr/>
-          <a:lstStyle/>
-          <a:p>
-            <a:pPr marL="0" indent="0">
-              <a:buNone/>
-            </a:pPr>
-            <a:r>
-              <a:rPr lang="en-US" sz="3200" dirty="0"/>
-              <a:t>JavaScript Introduction</a:t>
-            </a:r>
-          </a:p>
-          <a:p>
-            <a:pPr marL="0" indent="0">
-              <a:buNone/>
-            </a:pPr>
-            <a:r>
-              <a:rPr lang="en-US" sz="3200" dirty="0">
-                <a:hlinkClick r:id="rId2"/>
-              </a:rPr>
-              <a:t>https://developer.mozilla.org/en-US/docs/Web/JavaScript/A_re-introduction_to_JavaScript</a:t>
-            </a:r>
-            <a:endParaRPr lang="en-US" sz="3200" dirty="0"/>
-          </a:p>
-          <a:p>
-            <a:pPr marL="0" indent="0">
-              <a:buNone/>
-            </a:pPr>
-            <a:r>
-              <a:rPr lang="en-US" sz="3200" dirty="0"/>
-              <a:t>Building Blocks</a:t>
-            </a:r>
-          </a:p>
-          <a:p>
-            <a:pPr marL="0" indent="0">
-              <a:buNone/>
-            </a:pPr>
-            <a:r>
-              <a:rPr lang="en-US" sz="3200" dirty="0">
-                <a:hlinkClick r:id="rId3"/>
-              </a:rPr>
-              <a:t>https://developer.mozilla.org/en-US/docs/Learn/JavaScript/Building_blocks</a:t>
-            </a:r>
-            <a:endParaRPr lang="en-US" sz="3200" dirty="0"/>
-          </a:p>
-          <a:p>
-            <a:pPr marL="0" indent="0">
-              <a:buNone/>
-            </a:pPr>
-            <a:endParaRPr lang="en-US" sz="3200" dirty="0"/>
-          </a:p>
-        </p:txBody>
-      </p:sp>
-    </p:spTree>
-    <p:extLst>
-      <p:ext uri="{BB962C8B-B14F-4D97-AF65-F5344CB8AC3E}">
-        <p14:creationId xmlns:p14="http://schemas.microsoft.com/office/powerpoint/2010/main" val="1550176643"/>
-      </p:ext>
-    </p:extLst>
-  </p:cSld>
-  <p:clrMapOvr>
-    <a:masterClrMapping/>
-  </p:clrMapOvr>
-</p:sld>
-</file>
-
-<file path=ppt/slides/slide5.xml><?xml version="1.0" encoding="utf-8"?>
-<p:sld xmlns:a="http://schemas.openxmlformats.org/drawingml/2006/main" xmlns:r="http://schemas.openxmlformats.org/officeDocument/2006/relationships" xmlns:p="http://schemas.openxmlformats.org/presentationml/2006/main">
-  <p:cSld>
-    <p:spTree>
-      <p:nvGrpSpPr>
-        <p:cNvPr id="1" name=""/>
-        <p:cNvGrpSpPr/>
-        <p:nvPr/>
-      </p:nvGrpSpPr>
-      <p:grpSpPr>
-        <a:xfrm>
-          <a:off x="0" y="0"/>
-          <a:ext cx="0" cy="0"/>
-          <a:chOff x="0" y="0"/>
-          <a:chExt cx="0" cy="0"/>
-        </a:xfrm>
-      </p:grpSpPr>
-      <p:sp>
-        <p:nvSpPr>
-          <p:cNvPr id="2" name="Text Placeholder 1"/>
-          <p:cNvSpPr>
-            <a:spLocks noGrp="1"/>
-          </p:cNvSpPr>
-          <p:nvPr>
-            <p:ph type="body" sz="quarter" idx="10"/>
-          </p:nvPr>
-        </p:nvSpPr>
-        <p:spPr/>
-        <p:txBody>
-          <a:bodyPr/>
-          <a:lstStyle/>
-          <a:p>
-            <a:r>
-              <a:rPr lang="en-US" dirty="0"/>
-              <a:t>Attributes</a:t>
-            </a:r>
-          </a:p>
-        </p:txBody>
-      </p:sp>
-      <p:sp>
-        <p:nvSpPr>
-          <p:cNvPr id="3" name="Content Placeholder 2"/>
-          <p:cNvSpPr>
-            <a:spLocks noGrp="1"/>
-          </p:cNvSpPr>
-          <p:nvPr>
-            <p:ph sz="quarter" idx="11"/>
-          </p:nvPr>
-        </p:nvSpPr>
-        <p:spPr/>
-        <p:txBody>
-          <a:bodyPr/>
-          <a:lstStyle/>
-          <a:p>
-            <a:pPr marL="0" indent="0">
-              <a:buNone/>
-            </a:pPr>
-            <a:r>
-              <a:rPr lang="en-US" dirty="0"/>
-              <a:t>Attributes are additional values that we us to configure the elements or adjust their behavior.</a:t>
-            </a:r>
-          </a:p>
-          <a:p>
-            <a:pPr marL="0" indent="0">
-              <a:buNone/>
-            </a:pPr>
-            <a:endParaRPr lang="en-US" dirty="0"/>
-          </a:p>
-          <a:p>
-            <a:pPr marL="0" indent="0">
-              <a:buNone/>
-            </a:pPr>
-            <a:r>
-              <a:rPr lang="en-US" dirty="0">
-                <a:hlinkClick r:id="rId2"/>
-              </a:rPr>
-              <a:t>https://developer.mozilla.org/en-US/docs/Web/HTML/Attributes</a:t>
-            </a:r>
-            <a:endParaRPr lang="en-US" dirty="0"/>
-          </a:p>
-        </p:txBody>
-      </p:sp>
-    </p:spTree>
-    <p:extLst>
-      <p:ext uri="{BB962C8B-B14F-4D97-AF65-F5344CB8AC3E}">
-        <p14:creationId xmlns:p14="http://schemas.microsoft.com/office/powerpoint/2010/main" val="630081231"/>
-      </p:ext>
-    </p:extLst>
-  </p:cSld>
-  <p:clrMapOvr>
-    <a:masterClrMapping/>
-  </p:clrMapOvr>
-</p:sld>
-</file>
-
 <file path=ppt/slides/slide50.xml><?xml version="1.0" encoding="utf-8"?>
 <p:sld xmlns:a="http://schemas.openxmlformats.org/drawingml/2006/main" xmlns:r="http://schemas.openxmlformats.org/officeDocument/2006/relationships" xmlns:p="http://schemas.openxmlformats.org/presentationml/2006/main">
   <p:cSld>
@@ -14578,21 +15296,79 @@
           <a:p>
             <a:r>
               <a:rPr lang="en-US" dirty="0"/>
-              <a:t>Section 3</a:t>
-            </a:r>
-          </a:p>
-          <a:p>
-            <a:r>
-              <a:rPr lang="en-US" dirty="0"/>
-              <a:t>UI5 Development Introduction</a:t>
-            </a:r>
+              <a:t>To learn more about JavaScript</a:t>
+            </a:r>
+          </a:p>
+        </p:txBody>
+      </p:sp>
+      <p:sp>
+        <p:nvSpPr>
+          <p:cNvPr id="3" name="Content Placeholder 2"/>
+          <p:cNvSpPr>
+            <a:spLocks noGrp="1"/>
+          </p:cNvSpPr>
+          <p:nvPr>
+            <p:ph sz="quarter" idx="11"/>
+          </p:nvPr>
+        </p:nvSpPr>
+        <p:spPr/>
+        <p:txBody>
+          <a:bodyPr/>
+          <a:lstStyle/>
+          <a:p>
+            <a:pPr marL="0" indent="0">
+              <a:buNone/>
+            </a:pPr>
+            <a:r>
+              <a:rPr lang="en-US" sz="3200" dirty="0"/>
+              <a:t>JavaScript Introduction</a:t>
+            </a:r>
+          </a:p>
+          <a:p>
+            <a:pPr marL="0" indent="0">
+              <a:buNone/>
+            </a:pPr>
+            <a:r>
+              <a:rPr lang="en-US" sz="3200" dirty="0">
+                <a:hlinkClick r:id="rId2"/>
+              </a:rPr>
+              <a:t>https://developer.mozilla.org/en-US/docs/Web/JavaScript/A_re-introduction_to_JavaScript</a:t>
+            </a:r>
+            <a:endParaRPr lang="en-US" sz="3200" dirty="0"/>
+          </a:p>
+          <a:p>
+            <a:pPr marL="0" indent="0">
+              <a:buNone/>
+            </a:pPr>
+            <a:r>
+              <a:rPr lang="en-US" sz="3200" dirty="0"/>
+              <a:t>Building Blocks</a:t>
+            </a:r>
+          </a:p>
+          <a:p>
+            <a:pPr marL="0" indent="0">
+              <a:buNone/>
+            </a:pPr>
+            <a:r>
+              <a:rPr lang="en-US" sz="3200" dirty="0">
+                <a:hlinkClick r:id="rId3"/>
+              </a:rPr>
+              <a:t>https://developer.mozilla.org/en-US/docs/Learn/JavaScript/Building_blocks</a:t>
+            </a:r>
+            <a:endParaRPr lang="en-US" sz="3200" dirty="0"/>
+          </a:p>
+          <a:p>
+            <a:pPr marL="0" indent="0">
+              <a:buNone/>
+            </a:pPr>
+            <a:endParaRPr lang="en-US" sz="3200" dirty="0"/>
           </a:p>
         </p:txBody>
       </p:sp>
     </p:spTree>
     <p:extLst>
       <p:ext uri="{BB962C8B-B14F-4D97-AF65-F5344CB8AC3E}">
-        <p14:creationId xmlns:p14="http://schemas.microsoft.com/office/powerpoint/2010/main" val="1500077953"/>
+        <p14:creationId xmlns:p14="http://schemas.microsoft.com/office/powerpoint/2010/main" val="1550176643"/>
       </p:ext>
     </p:extLst>
   </p:cSld>
@@ -14636,94 +15412,21 @@
           <a:p>
             <a:r>
               <a:rPr lang="en-US" dirty="0"/>
-              <a:t>To learn more UI5</a:t>
-            </a:r>
-          </a:p>
-        </p:txBody>
-      </p:sp>
-      <p:sp>
-        <p:nvSpPr>
-          <p:cNvPr id="3" name="Content Placeholder 2"/>
-          <p:cNvSpPr>
-            <a:spLocks noGrp="1"/>
-          </p:cNvSpPr>
-          <p:nvPr>
-            <p:ph sz="quarter" idx="11"/>
-          </p:nvPr>
-        </p:nvSpPr>
-        <p:spPr/>
-        <p:txBody>
-          <a:bodyPr/>
-          <a:lstStyle/>
-          <a:p>
-            <a:pPr marL="0" indent="0">
-              <a:buNone/>
-            </a:pPr>
-            <a:r>
-              <a:rPr lang="en-US" sz="3200" dirty="0"/>
-              <a:t>API Reference</a:t>
-            </a:r>
-          </a:p>
-          <a:p>
-            <a:pPr marL="0" indent="0">
-              <a:buNone/>
-            </a:pPr>
-            <a:r>
-              <a:rPr lang="en-US" sz="3200" dirty="0">
-                <a:hlinkClick r:id="rId2"/>
-              </a:rPr>
-              <a:t>https://sapui5.hana.ondemand.com/#/api</a:t>
-            </a:r>
-            <a:endParaRPr lang="en-US" sz="3200" dirty="0"/>
-          </a:p>
-          <a:p>
-            <a:pPr marL="0" indent="0">
-              <a:buNone/>
-            </a:pPr>
-            <a:r>
-              <a:rPr lang="en-US" sz="3200" dirty="0"/>
-              <a:t>Quick Walkthrough</a:t>
-            </a:r>
-          </a:p>
-          <a:p>
-            <a:pPr marL="0" indent="0">
-              <a:buNone/>
-            </a:pPr>
-            <a:r>
-              <a:rPr lang="en-US" sz="3200" dirty="0">
-                <a:hlinkClick r:id="rId3"/>
-              </a:rPr>
-              <a:t>https://sapui5.hana.ondemand.com/#/topic/3da5f4be63264db99f2e5b04c5e853db</a:t>
-            </a:r>
-            <a:endParaRPr lang="en-US" sz="3200" dirty="0"/>
-          </a:p>
-          <a:p>
-            <a:pPr marL="0" indent="0">
-              <a:buNone/>
-            </a:pPr>
-            <a:r>
-              <a:rPr lang="en-US" sz="3200" dirty="0"/>
-              <a:t>MVC</a:t>
-            </a:r>
-          </a:p>
-          <a:p>
-            <a:pPr marL="0" indent="0">
-              <a:buNone/>
-            </a:pPr>
-            <a:r>
-              <a:rPr lang="en-US" sz="3200" dirty="0">
-                <a:hlinkClick r:id="rId4"/>
-              </a:rPr>
-              <a:t>https://sapui5.hana.ondemand.com/#/topic/91f233476f4d1014b6dd926db0e91070</a:t>
-            </a:r>
-            <a:endParaRPr lang="en-US" sz="3200" dirty="0"/>
+              <a:t>Section 3</a:t>
+            </a:r>
+          </a:p>
+          <a:p>
+            <a:r>
+              <a:rPr lang="en-US" dirty="0"/>
+              <a:t>UI5 Development Introduction</a:t>
+            </a:r>
           </a:p>
         </p:txBody>
       </p:sp>
     </p:spTree>
     <p:extLst>
       <p:ext uri="{BB962C8B-B14F-4D97-AF65-F5344CB8AC3E}">
-        <p14:creationId xmlns:p14="http://schemas.microsoft.com/office/powerpoint/2010/main" val="2429335643"/>
+        <p14:creationId xmlns:p14="http://schemas.microsoft.com/office/powerpoint/2010/main" val="1500077953"/>
       </p:ext>
     </p:extLst>
   </p:cSld>
@@ -14767,21 +15470,94 @@
           <a:p>
             <a:r>
               <a:rPr lang="en-US" dirty="0"/>
-              <a:t>Section 4</a:t>
-            </a:r>
-          </a:p>
-          <a:p>
-            <a:r>
-              <a:rPr lang="en-US" dirty="0"/>
-              <a:t>Develop UI5 Applications with SAP Web IDE</a:t>
-            </a:r>
+              <a:t>To learn more UI5</a:t>
+            </a:r>
+          </a:p>
+        </p:txBody>
+      </p:sp>
+      <p:sp>
+        <p:nvSpPr>
+          <p:cNvPr id="3" name="Content Placeholder 2"/>
+          <p:cNvSpPr>
+            <a:spLocks noGrp="1"/>
+          </p:cNvSpPr>
+          <p:nvPr>
+            <p:ph sz="quarter" idx="11"/>
+          </p:nvPr>
+        </p:nvSpPr>
+        <p:spPr/>
+        <p:txBody>
+          <a:bodyPr/>
+          <a:lstStyle/>
+          <a:p>
+            <a:pPr marL="0" indent="0">
+              <a:buNone/>
+            </a:pPr>
+            <a:r>
+              <a:rPr lang="en-US" sz="3200" dirty="0"/>
+              <a:t>API Reference</a:t>
+            </a:r>
+          </a:p>
+          <a:p>
+            <a:pPr marL="0" indent="0">
+              <a:buNone/>
+            </a:pPr>
+            <a:r>
+              <a:rPr lang="en-US" sz="3200" dirty="0">
+                <a:hlinkClick r:id="rId2"/>
+              </a:rPr>
+              <a:t>https://sapui5.hana.ondemand.com/#/api</a:t>
+            </a:r>
+            <a:endParaRPr lang="en-US" sz="3200" dirty="0"/>
+          </a:p>
+          <a:p>
+            <a:pPr marL="0" indent="0">
+              <a:buNone/>
+            </a:pPr>
+            <a:r>
+              <a:rPr lang="en-US" sz="3200" dirty="0"/>
+              <a:t>Quick Walkthrough</a:t>
+            </a:r>
+          </a:p>
+          <a:p>
+            <a:pPr marL="0" indent="0">
+              <a:buNone/>
+            </a:pPr>
+            <a:r>
+              <a:rPr lang="en-US" sz="3200" dirty="0">
+                <a:hlinkClick r:id="rId3"/>
+              </a:rPr>
+              <a:t>https://sapui5.hana.ondemand.com/#/topic/3da5f4be63264db99f2e5b04c5e853db</a:t>
+            </a:r>
+            <a:endParaRPr lang="en-US" sz="3200" dirty="0"/>
+          </a:p>
+          <a:p>
+            <a:pPr marL="0" indent="0">
+              <a:buNone/>
+            </a:pPr>
+            <a:r>
+              <a:rPr lang="en-US" sz="3200" dirty="0"/>
+              <a:t>MVC</a:t>
+            </a:r>
+          </a:p>
+          <a:p>
+            <a:pPr marL="0" indent="0">
+              <a:buNone/>
+            </a:pPr>
+            <a:r>
+              <a:rPr lang="en-US" sz="3200" dirty="0">
+                <a:hlinkClick r:id="rId4"/>
+              </a:rPr>
+              <a:t>https://sapui5.hana.ondemand.com/#/topic/91f233476f4d1014b6dd926db0e91070</a:t>
+            </a:r>
+            <a:endParaRPr lang="en-US" sz="3200" dirty="0"/>
           </a:p>
         </p:txBody>
       </p:sp>
     </p:spTree>
     <p:extLst>
       <p:ext uri="{BB962C8B-B14F-4D97-AF65-F5344CB8AC3E}">
-        <p14:creationId xmlns:p14="http://schemas.microsoft.com/office/powerpoint/2010/main" val="3186363566"/>
+        <p14:creationId xmlns:p14="http://schemas.microsoft.com/office/powerpoint/2010/main" val="2429335643"/>
       </p:ext>
     </p:extLst>
   </p:cSld>
@@ -14825,79 +15601,21 @@
           <a:p>
             <a:r>
               <a:rPr lang="en-US" dirty="0"/>
-              <a:t>To learn more UI5</a:t>
-            </a:r>
-          </a:p>
-        </p:txBody>
-      </p:sp>
-      <p:sp>
-        <p:nvSpPr>
-          <p:cNvPr id="3" name="Content Placeholder 2"/>
-          <p:cNvSpPr>
-            <a:spLocks noGrp="1"/>
-          </p:cNvSpPr>
-          <p:nvPr>
-            <p:ph sz="quarter" idx="11"/>
-          </p:nvPr>
-        </p:nvSpPr>
-        <p:spPr/>
-        <p:txBody>
-          <a:bodyPr/>
-          <a:lstStyle/>
-          <a:p>
-            <a:pPr marL="0" indent="0">
-              <a:buNone/>
-            </a:pPr>
-            <a:r>
-              <a:rPr lang="en-US" sz="3200" dirty="0"/>
-              <a:t>UI5 SDK</a:t>
-            </a:r>
-          </a:p>
-          <a:p>
-            <a:pPr marL="0" indent="0">
-              <a:buNone/>
-            </a:pPr>
-            <a:r>
-              <a:rPr lang="en-US" sz="3200" dirty="0">
-                <a:hlinkClick r:id="rId2"/>
-              </a:rPr>
-              <a:t>https://sapui5.hana.ondemand.com</a:t>
-            </a:r>
-            <a:endParaRPr lang="en-US" sz="3200" dirty="0"/>
-          </a:p>
-          <a:p>
-            <a:pPr marL="0" indent="0">
-              <a:buNone/>
-            </a:pPr>
-            <a:r>
-              <a:rPr lang="en-US" sz="3200" dirty="0"/>
-              <a:t>API Reference</a:t>
-            </a:r>
-          </a:p>
-          <a:p>
-            <a:pPr marL="0" indent="0">
-              <a:buNone/>
-            </a:pPr>
-            <a:r>
-              <a:rPr lang="en-US" sz="3200" dirty="0">
-                <a:hlinkClick r:id="rId3"/>
-              </a:rPr>
-              <a:t>https://sapui5.hana.ondemand.com/#/api</a:t>
-            </a:r>
-            <a:endParaRPr lang="en-US" sz="3200" dirty="0"/>
-          </a:p>
-          <a:p>
-            <a:pPr marL="0" indent="0">
-              <a:buNone/>
-            </a:pPr>
-            <a:endParaRPr lang="en-US" sz="3200" dirty="0"/>
+              <a:t>Section 4</a:t>
+            </a:r>
+          </a:p>
+          <a:p>
+            <a:r>
+              <a:rPr lang="en-US" dirty="0"/>
+              <a:t>Develop UI5 Applications with SAP Web IDE</a:t>
+            </a:r>
           </a:p>
         </p:txBody>
       </p:sp>
     </p:spTree>
     <p:extLst>
       <p:ext uri="{BB962C8B-B14F-4D97-AF65-F5344CB8AC3E}">
-        <p14:creationId xmlns:p14="http://schemas.microsoft.com/office/powerpoint/2010/main" val="2387649651"/>
+        <p14:creationId xmlns:p14="http://schemas.microsoft.com/office/powerpoint/2010/main" val="3186363566"/>
       </p:ext>
     </p:extLst>
   </p:cSld>
@@ -14941,21 +15659,94 @@
           <a:p>
             <a:r>
               <a:rPr lang="en-US" dirty="0"/>
-              <a:t>Section 5</a:t>
-            </a:r>
-          </a:p>
-          <a:p>
-            <a:r>
-              <a:rPr lang="en-US" dirty="0"/>
-              <a:t>Use Real Data</a:t>
-            </a:r>
+              <a:t>To learn more about SAP Web IDE</a:t>
+            </a:r>
+          </a:p>
+        </p:txBody>
+      </p:sp>
+      <p:sp>
+        <p:nvSpPr>
+          <p:cNvPr id="3" name="Content Placeholder 2"/>
+          <p:cNvSpPr>
+            <a:spLocks noGrp="1"/>
+          </p:cNvSpPr>
+          <p:nvPr>
+            <p:ph sz="quarter" idx="11"/>
+          </p:nvPr>
+        </p:nvSpPr>
+        <p:spPr/>
+        <p:txBody>
+          <a:bodyPr/>
+          <a:lstStyle/>
+          <a:p>
+            <a:pPr marL="0" indent="0">
+              <a:buNone/>
+            </a:pPr>
+            <a:r>
+              <a:rPr lang="en-US" sz="3200" dirty="0"/>
+              <a:t>SAP Web IDE Tutorials</a:t>
+            </a:r>
+          </a:p>
+          <a:p>
+            <a:pPr marL="0" indent="0">
+              <a:buNone/>
+            </a:pPr>
+            <a:r>
+              <a:rPr lang="en-US" sz="3200" dirty="0">
+                <a:hlinkClick r:id="rId2"/>
+              </a:rPr>
+              <a:t>https://developers.sap.com/topics/sap-webide.html</a:t>
+            </a:r>
+            <a:endParaRPr lang="en-US" sz="3200" dirty="0"/>
+          </a:p>
+          <a:p>
+            <a:pPr marL="0" indent="0">
+              <a:buNone/>
+            </a:pPr>
+            <a:r>
+              <a:rPr lang="en-US" sz="3200" dirty="0"/>
+              <a:t>App Development with SAP Web IDE</a:t>
+            </a:r>
+          </a:p>
+          <a:p>
+            <a:pPr marL="0" indent="0">
+              <a:buNone/>
+            </a:pPr>
+            <a:r>
+              <a:rPr lang="en-US" sz="3200" dirty="0">
+                <a:hlinkClick r:id="rId3"/>
+              </a:rPr>
+              <a:t>https://sapui5.hana.ondemand.com/1.36.6/docs/guide/13ced9493472408999143bc99bbb73b9.html</a:t>
+            </a:r>
+            <a:endParaRPr lang="en-US" sz="3200" dirty="0"/>
+          </a:p>
+          <a:p>
+            <a:pPr marL="0" indent="0">
+              <a:buNone/>
+            </a:pPr>
+            <a:r>
+              <a:rPr lang="en-US" sz="3200" dirty="0"/>
+              <a:t>Official SAP Web IDE YouTube Channel</a:t>
+            </a:r>
+          </a:p>
+          <a:p>
+            <a:pPr marL="0" indent="0">
+              <a:buNone/>
+            </a:pPr>
+            <a:r>
+              <a:rPr lang="en-US" sz="3200" dirty="0">
+                <a:hlinkClick r:id="rId4"/>
+              </a:rPr>
+              <a:t>https://www.youtube.com/channel/UCgScBj_AEGo_mI5accM4XhA/featured</a:t>
+            </a:r>
+            <a:endParaRPr lang="en-US" sz="3200" dirty="0"/>
           </a:p>
         </p:txBody>
       </p:sp>
     </p:spTree>
     <p:extLst>
       <p:ext uri="{BB962C8B-B14F-4D97-AF65-F5344CB8AC3E}">
-        <p14:creationId xmlns:p14="http://schemas.microsoft.com/office/powerpoint/2010/main" val="1285977472"/>
+        <p14:creationId xmlns:p14="http://schemas.microsoft.com/office/powerpoint/2010/main" val="2387649651"/>
       </p:ext>
     </p:extLst>
   </p:cSld>
@@ -14999,106 +15790,21 @@
           <a:p>
             <a:r>
               <a:rPr lang="en-US" dirty="0"/>
-              <a:t>To learn more ODATA</a:t>
-            </a:r>
-          </a:p>
-        </p:txBody>
-      </p:sp>
-      <p:sp>
-        <p:nvSpPr>
-          <p:cNvPr id="3" name="Content Placeholder 2"/>
-          <p:cNvSpPr>
-            <a:spLocks noGrp="1"/>
-          </p:cNvSpPr>
-          <p:nvPr>
-            <p:ph sz="quarter" idx="11"/>
-          </p:nvPr>
-        </p:nvSpPr>
-        <p:spPr/>
-        <p:txBody>
-          <a:bodyPr/>
-          <a:lstStyle/>
-          <a:p>
-            <a:pPr marL="0" indent="0">
-              <a:buNone/>
-            </a:pPr>
-            <a:r>
-              <a:rPr lang="en-US" sz="3200" dirty="0"/>
-              <a:t>Sample service</a:t>
-            </a:r>
-          </a:p>
-          <a:p>
-            <a:pPr marL="0" indent="0">
-              <a:buNone/>
-            </a:pPr>
-            <a:r>
-              <a:rPr lang="en-US" sz="3200" dirty="0">
-                <a:hlinkClick r:id="rId2"/>
-              </a:rPr>
-              <a:t>https://www.odata.org/odata-services</a:t>
-            </a:r>
-            <a:endParaRPr lang="en-US" sz="3200" dirty="0"/>
-          </a:p>
-          <a:p>
-            <a:pPr marL="0" indent="0">
-              <a:buNone/>
-            </a:pPr>
-            <a:r>
-              <a:rPr lang="en-US" sz="3200" dirty="0"/>
-              <a:t>Query Reference</a:t>
-            </a:r>
-          </a:p>
-          <a:p>
-            <a:pPr marL="0" indent="0">
-              <a:buNone/>
-            </a:pPr>
-            <a:r>
-              <a:rPr lang="en-US" sz="3200" dirty="0">
-                <a:hlinkClick r:id="rId3"/>
-              </a:rPr>
-              <a:t>https://www.odata.org/getting-started/basic-tutorial/</a:t>
-            </a:r>
-            <a:endParaRPr lang="en-US" sz="3200" dirty="0"/>
-          </a:p>
-          <a:p>
-            <a:pPr marL="0" indent="0">
-              <a:buNone/>
-            </a:pPr>
-            <a:r>
-              <a:rPr lang="en-US" sz="3200" dirty="0"/>
-              <a:t>UI5 ODATA V4 model</a:t>
-            </a:r>
-          </a:p>
-          <a:p>
-            <a:pPr marL="0" indent="0">
-              <a:buNone/>
-            </a:pPr>
-            <a:r>
-              <a:rPr lang="en-US" sz="3200" dirty="0">
-                <a:hlinkClick r:id="rId4"/>
-              </a:rPr>
-              <a:t>https://sapui5.hana.ondemand.com/#/topic/bcdbde6911bd4fc68fd435cf8e306ed0</a:t>
-            </a:r>
-            <a:endParaRPr lang="en-US" sz="3200" dirty="0"/>
-          </a:p>
-          <a:p>
-            <a:pPr marL="0" indent="0">
-              <a:buNone/>
-            </a:pPr>
-            <a:endParaRPr lang="en-US" sz="3200" dirty="0"/>
-          </a:p>
-          <a:p>
-            <a:pPr marL="0" indent="0">
-              <a:buNone/>
-            </a:pPr>
-            <a:endParaRPr lang="en-US" sz="3200" dirty="0"/>
+              <a:t>Section 5</a:t>
+            </a:r>
+          </a:p>
+          <a:p>
+            <a:r>
+              <a:rPr lang="en-US" dirty="0"/>
+              <a:t>Use Real Data</a:t>
+            </a:r>
           </a:p>
         </p:txBody>
       </p:sp>
     </p:spTree>
     <p:extLst>
       <p:ext uri="{BB962C8B-B14F-4D97-AF65-F5344CB8AC3E}">
-        <p14:creationId xmlns:p14="http://schemas.microsoft.com/office/powerpoint/2010/main" val="441139257"/>
+        <p14:creationId xmlns:p14="http://schemas.microsoft.com/office/powerpoint/2010/main" val="1285977472"/>
       </p:ext>
     </p:extLst>
   </p:cSld>
@@ -15142,21 +15848,106 @@
           <a:p>
             <a:r>
               <a:rPr lang="en-US" dirty="0"/>
-              <a:t>Section 6</a:t>
-            </a:r>
-          </a:p>
-          <a:p>
-            <a:r>
-              <a:rPr lang="en-US" dirty="0"/>
-              <a:t>Deployment</a:t>
-            </a:r>
+              <a:t>To learn more ODATA</a:t>
+            </a:r>
+          </a:p>
+        </p:txBody>
+      </p:sp>
+      <p:sp>
+        <p:nvSpPr>
+          <p:cNvPr id="3" name="Content Placeholder 2"/>
+          <p:cNvSpPr>
+            <a:spLocks noGrp="1"/>
+          </p:cNvSpPr>
+          <p:nvPr>
+            <p:ph sz="quarter" idx="11"/>
+          </p:nvPr>
+        </p:nvSpPr>
+        <p:spPr/>
+        <p:txBody>
+          <a:bodyPr/>
+          <a:lstStyle/>
+          <a:p>
+            <a:pPr marL="0" indent="0">
+              <a:buNone/>
+            </a:pPr>
+            <a:r>
+              <a:rPr lang="en-US" sz="3200" dirty="0"/>
+              <a:t>Sample service</a:t>
+            </a:r>
+          </a:p>
+          <a:p>
+            <a:pPr marL="0" indent="0">
+              <a:buNone/>
+            </a:pPr>
+            <a:r>
+              <a:rPr lang="en-US" sz="3200" dirty="0">
+                <a:hlinkClick r:id="rId2"/>
+              </a:rPr>
+              <a:t>https://www.odata.org/odata-services</a:t>
+            </a:r>
+            <a:endParaRPr lang="en-US" sz="3200" dirty="0"/>
+          </a:p>
+          <a:p>
+            <a:pPr marL="0" indent="0">
+              <a:buNone/>
+            </a:pPr>
+            <a:r>
+              <a:rPr lang="en-US" sz="3200" dirty="0"/>
+              <a:t>Query Reference</a:t>
+            </a:r>
+          </a:p>
+          <a:p>
+            <a:pPr marL="0" indent="0">
+              <a:buNone/>
+            </a:pPr>
+            <a:r>
+              <a:rPr lang="en-US" sz="3200" dirty="0">
+                <a:hlinkClick r:id="rId3"/>
+              </a:rPr>
+              <a:t>https://www.odata.org/getting-started/basic-tutorial/</a:t>
+            </a:r>
+            <a:endParaRPr lang="en-US" sz="3200" dirty="0"/>
+          </a:p>
+          <a:p>
+            <a:pPr marL="0" indent="0">
+              <a:buNone/>
+            </a:pPr>
+            <a:r>
+              <a:rPr lang="en-US" sz="3200" dirty="0"/>
+              <a:t>UI5 ODATA V4 model</a:t>
+            </a:r>
+          </a:p>
+          <a:p>
+            <a:pPr marL="0" indent="0">
+              <a:buNone/>
+            </a:pPr>
+            <a:r>
+              <a:rPr lang="en-US" sz="3200" dirty="0">
+                <a:hlinkClick r:id="rId4"/>
+              </a:rPr>
+              <a:t>https://sapui5.hana.ondemand.com/#/topic/bcdbde6911bd4fc68fd435cf8e306ed0</a:t>
+            </a:r>
+            <a:endParaRPr lang="en-US" sz="3200" dirty="0"/>
+          </a:p>
+          <a:p>
+            <a:pPr marL="0" indent="0">
+              <a:buNone/>
+            </a:pPr>
+            <a:endParaRPr lang="en-US" sz="3200" dirty="0"/>
+          </a:p>
+          <a:p>
+            <a:pPr marL="0" indent="0">
+              <a:buNone/>
+            </a:pPr>
+            <a:endParaRPr lang="en-US" sz="3200" dirty="0"/>
           </a:p>
         </p:txBody>
       </p:sp>
     </p:spTree>
     <p:extLst>
       <p:ext uri="{BB962C8B-B14F-4D97-AF65-F5344CB8AC3E}">
-        <p14:creationId xmlns:p14="http://schemas.microsoft.com/office/powerpoint/2010/main" val="1832891967"/>
+        <p14:creationId xmlns:p14="http://schemas.microsoft.com/office/powerpoint/2010/main" val="441139257"/>
       </p:ext>
     </p:extLst>
   </p:cSld>
@@ -15200,100 +15991,21 @@
           <a:p>
             <a:r>
               <a:rPr lang="en-US" dirty="0"/>
-              <a:t>To learn more Deployment</a:t>
-            </a:r>
-          </a:p>
-        </p:txBody>
-      </p:sp>
-      <p:sp>
-        <p:nvSpPr>
-          <p:cNvPr id="3" name="Content Placeholder 2"/>
-          <p:cNvSpPr>
-            <a:spLocks noGrp="1"/>
-          </p:cNvSpPr>
-          <p:nvPr>
-            <p:ph sz="quarter" idx="11"/>
-          </p:nvPr>
-        </p:nvSpPr>
-        <p:spPr/>
-        <p:txBody>
-          <a:bodyPr/>
-          <a:lstStyle/>
-          <a:p>
-            <a:pPr marL="0" indent="0">
-              <a:buNone/>
-            </a:pPr>
-            <a:r>
-              <a:rPr lang="en-US" sz="3200" dirty="0"/>
-              <a:t>SAP Fiori Launchpad</a:t>
-            </a:r>
-          </a:p>
-          <a:p>
-            <a:pPr marL="0" indent="0">
-              <a:buNone/>
-            </a:pPr>
-            <a:r>
-              <a:rPr lang="en-US" sz="3200" dirty="0">
-                <a:hlinkClick r:id="rId2"/>
-              </a:rPr>
-              <a:t>https://experience.sap.com/fiori-design-web/launchpad/</a:t>
-            </a:r>
-            <a:endParaRPr lang="en-US" sz="3200" dirty="0"/>
-          </a:p>
-          <a:p>
-            <a:pPr marL="0" indent="0">
-              <a:buNone/>
-            </a:pPr>
-            <a:r>
-              <a:rPr lang="en-US" sz="3200" dirty="0"/>
-              <a:t>Setup SAP Fiori Launchpad on SAP NetWeaver AS ABAP System</a:t>
-            </a:r>
-          </a:p>
-          <a:p>
-            <a:pPr marL="0" indent="0">
-              <a:buNone/>
-            </a:pPr>
-            <a:r>
-              <a:rPr lang="en-US" sz="3200" dirty="0">
-                <a:hlinkClick r:id="rId3"/>
-              </a:rPr>
-              <a:t>https://help.sap.com/viewer/a7b390faab1140c087b8926571e942b7/7.4.19/en-US</a:t>
-            </a:r>
-            <a:endParaRPr lang="en-US" sz="3200" dirty="0"/>
-          </a:p>
-          <a:p>
-            <a:pPr marL="0" indent="0">
-              <a:buNone/>
-            </a:pPr>
-            <a:r>
-              <a:rPr lang="en-US" sz="3200" dirty="0"/>
-              <a:t>SAP Fiori Launchpad on SAP Cloud</a:t>
-            </a:r>
-          </a:p>
-          <a:p>
-            <a:pPr marL="0" indent="0">
-              <a:buNone/>
-            </a:pPr>
-            <a:r>
-              <a:rPr lang="en-US" sz="3200" dirty="0">
-                <a:hlinkClick r:id="rId4"/>
-              </a:rPr>
-              <a:t>https://wiki.scn.sap.com/wiki/pages/viewpage.action?pageId=448471273</a:t>
-            </a:r>
-            <a:endParaRPr lang="en-US" sz="3200" dirty="0"/>
-          </a:p>
-          <a:p>
-            <a:pPr marL="0" indent="0">
-              <a:buNone/>
-            </a:pPr>
-            <a:endParaRPr lang="en-US" sz="3200" dirty="0"/>
+              <a:t>Section 6</a:t>
+            </a:r>
+          </a:p>
+          <a:p>
+            <a:r>
+              <a:rPr lang="en-US" dirty="0"/>
+              <a:t>Deployment</a:t>
+            </a:r>
           </a:p>
         </p:txBody>
       </p:sp>
     </p:spTree>
     <p:extLst>
       <p:ext uri="{BB962C8B-B14F-4D97-AF65-F5344CB8AC3E}">
-        <p14:creationId xmlns:p14="http://schemas.microsoft.com/office/powerpoint/2010/main" val="2194186615"/>
+        <p14:creationId xmlns:p14="http://schemas.microsoft.com/office/powerpoint/2010/main" val="1832891967"/>
       </p:ext>
     </p:extLst>
   </p:cSld>
@@ -15337,7 +16049,7 @@
           <a:p>
             <a:r>
               <a:rPr lang="en-US" dirty="0"/>
-              <a:t>Other tools</a:t>
+              <a:t>To learn more Deployment</a:t>
             </a:r>
           </a:p>
         </p:txBody>
@@ -15361,12 +16073,149 @@
               <a:buNone/>
             </a:pPr>
             <a:r>
+              <a:rPr lang="en-US" sz="3200" dirty="0"/>
+              <a:t>SAP Fiori Launchpad</a:t>
+            </a:r>
+          </a:p>
+          <a:p>
+            <a:pPr marL="0" indent="0">
+              <a:buNone/>
+            </a:pPr>
+            <a:r>
+              <a:rPr lang="en-US" sz="3200" dirty="0">
+                <a:hlinkClick r:id="rId2"/>
+              </a:rPr>
+              <a:t>https://experience.sap.com/fiori-design-web/launchpad/</a:t>
+            </a:r>
+            <a:endParaRPr lang="en-US" sz="3200" dirty="0"/>
+          </a:p>
+          <a:p>
+            <a:pPr marL="0" indent="0">
+              <a:buNone/>
+            </a:pPr>
+            <a:r>
+              <a:rPr lang="en-US" sz="3200" dirty="0"/>
+              <a:t>Setup SAP Fiori Launchpad on SAP NetWeaver AS ABAP System</a:t>
+            </a:r>
+          </a:p>
+          <a:p>
+            <a:pPr marL="0" indent="0">
+              <a:buNone/>
+            </a:pPr>
+            <a:r>
+              <a:rPr lang="en-US" sz="3200" dirty="0">
+                <a:hlinkClick r:id="rId3"/>
+              </a:rPr>
+              <a:t>https://help.sap.com/viewer/a7b390faab1140c087b8926571e942b7/7.4.19/en-US</a:t>
+            </a:r>
+            <a:endParaRPr lang="en-US" sz="3200" dirty="0"/>
+          </a:p>
+          <a:p>
+            <a:pPr marL="0" indent="0">
+              <a:buNone/>
+            </a:pPr>
+            <a:r>
+              <a:rPr lang="en-US" sz="3200" dirty="0"/>
+              <a:t>SAP Fiori Launchpad on SAP Cloud</a:t>
+            </a:r>
+          </a:p>
+          <a:p>
+            <a:pPr marL="0" indent="0">
+              <a:buNone/>
+            </a:pPr>
+            <a:r>
+              <a:rPr lang="en-US" sz="3200" dirty="0">
+                <a:hlinkClick r:id="rId4"/>
+              </a:rPr>
+              <a:t>https://wiki.scn.sap.com/wiki/pages/viewpage.action?pageId=448471273</a:t>
+            </a:r>
+            <a:endParaRPr lang="en-US" sz="3200" dirty="0"/>
+          </a:p>
+          <a:p>
+            <a:pPr marL="0" indent="0">
+              <a:buNone/>
+            </a:pPr>
+            <a:endParaRPr lang="en-US" sz="3200" dirty="0"/>
+          </a:p>
+        </p:txBody>
+      </p:sp>
+    </p:spTree>
+    <p:extLst>
+      <p:ext uri="{BB962C8B-B14F-4D97-AF65-F5344CB8AC3E}">
+        <p14:creationId xmlns:p14="http://schemas.microsoft.com/office/powerpoint/2010/main" val="2194186615"/>
+      </p:ext>
+    </p:extLst>
+  </p:cSld>
+  <p:clrMapOvr>
+    <a:masterClrMapping/>
+  </p:clrMapOvr>
+</p:sld>
+</file>
+
+<file path=ppt/slides/slide59.xml><?xml version="1.0" encoding="utf-8"?>
+<p:sld xmlns:a="http://schemas.openxmlformats.org/drawingml/2006/main" xmlns:r="http://schemas.openxmlformats.org/officeDocument/2006/relationships" xmlns:p="http://schemas.openxmlformats.org/presentationml/2006/main">
+  <p:cSld>
+    <p:spTree>
+      <p:nvGrpSpPr>
+        <p:cNvPr id="1" name=""/>
+        <p:cNvGrpSpPr/>
+        <p:nvPr/>
+      </p:nvGrpSpPr>
+      <p:grpSpPr>
+        <a:xfrm>
+          <a:off x="0" y="0"/>
+          <a:ext cx="0" cy="0"/>
+          <a:chOff x="0" y="0"/>
+          <a:chExt cx="0" cy="0"/>
+        </a:xfrm>
+      </p:grpSpPr>
+      <p:sp>
+        <p:nvSpPr>
+          <p:cNvPr id="2" name="Text Placeholder 1"/>
+          <p:cNvSpPr>
+            <a:spLocks noGrp="1"/>
+          </p:cNvSpPr>
+          <p:nvPr>
+            <p:ph type="body" sz="quarter" idx="10"/>
+          </p:nvPr>
+        </p:nvSpPr>
+        <p:spPr/>
+        <p:txBody>
+          <a:bodyPr/>
+          <a:lstStyle/>
+          <a:p>
+            <a:r>
+              <a:rPr lang="en-US" dirty="0"/>
+              <a:t>Other tools</a:t>
+            </a:r>
+          </a:p>
+        </p:txBody>
+      </p:sp>
+      <p:sp>
+        <p:nvSpPr>
+          <p:cNvPr id="3" name="Content Placeholder 2"/>
+          <p:cNvSpPr>
+            <a:spLocks noGrp="1"/>
+          </p:cNvSpPr>
+          <p:nvPr>
+            <p:ph sz="quarter" idx="11"/>
+          </p:nvPr>
+        </p:nvSpPr>
+        <p:spPr/>
+        <p:txBody>
+          <a:bodyPr/>
+          <a:lstStyle/>
+          <a:p>
+            <a:pPr marL="0" indent="0">
+              <a:buNone/>
+            </a:pPr>
+            <a:r>
               <a:rPr lang="en-US" sz="3200" dirty="0" err="1"/>
               <a:t>Cors</a:t>
             </a:r>
             <a:r>
               <a:rPr lang="en-US" sz="3200" dirty="0"/>
-              <a:t> anywhere (from Internet)</a:t>
+              <a:t> anywhere (resource from Internet)</a:t>
             </a:r>
           </a:p>
           <a:p>
@@ -15436,7 +16285,7 @@
           <a:p>
             <a:r>
               <a:rPr lang="en-US" dirty="0"/>
-              <a:t>HTML</a:t>
+              <a:t>Attributes</a:t>
             </a:r>
           </a:p>
         </p:txBody>
@@ -15459,36 +16308,27 @@
             <a:pPr marL="0" indent="0">
               <a:buNone/>
             </a:pPr>
+            <a:r>
+              <a:rPr lang="en-US" dirty="0"/>
+              <a:t>Attributes are additional values that we us to configure the elements or adjust their behavior.</a:t>
+            </a:r>
+          </a:p>
+          <a:p>
+            <a:pPr marL="0" indent="0">
+              <a:buNone/>
+            </a:pPr>
             <a:endParaRPr lang="en-US" dirty="0"/>
           </a:p>
           <a:p>
-            <a:r>
-              <a:rPr lang="en-US" dirty="0"/>
-              <a:t>HTML syntax and structure</a:t>
-            </a:r>
-          </a:p>
-          <a:p>
-            <a:r>
-              <a:rPr lang="en-US" dirty="0"/>
-              <a:t>Common elements</a:t>
-            </a:r>
-          </a:p>
-          <a:p>
-            <a:r>
-              <a:rPr lang="en-US" dirty="0"/>
-              <a:t>Element attributes</a:t>
-            </a:r>
-          </a:p>
-          <a:p>
-            <a:r>
-              <a:rPr lang="en-US" dirty="0"/>
-              <a:t>DOM</a:t>
-            </a:r>
-          </a:p>
-          <a:p>
-            <a:pPr marL="0" indent="0">
-              <a:buNone/>
-            </a:pPr>
+            <a:pPr marL="0" indent="0">
+              <a:buNone/>
+            </a:pPr>
+            <a:r>
+              <a:rPr lang="en-US" dirty="0">
+                <a:hlinkClick r:id="rId2"/>
+              </a:rPr>
+              <a:t>https://developer.mozilla.org/en-US/docs/Web/HTML/Attributes</a:t>
+            </a:r>
             <a:endParaRPr lang="en-US" dirty="0"/>
           </a:p>
         </p:txBody>
@@ -15496,7 +16336,7 @@
     </p:spTree>
     <p:extLst>
       <p:ext uri="{BB962C8B-B14F-4D97-AF65-F5344CB8AC3E}">
-        <p14:creationId xmlns:p14="http://schemas.microsoft.com/office/powerpoint/2010/main" val="3213289815"/>
+        <p14:creationId xmlns:p14="http://schemas.microsoft.com/office/powerpoint/2010/main" val="630081231"/>
       </p:ext>
     </p:extLst>
   </p:cSld>
@@ -15538,6 +16378,110 @@
           <a:bodyPr/>
           <a:lstStyle/>
           <a:p>
+            <a:r>
+              <a:rPr lang="en-US" dirty="0"/>
+              <a:t>HTML</a:t>
+            </a:r>
+          </a:p>
+        </p:txBody>
+      </p:sp>
+      <p:sp>
+        <p:nvSpPr>
+          <p:cNvPr id="3" name="Content Placeholder 2"/>
+          <p:cNvSpPr>
+            <a:spLocks noGrp="1"/>
+          </p:cNvSpPr>
+          <p:nvPr>
+            <p:ph sz="quarter" idx="11"/>
+          </p:nvPr>
+        </p:nvSpPr>
+        <p:spPr/>
+        <p:txBody>
+          <a:bodyPr/>
+          <a:lstStyle/>
+          <a:p>
+            <a:pPr marL="0" indent="0">
+              <a:buNone/>
+            </a:pPr>
+            <a:endParaRPr lang="en-US" dirty="0"/>
+          </a:p>
+          <a:p>
+            <a:r>
+              <a:rPr lang="en-US" dirty="0"/>
+              <a:t>HTML syntax and structure</a:t>
+            </a:r>
+          </a:p>
+          <a:p>
+            <a:r>
+              <a:rPr lang="en-US" dirty="0"/>
+              <a:t>Common elements</a:t>
+            </a:r>
+          </a:p>
+          <a:p>
+            <a:r>
+              <a:rPr lang="en-US" dirty="0"/>
+              <a:t>Element attributes</a:t>
+            </a:r>
+          </a:p>
+          <a:p>
+            <a:r>
+              <a:rPr lang="en-US" dirty="0"/>
+              <a:t>DOM</a:t>
+            </a:r>
+          </a:p>
+          <a:p>
+            <a:pPr marL="0" indent="0">
+              <a:buNone/>
+            </a:pPr>
+            <a:endParaRPr lang="en-US" dirty="0"/>
+          </a:p>
+        </p:txBody>
+      </p:sp>
+    </p:spTree>
+    <p:extLst>
+      <p:ext uri="{BB962C8B-B14F-4D97-AF65-F5344CB8AC3E}">
+        <p14:creationId xmlns:p14="http://schemas.microsoft.com/office/powerpoint/2010/main" val="3213289815"/>
+      </p:ext>
+    </p:extLst>
+  </p:cSld>
+  <p:clrMapOvr>
+    <a:masterClrMapping/>
+  </p:clrMapOvr>
+</p:sld>
+</file>
+
+<file path=ppt/slides/slide8.xml><?xml version="1.0" encoding="utf-8"?>
+<p:sld xmlns:a="http://schemas.openxmlformats.org/drawingml/2006/main" xmlns:r="http://schemas.openxmlformats.org/officeDocument/2006/relationships" xmlns:p="http://schemas.openxmlformats.org/presentationml/2006/main">
+  <p:cSld>
+    <p:spTree>
+      <p:nvGrpSpPr>
+        <p:cNvPr id="1" name=""/>
+        <p:cNvGrpSpPr/>
+        <p:nvPr/>
+      </p:nvGrpSpPr>
+      <p:grpSpPr>
+        <a:xfrm>
+          <a:off x="0" y="0"/>
+          <a:ext cx="0" cy="0"/>
+          <a:chOff x="0" y="0"/>
+          <a:chExt cx="0" cy="0"/>
+        </a:xfrm>
+      </p:grpSpPr>
+      <p:sp>
+        <p:nvSpPr>
+          <p:cNvPr id="2" name="Text Placeholder 1"/>
+          <p:cNvSpPr>
+            <a:spLocks noGrp="1"/>
+          </p:cNvSpPr>
+          <p:nvPr>
+            <p:ph type="body" sz="quarter" idx="10"/>
+          </p:nvPr>
+        </p:nvSpPr>
+        <p:spPr/>
+        <p:txBody>
+          <a:bodyPr/>
+          <a:lstStyle/>
+          <a:p>
             <a:pPr>
               <a:buNone/>
             </a:pPr>
@@ -15700,7 +16644,7 @@
 </p:sld>
 </file>
 
-<file path=ppt/slides/slide8.xml><?xml version="1.0" encoding="utf-8"?>
+<file path=ppt/slides/slide9.xml><?xml version="1.0" encoding="utf-8"?>
 <p:sld xmlns:a="http://schemas.openxmlformats.org/drawingml/2006/main" xmlns:r="http://schemas.openxmlformats.org/officeDocument/2006/relationships" xmlns:p="http://schemas.openxmlformats.org/presentationml/2006/main">
   <p:cSld>
     <p:spTree>
@@ -15870,478 +16814,6 @@
     <p:extLst>
       <p:ext uri="{BB962C8B-B14F-4D97-AF65-F5344CB8AC3E}">
         <p14:creationId xmlns:p14="http://schemas.microsoft.com/office/powerpoint/2010/main" val="4241440229"/>
-      </p:ext>
-    </p:extLst>
-  </p:cSld>
-  <p:clrMapOvr>
-    <a:masterClrMapping/>
-  </p:clrMapOvr>
-</p:sld>
-</file>
-
-<file path=ppt/slides/slide9.xml><?xml version="1.0" encoding="utf-8"?>
-<p:sld xmlns:a="http://schemas.openxmlformats.org/drawingml/2006/main" xmlns:r="http://schemas.openxmlformats.org/officeDocument/2006/relationships" xmlns:p="http://schemas.openxmlformats.org/presentationml/2006/main">
-  <p:cSld>
-    <p:spTree>
-      <p:nvGrpSpPr>
-        <p:cNvPr id="1" name=""/>
-        <p:cNvGrpSpPr/>
-        <p:nvPr/>
-      </p:nvGrpSpPr>
-      <p:grpSpPr>
-        <a:xfrm>
-          <a:off x="0" y="0"/>
-          <a:ext cx="0" cy="0"/>
-          <a:chOff x="0" y="0"/>
-          <a:chExt cx="0" cy="0"/>
-        </a:xfrm>
-      </p:grpSpPr>
-      <p:sp>
-        <p:nvSpPr>
-          <p:cNvPr id="2" name="Text Placeholder 1"/>
-          <p:cNvSpPr>
-            <a:spLocks noGrp="1"/>
-          </p:cNvSpPr>
-          <p:nvPr>
-            <p:ph type="body" sz="quarter" idx="10"/>
-          </p:nvPr>
-        </p:nvSpPr>
-        <p:spPr/>
-        <p:txBody>
-          <a:bodyPr/>
-          <a:lstStyle/>
-          <a:p>
-            <a:r>
-              <a:rPr lang="en-US" dirty="0"/>
-              <a:t>DOM</a:t>
-            </a:r>
-          </a:p>
-        </p:txBody>
-      </p:sp>
-      <p:sp>
-        <p:nvSpPr>
-          <p:cNvPr id="3" name="Content Placeholder 2"/>
-          <p:cNvSpPr>
-            <a:spLocks noGrp="1"/>
-          </p:cNvSpPr>
-          <p:nvPr>
-            <p:ph sz="quarter" idx="11"/>
-          </p:nvPr>
-        </p:nvSpPr>
-        <p:spPr/>
-        <p:txBody>
-          <a:bodyPr anchor="b" anchorCtr="0"/>
-          <a:lstStyle/>
-          <a:p>
-            <a:pPr marL="0" indent="0">
-              <a:buNone/>
-            </a:pPr>
-            <a:r>
-              <a:rPr lang="en-US" sz="3200" dirty="0"/>
-              <a:t>Browser convert HTML into  a DOM (Document Object Model) tree model.</a:t>
-            </a:r>
-          </a:p>
-          <a:p>
-            <a:pPr marL="0" indent="0">
-              <a:buNone/>
-            </a:pPr>
-            <a:r>
-              <a:rPr lang="en-US" sz="3200" dirty="0">
-                <a:hlinkClick r:id="rId2"/>
-              </a:rPr>
-              <a:t>https://developer.mozilla.org/en-US/docs/Learn/CSS/First_steps/How_CSS_works</a:t>
-            </a:r>
-            <a:endParaRPr lang="en-US" sz="3200" dirty="0"/>
-          </a:p>
-        </p:txBody>
-      </p:sp>
-      <p:sp>
-        <p:nvSpPr>
-          <p:cNvPr id="4" name="Rectangle 3"/>
-          <p:cNvSpPr/>
-          <p:nvPr/>
-        </p:nvSpPr>
-        <p:spPr>
-          <a:xfrm>
-            <a:off x="718459" y="2195562"/>
-            <a:ext cx="1802674" cy="1554480"/>
-          </a:xfrm>
-          <a:prstGeom prst="rect">
-            <a:avLst/>
-          </a:prstGeom>
-          <a:solidFill>
-            <a:schemeClr val="bg1"/>
-          </a:solidFill>
-          <a:ln>
-            <a:solidFill>
-              <a:schemeClr val="tx1"/>
-            </a:solidFill>
-          </a:ln>
-        </p:spPr>
-        <p:style>
-          <a:lnRef idx="2">
-            <a:schemeClr val="accent1">
-              <a:shade val="50000"/>
-            </a:schemeClr>
-          </a:lnRef>
-          <a:fillRef idx="1">
-            <a:schemeClr val="accent1"/>
-          </a:fillRef>
-          <a:effectRef idx="0">
-            <a:schemeClr val="accent1"/>
-          </a:effectRef>
-          <a:fontRef idx="minor">
-            <a:schemeClr val="lt1"/>
-          </a:fontRef>
-        </p:style>
-        <p:txBody>
-          <a:bodyPr rtlCol="0" anchor="ctr"/>
-          <a:lstStyle/>
-          <a:p>
-            <a:pPr algn="ctr"/>
-            <a:r>
-              <a:rPr lang="en-US" sz="3200" dirty="0">
-                <a:solidFill>
-                  <a:schemeClr val="tx1"/>
-                </a:solidFill>
-                <a:latin typeface="Arial Narrow" panose="020B0606020202030204" pitchFamily="34" charset="0"/>
-              </a:rPr>
-              <a:t>Load</a:t>
-            </a:r>
-          </a:p>
-          <a:p>
-            <a:pPr algn="ctr"/>
-            <a:r>
-              <a:rPr lang="en-US" sz="3200" dirty="0">
-                <a:solidFill>
-                  <a:schemeClr val="tx1"/>
-                </a:solidFill>
-                <a:latin typeface="Arial Narrow" panose="020B0606020202030204" pitchFamily="34" charset="0"/>
-              </a:rPr>
-              <a:t>HTML</a:t>
-            </a:r>
-          </a:p>
-        </p:txBody>
-      </p:sp>
-      <p:sp>
-        <p:nvSpPr>
-          <p:cNvPr id="5" name="Rectangle 4"/>
-          <p:cNvSpPr/>
-          <p:nvPr/>
-        </p:nvSpPr>
-        <p:spPr>
-          <a:xfrm>
-            <a:off x="3549760" y="2195562"/>
-            <a:ext cx="1802674" cy="1554480"/>
-          </a:xfrm>
-          <a:prstGeom prst="rect">
-            <a:avLst/>
-          </a:prstGeom>
-          <a:solidFill>
-            <a:schemeClr val="bg1"/>
-          </a:solidFill>
-          <a:ln>
-            <a:solidFill>
-              <a:schemeClr val="tx1"/>
-            </a:solidFill>
-          </a:ln>
-        </p:spPr>
-        <p:style>
-          <a:lnRef idx="2">
-            <a:schemeClr val="accent1">
-              <a:shade val="50000"/>
-            </a:schemeClr>
-          </a:lnRef>
-          <a:fillRef idx="1">
-            <a:schemeClr val="accent1"/>
-          </a:fillRef>
-          <a:effectRef idx="0">
-            <a:schemeClr val="accent1"/>
-          </a:effectRef>
-          <a:fontRef idx="minor">
-            <a:schemeClr val="lt1"/>
-          </a:fontRef>
-        </p:style>
-        <p:txBody>
-          <a:bodyPr rtlCol="0" anchor="ctr"/>
-          <a:lstStyle/>
-          <a:p>
-            <a:pPr algn="ctr"/>
-            <a:r>
-              <a:rPr lang="en-US" sz="3200" dirty="0">
-                <a:solidFill>
-                  <a:schemeClr val="tx1"/>
-                </a:solidFill>
-                <a:latin typeface="Arial Narrow" panose="020B0606020202030204" pitchFamily="34" charset="0"/>
-              </a:rPr>
-              <a:t>Parse</a:t>
-            </a:r>
-          </a:p>
-          <a:p>
-            <a:pPr algn="ctr"/>
-            <a:r>
-              <a:rPr lang="en-US" sz="3200" dirty="0">
-                <a:solidFill>
-                  <a:schemeClr val="tx1"/>
-                </a:solidFill>
-                <a:latin typeface="Arial Narrow" panose="020B0606020202030204" pitchFamily="34" charset="0"/>
-              </a:rPr>
-              <a:t>HTML</a:t>
-            </a:r>
-          </a:p>
-        </p:txBody>
-      </p:sp>
-      <p:sp>
-        <p:nvSpPr>
-          <p:cNvPr id="6" name="Rectangle 5"/>
-          <p:cNvSpPr/>
-          <p:nvPr/>
-        </p:nvSpPr>
-        <p:spPr>
-          <a:xfrm>
-            <a:off x="6381061" y="2195562"/>
-            <a:ext cx="1802674" cy="1554480"/>
-          </a:xfrm>
-          <a:prstGeom prst="rect">
-            <a:avLst/>
-          </a:prstGeom>
-          <a:solidFill>
-            <a:schemeClr val="bg1"/>
-          </a:solidFill>
-          <a:ln>
-            <a:solidFill>
-              <a:schemeClr val="tx1"/>
-            </a:solidFill>
-          </a:ln>
-        </p:spPr>
-        <p:style>
-          <a:lnRef idx="2">
-            <a:schemeClr val="accent1">
-              <a:shade val="50000"/>
-            </a:schemeClr>
-          </a:lnRef>
-          <a:fillRef idx="1">
-            <a:schemeClr val="accent1"/>
-          </a:fillRef>
-          <a:effectRef idx="0">
-            <a:schemeClr val="accent1"/>
-          </a:effectRef>
-          <a:fontRef idx="minor">
-            <a:schemeClr val="lt1"/>
-          </a:fontRef>
-        </p:style>
-        <p:txBody>
-          <a:bodyPr rtlCol="0" anchor="ctr"/>
-          <a:lstStyle/>
-          <a:p>
-            <a:pPr algn="ctr"/>
-            <a:r>
-              <a:rPr lang="en-US" sz="3200" dirty="0">
-                <a:solidFill>
-                  <a:schemeClr val="tx1"/>
-                </a:solidFill>
-                <a:latin typeface="Arial Narrow" panose="020B0606020202030204" pitchFamily="34" charset="0"/>
-              </a:rPr>
-              <a:t>Create</a:t>
-            </a:r>
-          </a:p>
-          <a:p>
-            <a:pPr algn="ctr"/>
-            <a:r>
-              <a:rPr lang="en-US" sz="3200" dirty="0">
-                <a:solidFill>
-                  <a:schemeClr val="tx1"/>
-                </a:solidFill>
-                <a:latin typeface="Arial Narrow" panose="020B0606020202030204" pitchFamily="34" charset="0"/>
-              </a:rPr>
-              <a:t>DOM</a:t>
-            </a:r>
-          </a:p>
-          <a:p>
-            <a:pPr algn="ctr"/>
-            <a:r>
-              <a:rPr lang="en-US" sz="3200" dirty="0">
-                <a:solidFill>
-                  <a:schemeClr val="tx1"/>
-                </a:solidFill>
-                <a:latin typeface="Arial Narrow" panose="020B0606020202030204" pitchFamily="34" charset="0"/>
-              </a:rPr>
-              <a:t>Tree</a:t>
-            </a:r>
-          </a:p>
-        </p:txBody>
-      </p:sp>
-      <p:sp>
-        <p:nvSpPr>
-          <p:cNvPr id="8" name="Rectangle 7"/>
-          <p:cNvSpPr/>
-          <p:nvPr/>
-        </p:nvSpPr>
-        <p:spPr>
-          <a:xfrm>
-            <a:off x="9212362" y="2195562"/>
-            <a:ext cx="1802674" cy="1554480"/>
-          </a:xfrm>
-          <a:prstGeom prst="rect">
-            <a:avLst/>
-          </a:prstGeom>
-          <a:solidFill>
-            <a:schemeClr val="bg1"/>
-          </a:solidFill>
-          <a:ln>
-            <a:solidFill>
-              <a:schemeClr val="tx1"/>
-            </a:solidFill>
-          </a:ln>
-        </p:spPr>
-        <p:style>
-          <a:lnRef idx="2">
-            <a:schemeClr val="accent1">
-              <a:shade val="50000"/>
-            </a:schemeClr>
-          </a:lnRef>
-          <a:fillRef idx="1">
-            <a:schemeClr val="accent1"/>
-          </a:fillRef>
-          <a:effectRef idx="0">
-            <a:schemeClr val="accent1"/>
-          </a:effectRef>
-          <a:fontRef idx="minor">
-            <a:schemeClr val="lt1"/>
-          </a:fontRef>
-        </p:style>
-        <p:txBody>
-          <a:bodyPr rtlCol="0" anchor="ctr"/>
-          <a:lstStyle/>
-          <a:p>
-            <a:pPr algn="ctr"/>
-            <a:r>
-              <a:rPr lang="en-US" sz="3200" dirty="0">
-                <a:solidFill>
-                  <a:schemeClr val="tx1"/>
-                </a:solidFill>
-                <a:latin typeface="Arial Narrow" panose="020B0606020202030204" pitchFamily="34" charset="0"/>
-              </a:rPr>
-              <a:t>Display</a:t>
-            </a:r>
-          </a:p>
-        </p:txBody>
-      </p:sp>
-      <p:cxnSp>
-        <p:nvCxnSpPr>
-          <p:cNvPr id="10" name="Straight Arrow Connector 9"/>
-          <p:cNvCxnSpPr>
-            <a:stCxn id="4" idx="3"/>
-            <a:endCxn id="5" idx="1"/>
-          </p:cNvCxnSpPr>
-          <p:nvPr/>
-        </p:nvCxnSpPr>
-        <p:spPr>
-          <a:xfrm>
-            <a:off x="2521133" y="2972802"/>
-            <a:ext cx="1028627" cy="0"/>
-          </a:xfrm>
-          <a:prstGeom prst="straightConnector1">
-            <a:avLst/>
-          </a:prstGeom>
-          <a:ln w="63500">
-            <a:solidFill>
-              <a:srgbClr val="EF3A6F"/>
-            </a:solidFill>
-            <a:tailEnd type="triangle"/>
-          </a:ln>
-        </p:spPr>
-        <p:style>
-          <a:lnRef idx="1">
-            <a:schemeClr val="accent1"/>
-          </a:lnRef>
-          <a:fillRef idx="0">
-            <a:schemeClr val="accent1"/>
-          </a:fillRef>
-          <a:effectRef idx="0">
-            <a:schemeClr val="accent1"/>
-          </a:effectRef>
-          <a:fontRef idx="minor">
-            <a:schemeClr val="tx1"/>
-          </a:fontRef>
-        </p:style>
-      </p:cxnSp>
-      <p:cxnSp>
-        <p:nvCxnSpPr>
-          <p:cNvPr id="11" name="Straight Arrow Connector 10"/>
-          <p:cNvCxnSpPr/>
-          <p:nvPr/>
-        </p:nvCxnSpPr>
-        <p:spPr>
-          <a:xfrm>
-            <a:off x="5352434" y="2972802"/>
-            <a:ext cx="1028627" cy="0"/>
-          </a:xfrm>
-          <a:prstGeom prst="straightConnector1">
-            <a:avLst/>
-          </a:prstGeom>
-          <a:ln w="63500">
-            <a:solidFill>
-              <a:srgbClr val="EF3A6F"/>
-            </a:solidFill>
-            <a:tailEnd type="triangle"/>
-          </a:ln>
-        </p:spPr>
-        <p:style>
-          <a:lnRef idx="1">
-            <a:schemeClr val="accent1"/>
-          </a:lnRef>
-          <a:fillRef idx="0">
-            <a:schemeClr val="accent1"/>
-          </a:fillRef>
-          <a:effectRef idx="0">
-            <a:schemeClr val="accent1"/>
-          </a:effectRef>
-          <a:fontRef idx="minor">
-            <a:schemeClr val="tx1"/>
-          </a:fontRef>
-        </p:style>
-      </p:cxnSp>
-      <p:cxnSp>
-        <p:nvCxnSpPr>
-          <p:cNvPr id="12" name="Straight Arrow Connector 11"/>
-          <p:cNvCxnSpPr/>
-          <p:nvPr/>
-        </p:nvCxnSpPr>
-        <p:spPr>
-          <a:xfrm>
-            <a:off x="8183735" y="2972802"/>
-            <a:ext cx="1028627" cy="0"/>
-          </a:xfrm>
-          <a:prstGeom prst="straightConnector1">
-            <a:avLst/>
-          </a:prstGeom>
-          <a:ln w="63500">
-            <a:solidFill>
-              <a:srgbClr val="EF3A6F"/>
-            </a:solidFill>
-            <a:tailEnd type="triangle"/>
-          </a:ln>
-        </p:spPr>
-        <p:style>
-          <a:lnRef idx="1">
-            <a:schemeClr val="accent1"/>
-          </a:lnRef>
-          <a:fillRef idx="0">
-            <a:schemeClr val="accent1"/>
-          </a:fillRef>
-          <a:effectRef idx="0">
-            <a:schemeClr val="accent1"/>
-          </a:effectRef>
-          <a:fontRef idx="minor">
-            <a:schemeClr val="tx1"/>
-          </a:fontRef>
-        </p:style>
-      </p:cxnSp>
-    </p:spTree>
-    <p:extLst>
-      <p:ext uri="{BB962C8B-B14F-4D97-AF65-F5344CB8AC3E}">
-        <p14:creationId xmlns:p14="http://schemas.microsoft.com/office/powerpoint/2010/main" val="1053289181"/>
       </p:ext>
     </p:extLst>
   </p:cSld>
@@ -16610,4 +17082,299 @@
     </a:ext>
   </a:extLst>
 </a:theme>
+</file>
+
+<file path=ppt/theme/theme2.xml><?xml version="1.0" encoding="utf-8"?>
+<a:theme xmlns:a="http://schemas.openxmlformats.org/drawingml/2006/main" name="Office Theme">
+  <a:themeElements>
+    <a:clrScheme name="Office">
+      <a:dk1>
+        <a:sysClr val="windowText" lastClr="000000"/>
+      </a:dk1>
+      <a:lt1>
+        <a:sysClr val="window" lastClr="FFFFFF"/>
+      </a:lt1>
+      <a:dk2>
+        <a:srgbClr val="44546A"/>
+      </a:dk2>
+      <a:lt2>
+        <a:srgbClr val="E7E6E6"/>
+      </a:lt2>
+      <a:accent1>
+        <a:srgbClr val="4472C4"/>
+      </a:accent1>
+      <a:accent2>
+        <a:srgbClr val="ED7D31"/>
+      </a:accent2>
+      <a:accent3>
+        <a:srgbClr val="A5A5A5"/>
+      </a:accent3>
+      <a:accent4>
+        <a:srgbClr val="FFC000"/>
+      </a:accent4>
+      <a:accent5>
+        <a:srgbClr val="5B9BD5"/>
+      </a:accent5>
+      <a:accent6>
+        <a:srgbClr val="70AD47"/>
+      </a:accent6>
+      <a:hlink>
+        <a:srgbClr val="0563C1"/>
+      </a:hlink>
+      <a:folHlink>
+        <a:srgbClr val="954F72"/>
+      </a:folHlink>
+    </a:clrScheme>
+    <a:fontScheme name="Office">
+      <a:majorFont>
+        <a:latin typeface="Calibri Light" panose="020F0302020204030204"/>
+        <a:ea typeface=""/>
+        <a:cs typeface=""/>
+        <a:font script="Jpan" typeface="游ゴシック Light"/>
+        <a:font script="Hang" typeface="맑은 고딕"/>
+        <a:font script="Hans" typeface="等线 Light"/>
+        <a:font script="Hant" typeface="新細明體"/>
+        <a:font script="Arab" typeface="Times New Roman"/>
+        <a:font script="Hebr" typeface="Times New Roman"/>
+        <a:font script="Thai" typeface="Angsana New"/>
+        <a:font script="Ethi" typeface="Nyala"/>
+        <a:font script="Beng" typeface="Vrinda"/>
+        <a:font script="Gujr" typeface="Shruti"/>
+        <a:font script="Khmr" typeface="MoolBoran"/>
+        <a:font script="Knda" typeface="Tunga"/>
+        <a:font script="Guru" typeface="Raavi"/>
+        <a:font script="Cans" typeface="Euphemia"/>
+        <a:font script="Cher" typeface="Plantagenet Cherokee"/>
+        <a:font script="Yiii" typeface="Microsoft Yi Baiti"/>
+        <a:font script="Tibt" typeface="Microsoft Himalaya"/>
+        <a:font script="Thaa" typeface="MV Boli"/>
+        <a:font script="Deva" typeface="Mangal"/>
+        <a:font script="Telu" typeface="Gautami"/>
+        <a:font script="Taml" typeface="Latha"/>
+        <a:font script="Syrc" typeface="Estrangelo Edessa"/>
+        <a:font script="Orya" typeface="Kalinga"/>
+        <a:font script="Mlym" typeface="Kartika"/>
+        <a:font script="Laoo" typeface="DokChampa"/>
+        <a:font script="Sinh" typeface="Iskoola Pota"/>
+        <a:font script="Mong" typeface="Mongolian Baiti"/>
+        <a:font script="Viet" typeface="Times New Roman"/>
+        <a:font script="Uigh" typeface="Microsoft Uighur"/>
+        <a:font script="Geor" typeface="Sylfaen"/>
+        <a:font script="Armn" typeface="Arial"/>
+        <a:font script="Bugi" typeface="Leelawadee UI"/>
+        <a:font script="Bopo" typeface="Microsoft JhengHei"/>
+        <a:font script="Java" typeface="Javanese Text"/>
+        <a:font script="Lisu" typeface="Segoe UI"/>
+        <a:font script="Mymr" typeface="Myanmar Text"/>
+        <a:font script="Nkoo" typeface="Ebrima"/>
+        <a:font script="Olck" typeface="Nirmala UI"/>
+        <a:font script="Osma" typeface="Ebrima"/>
+        <a:font script="Phag" typeface="Phagspa"/>
+        <a:font script="Syrn" typeface="Estrangelo Edessa"/>
+        <a:font script="Syrj" typeface="Estrangelo Edessa"/>
+        <a:font script="Syre" typeface="Estrangelo Edessa"/>
+        <a:font script="Sora" typeface="Nirmala UI"/>
+        <a:font script="Tale" typeface="Microsoft Tai Le"/>
+        <a:font script="Talu" typeface="Microsoft New Tai Lue"/>
+        <a:font script="Tfng" typeface="Ebrima"/>
+      </a:majorFont>
+      <a:minorFont>
+        <a:latin typeface="Calibri" panose="020F0502020204030204"/>
+        <a:ea typeface=""/>
+        <a:cs typeface=""/>
+        <a:font script="Jpan" typeface="游ゴシック"/>
+        <a:font script="Hang" typeface="맑은 고딕"/>
+        <a:font script="Hans" typeface="等线"/>
+        <a:font script="Hant" typeface="新細明體"/>
+        <a:font script="Arab" typeface="Arial"/>
+        <a:font script="Hebr" typeface="Arial"/>
+        <a:font script="Thai" typeface="Cordia New"/>
+        <a:font script="Ethi" typeface="Nyala"/>
+        <a:font script="Beng" typeface="Vrinda"/>
+        <a:font script="Gujr" typeface="Shruti"/>
+        <a:font script="Khmr" typeface="DaunPenh"/>
+        <a:font script="Knda" typeface="Tunga"/>
+        <a:font script="Guru" typeface="Raavi"/>
+        <a:font script="Cans" typeface="Euphemia"/>
+        <a:font script="Cher" typeface="Plantagenet Cherokee"/>
+        <a:font script="Yiii" typeface="Microsoft Yi Baiti"/>
+        <a:font script="Tibt" typeface="Microsoft Himalaya"/>
+        <a:font script="Thaa" typeface="MV Boli"/>
+        <a:font script="Deva" typeface="Mangal"/>
+        <a:font script="Telu" typeface="Gautami"/>
+        <a:font script="Taml" typeface="Latha"/>
+        <a:font script="Syrc" typeface="Estrangelo Edessa"/>
+        <a:font script="Orya" typeface="Kalinga"/>
+        <a:font script="Mlym" typeface="Kartika"/>
+        <a:font script="Laoo" typeface="DokChampa"/>
+        <a:font script="Sinh" typeface="Iskoola Pota"/>
+        <a:font script="Mong" typeface="Mongolian Baiti"/>
+        <a:font script="Viet" typeface="Arial"/>
+        <a:font script="Uigh" typeface="Microsoft Uighur"/>
+        <a:font script="Geor" typeface="Sylfaen"/>
+        <a:font script="Armn" typeface="Arial"/>
+        <a:font script="Bugi" typeface="Leelawadee UI"/>
+        <a:font script="Bopo" typeface="Microsoft JhengHei"/>
+        <a:font script="Java" typeface="Javanese Text"/>
+        <a:font script="Lisu" typeface="Segoe UI"/>
+        <a:font script="Mymr" typeface="Myanmar Text"/>
+        <a:font script="Nkoo" typeface="Ebrima"/>
+        <a:font script="Olck" typeface="Nirmala UI"/>
+        <a:font script="Osma" typeface="Ebrima"/>
+        <a:font script="Phag" typeface="Phagspa"/>
+        <a:font script="Syrn" typeface="Estrangelo Edessa"/>
+        <a:font script="Syrj" typeface="Estrangelo Edessa"/>
+        <a:font script="Syre" typeface="Estrangelo Edessa"/>
+        <a:font script="Sora" typeface="Nirmala UI"/>
+        <a:font script="Tale" typeface="Microsoft Tai Le"/>
+        <a:font script="Talu" typeface="Microsoft New Tai Lue"/>
+        <a:font script="Tfng" typeface="Ebrima"/>
+      </a:minorFont>
+    </a:fontScheme>
+    <a:fmtScheme name="Office">
+      <a:fillStyleLst>
+        <a:solidFill>
+          <a:schemeClr val="phClr"/>
+        </a:solidFill>
+        <a:gradFill rotWithShape="1">
+          <a:gsLst>
+            <a:gs pos="0">
+              <a:schemeClr val="phClr">
+                <a:lumMod val="110000"/>
+                <a:satMod val="105000"/>
+                <a:tint val="67000"/>
+              </a:schemeClr>
+            </a:gs>
+            <a:gs pos="50000">
+              <a:schemeClr val="phClr">
+                <a:lumMod val="105000"/>
+                <a:satMod val="103000"/>
+                <a:tint val="73000"/>
+              </a:schemeClr>
+            </a:gs>
+            <a:gs pos="100000">
+              <a:schemeClr val="phClr">
+                <a:lumMod val="105000"/>
+                <a:satMod val="109000"/>
+                <a:tint val="81000"/>
+              </a:schemeClr>
+            </a:gs>
+          </a:gsLst>
+          <a:lin ang="5400000" scaled="0"/>
+        </a:gradFill>
+        <a:gradFill rotWithShape="1">
+          <a:gsLst>
+            <a:gs pos="0">
+              <a:schemeClr val="phClr">
+                <a:satMod val="103000"/>
+                <a:lumMod val="102000"/>
+                <a:tint val="94000"/>
+              </a:schemeClr>
+            </a:gs>
+            <a:gs pos="50000">
+              <a:schemeClr val="phClr">
+                <a:satMod val="110000"/>
+                <a:lumMod val="100000"/>
+                <a:shade val="100000"/>
+              </a:schemeClr>
+            </a:gs>
+            <a:gs pos="100000">
+              <a:schemeClr val="phClr">
+                <a:lumMod val="99000"/>
+                <a:satMod val="120000"/>
+                <a:shade val="78000"/>
+              </a:schemeClr>
+            </a:gs>
+          </a:gsLst>
+          <a:lin ang="5400000" scaled="0"/>
+        </a:gradFill>
+      </a:fillStyleLst>
+      <a:lnStyleLst>
+        <a:ln w="6350" cap="flat" cmpd="sng" algn="ctr">
+          <a:solidFill>
+            <a:schemeClr val="phClr"/>
+          </a:solidFill>
+          <a:prstDash val="solid"/>
+          <a:miter lim="800000"/>
+        </a:ln>
+        <a:ln w="12700" cap="flat" cmpd="sng" algn="ctr">
+          <a:solidFill>
+            <a:schemeClr val="phClr"/>
+          </a:solidFill>
+          <a:prstDash val="solid"/>
+          <a:miter lim="800000"/>
+        </a:ln>
+        <a:ln w="19050" cap="flat" cmpd="sng" algn="ctr">
+          <a:solidFill>
+            <a:schemeClr val="phClr"/>
+          </a:solidFill>
+          <a:prstDash val="solid"/>
+          <a:miter lim="800000"/>
+        </a:ln>
+      </a:lnStyleLst>
+      <a:effectStyleLst>
+        <a:effectStyle>
+          <a:effectLst/>
+        </a:effectStyle>
+        <a:effectStyle>
+          <a:effectLst/>
+        </a:effectStyle>
+        <a:effectStyle>
+          <a:effectLst>
+            <a:outerShdw blurRad="57150" dist="19050" dir="5400000" algn="ctr" rotWithShape="0">
+              <a:srgbClr val="000000">
+                <a:alpha val="63000"/>
+              </a:srgbClr>
+            </a:outerShdw>
+          </a:effectLst>
+        </a:effectStyle>
+      </a:effectStyleLst>
+      <a:bgFillStyleLst>
+        <a:solidFill>
+          <a:schemeClr val="phClr"/>
+        </a:solidFill>
+        <a:solidFill>
+          <a:schemeClr val="phClr">
+            <a:tint val="95000"/>
+            <a:satMod val="170000"/>
+          </a:schemeClr>
+        </a:solidFill>
+        <a:gradFill rotWithShape="1">
+          <a:gsLst>
+            <a:gs pos="0">
+              <a:schemeClr val="phClr">
+                <a:tint val="93000"/>
+                <a:satMod val="150000"/>
+                <a:shade val="98000"/>
+                <a:lumMod val="102000"/>
+              </a:schemeClr>
+            </a:gs>
+            <a:gs pos="50000">
+              <a:schemeClr val="phClr">
+                <a:tint val="98000"/>
+                <a:satMod val="130000"/>
+                <a:shade val="90000"/>
+                <a:lumMod val="103000"/>
+              </a:schemeClr>
+            </a:gs>
+            <a:gs pos="100000">
+              <a:schemeClr val="phClr">
+                <a:shade val="63000"/>
+                <a:satMod val="120000"/>
+              </a:schemeClr>
+            </a:gs>
+          </a:gsLst>
+          <a:lin ang="5400000" scaled="0"/>
+        </a:gradFill>
+      </a:bgFillStyleLst>
+    </a:fmtScheme>
+  </a:themeElements>
+  <a:objectDefaults/>
+  <a:extraClrSchemeLst/>
+  <a:extLst>
+    <a:ext uri="{05A4C25C-085E-4340-85A3-A5531E510DB2}">
+      <thm15:themeFamily xmlns:thm15="http://schemas.microsoft.com/office/thememl/2012/main" name="Office Theme" id="{62F939B6-93AF-4DB8-9C6B-D6C7DFDC589F}" vid="{4A3C46E8-61CC-4603-A589-7422A47A8E4A}"/>
+    </a:ext>
+  </a:extLst>
+</a:theme>
 </file>